--- a/Chapter5/work/work.pptx
+++ b/Chapter5/work/work.pptx
@@ -6,6 +6,9 @@
   </p:sldMasterIdLst>
   <p:sldIdLst>
     <p:sldId id="257" r:id="rId2"/>
+    <p:sldId id="258" r:id="rId3"/>
+    <p:sldId id="259" r:id="rId4"/>
+    <p:sldId id="260" r:id="rId5"/>
   </p:sldIdLst>
   <p:sldSz cx="12192000" cy="6858000"/>
   <p:notesSz cx="6858000" cy="9144000"/>
@@ -270,7 +273,7 @@
           <a:p>
             <a:fld id="{78142B85-FF00-E54C-971A-5BDE694839D1}" type="datetimeFigureOut">
               <a:rPr kumimoji="1" lang="ja-JP" altLang="en-US" smtClean="0"/>
-              <a:t>2019/11/9</a:t>
+              <a:t>2019/11/10</a:t>
             </a:fld>
             <a:endParaRPr kumimoji="1" lang="ja-JP" altLang="en-US"/>
           </a:p>
@@ -500,7 +503,7 @@
           <a:p>
             <a:fld id="{78142B85-FF00-E54C-971A-5BDE694839D1}" type="datetimeFigureOut">
               <a:rPr kumimoji="1" lang="ja-JP" altLang="en-US" smtClean="0"/>
-              <a:t>2019/11/9</a:t>
+              <a:t>2019/11/10</a:t>
             </a:fld>
             <a:endParaRPr kumimoji="1" lang="ja-JP" altLang="en-US"/>
           </a:p>
@@ -740,7 +743,7 @@
           <a:p>
             <a:fld id="{78142B85-FF00-E54C-971A-5BDE694839D1}" type="datetimeFigureOut">
               <a:rPr kumimoji="1" lang="ja-JP" altLang="en-US" smtClean="0"/>
-              <a:t>2019/11/9</a:t>
+              <a:t>2019/11/10</a:t>
             </a:fld>
             <a:endParaRPr kumimoji="1" lang="ja-JP" altLang="en-US"/>
           </a:p>
@@ -970,7 +973,7 @@
           <a:p>
             <a:fld id="{78142B85-FF00-E54C-971A-5BDE694839D1}" type="datetimeFigureOut">
               <a:rPr kumimoji="1" lang="ja-JP" altLang="en-US" smtClean="0"/>
-              <a:t>2019/11/9</a:t>
+              <a:t>2019/11/10</a:t>
             </a:fld>
             <a:endParaRPr kumimoji="1" lang="ja-JP" altLang="en-US"/>
           </a:p>
@@ -1245,7 +1248,7 @@
           <a:p>
             <a:fld id="{78142B85-FF00-E54C-971A-5BDE694839D1}" type="datetimeFigureOut">
               <a:rPr kumimoji="1" lang="ja-JP" altLang="en-US" smtClean="0"/>
-              <a:t>2019/11/9</a:t>
+              <a:t>2019/11/10</a:t>
             </a:fld>
             <a:endParaRPr kumimoji="1" lang="ja-JP" altLang="en-US"/>
           </a:p>
@@ -1574,7 +1577,7 @@
           <a:p>
             <a:fld id="{78142B85-FF00-E54C-971A-5BDE694839D1}" type="datetimeFigureOut">
               <a:rPr kumimoji="1" lang="ja-JP" altLang="en-US" smtClean="0"/>
-              <a:t>2019/11/9</a:t>
+              <a:t>2019/11/10</a:t>
             </a:fld>
             <a:endParaRPr kumimoji="1" lang="ja-JP" altLang="en-US"/>
           </a:p>
@@ -2050,7 +2053,7 @@
           <a:p>
             <a:fld id="{78142B85-FF00-E54C-971A-5BDE694839D1}" type="datetimeFigureOut">
               <a:rPr kumimoji="1" lang="ja-JP" altLang="en-US" smtClean="0"/>
-              <a:t>2019/11/9</a:t>
+              <a:t>2019/11/10</a:t>
             </a:fld>
             <a:endParaRPr kumimoji="1" lang="ja-JP" altLang="en-US"/>
           </a:p>
@@ -2191,7 +2194,7 @@
           <a:p>
             <a:fld id="{78142B85-FF00-E54C-971A-5BDE694839D1}" type="datetimeFigureOut">
               <a:rPr kumimoji="1" lang="ja-JP" altLang="en-US" smtClean="0"/>
-              <a:t>2019/11/9</a:t>
+              <a:t>2019/11/10</a:t>
             </a:fld>
             <a:endParaRPr kumimoji="1" lang="ja-JP" altLang="en-US"/>
           </a:p>
@@ -2304,7 +2307,7 @@
           <a:p>
             <a:fld id="{78142B85-FF00-E54C-971A-5BDE694839D1}" type="datetimeFigureOut">
               <a:rPr kumimoji="1" lang="ja-JP" altLang="en-US" smtClean="0"/>
-              <a:t>2019/11/9</a:t>
+              <a:t>2019/11/10</a:t>
             </a:fld>
             <a:endParaRPr kumimoji="1" lang="ja-JP" altLang="en-US"/>
           </a:p>
@@ -2647,7 +2650,7 @@
           <a:p>
             <a:fld id="{78142B85-FF00-E54C-971A-5BDE694839D1}" type="datetimeFigureOut">
               <a:rPr kumimoji="1" lang="ja-JP" altLang="en-US" smtClean="0"/>
-              <a:t>2019/11/9</a:t>
+              <a:t>2019/11/10</a:t>
             </a:fld>
             <a:endParaRPr kumimoji="1" lang="ja-JP" altLang="en-US"/>
           </a:p>
@@ -2935,7 +2938,7 @@
           <a:p>
             <a:fld id="{78142B85-FF00-E54C-971A-5BDE694839D1}" type="datetimeFigureOut">
               <a:rPr kumimoji="1" lang="ja-JP" altLang="en-US" smtClean="0"/>
-              <a:t>2019/11/9</a:t>
+              <a:t>2019/11/10</a:t>
             </a:fld>
             <a:endParaRPr kumimoji="1" lang="ja-JP" altLang="en-US"/>
           </a:p>
@@ -3208,7 +3211,7 @@
           <a:p>
             <a:fld id="{78142B85-FF00-E54C-971A-5BDE694839D1}" type="datetimeFigureOut">
               <a:rPr kumimoji="1" lang="ja-JP" altLang="en-US" smtClean="0"/>
-              <a:t>2019/11/9</a:t>
+              <a:t>2019/11/10</a:t>
             </a:fld>
             <a:endParaRPr kumimoji="1" lang="ja-JP" altLang="en-US"/>
           </a:p>
@@ -3640,7 +3643,7 @@
         <p:spPr>
           <a:xfrm>
             <a:off x="4180114" y="1001486"/>
-            <a:ext cx="1784463" cy="369332"/>
+            <a:ext cx="1866217" cy="369332"/>
           </a:xfrm>
           <a:prstGeom prst="rect">
             <a:avLst/>
@@ -3673,6 +3676,13 @@
               <a:t>N</a:t>
             </a:r>
             <a:r>
+              <a:rPr lang="ja-JP" altLang="en-US" b="1" i="1">
+                <a:latin typeface="Hiragino Sans W4" panose="020B0400000000000000" pitchFamily="34" charset="-128"/>
+                <a:ea typeface="Hiragino Sans W4" panose="020B0400000000000000" pitchFamily="34" charset="-128"/>
+              </a:rPr>
+              <a:t> </a:t>
+            </a:r>
+            <a:r>
               <a:rPr lang="ja-JP" altLang="en-US" b="1">
                 <a:latin typeface="Hiragino Sans W4" panose="020B0400000000000000" pitchFamily="34" charset="-128"/>
                 <a:ea typeface="Hiragino Sans W4" panose="020B0400000000000000" pitchFamily="34" charset="-128"/>
@@ -3705,7 +3715,7 @@
         <p:spPr>
           <a:xfrm flipH="1">
             <a:off x="1984353" y="1370818"/>
-            <a:ext cx="3087993" cy="602982"/>
+            <a:ext cx="3128870" cy="602982"/>
           </a:xfrm>
           <a:prstGeom prst="straightConnector1">
             <a:avLst/>
@@ -3751,7 +3761,7 @@
         <p:spPr>
           <a:xfrm flipH="1">
             <a:off x="4626231" y="1370818"/>
-            <a:ext cx="446115" cy="602982"/>
+            <a:ext cx="486992" cy="602982"/>
           </a:xfrm>
           <a:prstGeom prst="straightConnector1">
             <a:avLst/>
@@ -3996,8 +4006,8 @@
         </p:nvCxnSpPr>
         <p:spPr>
           <a:xfrm>
-            <a:off x="5072346" y="1370818"/>
-            <a:ext cx="3534109" cy="602982"/>
+            <a:off x="5113223" y="1370818"/>
+            <a:ext cx="3493232" cy="602982"/>
           </a:xfrm>
           <a:prstGeom prst="straightConnector1">
             <a:avLst/>
@@ -4685,6 +4695,5537 @@
     <p:extLst>
       <p:ext uri="{BB962C8B-B14F-4D97-AF65-F5344CB8AC3E}">
         <p14:creationId xmlns:p14="http://schemas.microsoft.com/office/powerpoint/2010/main" val="479192689"/>
+      </p:ext>
+    </p:extLst>
+  </p:cSld>
+  <p:clrMapOvr>
+    <a:masterClrMapping/>
+  </p:clrMapOvr>
+</p:sld>
+</file>
+
+<file path=ppt/slides/slide2.xml><?xml version="1.0" encoding="utf-8"?>
+<p:sld xmlns:a="http://schemas.openxmlformats.org/drawingml/2006/main" xmlns:r="http://schemas.openxmlformats.org/officeDocument/2006/relationships" xmlns:p="http://schemas.openxmlformats.org/presentationml/2006/main">
+  <p:cSld>
+    <p:spTree>
+      <p:nvGrpSpPr>
+        <p:cNvPr id="1" name=""/>
+        <p:cNvGrpSpPr/>
+        <p:nvPr/>
+      </p:nvGrpSpPr>
+      <p:grpSpPr>
+        <a:xfrm>
+          <a:off x="0" y="0"/>
+          <a:ext cx="0" cy="0"/>
+          <a:chOff x="0" y="0"/>
+          <a:chExt cx="0" cy="0"/>
+        </a:xfrm>
+      </p:grpSpPr>
+      <p:sp>
+        <p:nvSpPr>
+          <p:cNvPr id="4" name="テキスト ボックス 3">
+            <a:extLst>
+              <a:ext uri="{FF2B5EF4-FFF2-40B4-BE49-F238E27FC236}">
+                <a16:creationId xmlns:a16="http://schemas.microsoft.com/office/drawing/2014/main" id="{10EDA54C-1376-114B-87DC-F02D7C5FA7C1}"/>
+              </a:ext>
+            </a:extLst>
+          </p:cNvPr>
+          <p:cNvSpPr txBox="1"/>
+          <p:nvPr/>
+        </p:nvSpPr>
+        <p:spPr>
+          <a:xfrm>
+            <a:off x="4180114" y="1001486"/>
+            <a:ext cx="1866217" cy="369332"/>
+          </a:xfrm>
+          <a:prstGeom prst="rect">
+            <a:avLst/>
+          </a:prstGeom>
+          <a:noFill/>
+          <a:ln w="28575">
+            <a:solidFill>
+              <a:schemeClr val="tx1"/>
+            </a:solidFill>
+          </a:ln>
+        </p:spPr>
+        <p:txBody>
+          <a:bodyPr wrap="none" rtlCol="0">
+            <a:spAutoFit/>
+          </a:bodyPr>
+          <a:lstStyle/>
+          <a:p>
+            <a:r>
+              <a:rPr lang="ja-JP" altLang="en-US" b="1">
+                <a:latin typeface="Hiragino Sans W4" panose="020B0400000000000000" pitchFamily="34" charset="-128"/>
+                <a:ea typeface="Hiragino Sans W4" panose="020B0400000000000000" pitchFamily="34" charset="-128"/>
+              </a:rPr>
+              <a:t>学習データ</a:t>
+            </a:r>
+            <a:r>
+              <a:rPr lang="en-US" altLang="ja-JP" b="1" i="1" dirty="0">
+                <a:latin typeface="Hiragino Sans W4" panose="020B0400000000000000" pitchFamily="34" charset="-128"/>
+                <a:ea typeface="Hiragino Sans W4" panose="020B0400000000000000" pitchFamily="34" charset="-128"/>
+              </a:rPr>
+              <a:t>N</a:t>
+            </a:r>
+            <a:r>
+              <a:rPr lang="ja-JP" altLang="en-US" b="1" i="1">
+                <a:latin typeface="Hiragino Sans W4" panose="020B0400000000000000" pitchFamily="34" charset="-128"/>
+                <a:ea typeface="Hiragino Sans W4" panose="020B0400000000000000" pitchFamily="34" charset="-128"/>
+              </a:rPr>
+              <a:t> </a:t>
+            </a:r>
+            <a:r>
+              <a:rPr lang="ja-JP" altLang="en-US" b="1">
+                <a:latin typeface="Hiragino Sans W4" panose="020B0400000000000000" pitchFamily="34" charset="-128"/>
+                <a:ea typeface="Hiragino Sans W4" panose="020B0400000000000000" pitchFamily="34" charset="-128"/>
+              </a:rPr>
+              <a:t>個</a:t>
+            </a:r>
+            <a:endParaRPr kumimoji="1" lang="ja-JP" altLang="en-US" b="1">
+              <a:latin typeface="Hiragino Sans W4" panose="020B0400000000000000" pitchFamily="34" charset="-128"/>
+              <a:ea typeface="Hiragino Sans W4" panose="020B0400000000000000" pitchFamily="34" charset="-128"/>
+            </a:endParaRPr>
+          </a:p>
+        </p:txBody>
+      </p:sp>
+      <p:cxnSp>
+        <p:nvCxnSpPr>
+          <p:cNvPr id="6" name="直線矢印コネクタ 5">
+            <a:extLst>
+              <a:ext uri="{FF2B5EF4-FFF2-40B4-BE49-F238E27FC236}">
+                <a16:creationId xmlns:a16="http://schemas.microsoft.com/office/drawing/2014/main" id="{8CD43F7A-BE53-7747-9AE5-DDE343D78612}"/>
+              </a:ext>
+            </a:extLst>
+          </p:cNvPr>
+          <p:cNvCxnSpPr>
+            <a:cxnSpLocks/>
+            <a:stCxn id="4" idx="2"/>
+            <a:endCxn id="25" idx="0"/>
+          </p:cNvCxnSpPr>
+          <p:nvPr/>
+        </p:nvCxnSpPr>
+        <p:spPr>
+          <a:xfrm flipH="1">
+            <a:off x="1927630" y="1370818"/>
+            <a:ext cx="3185593" cy="1565622"/>
+          </a:xfrm>
+          <a:prstGeom prst="straightConnector1">
+            <a:avLst/>
+          </a:prstGeom>
+          <a:ln w="57150">
+            <a:solidFill>
+              <a:schemeClr val="tx1"/>
+            </a:solidFill>
+            <a:tailEnd type="triangle"/>
+          </a:ln>
+        </p:spPr>
+        <p:style>
+          <a:lnRef idx="1">
+            <a:schemeClr val="accent1"/>
+          </a:lnRef>
+          <a:fillRef idx="0">
+            <a:schemeClr val="accent1"/>
+          </a:fillRef>
+          <a:effectRef idx="0">
+            <a:schemeClr val="accent1"/>
+          </a:effectRef>
+          <a:fontRef idx="minor">
+            <a:schemeClr val="tx1"/>
+          </a:fontRef>
+        </p:style>
+      </p:cxnSp>
+      <p:cxnSp>
+        <p:nvCxnSpPr>
+          <p:cNvPr id="7" name="直線矢印コネクタ 6">
+            <a:extLst>
+              <a:ext uri="{FF2B5EF4-FFF2-40B4-BE49-F238E27FC236}">
+                <a16:creationId xmlns:a16="http://schemas.microsoft.com/office/drawing/2014/main" id="{99618FF2-18BC-DD42-8E86-0EEDEC1FFFB8}"/>
+              </a:ext>
+            </a:extLst>
+          </p:cNvPr>
+          <p:cNvCxnSpPr>
+            <a:cxnSpLocks/>
+            <a:stCxn id="4" idx="2"/>
+            <a:endCxn id="31" idx="0"/>
+          </p:cNvCxnSpPr>
+          <p:nvPr/>
+        </p:nvCxnSpPr>
+        <p:spPr>
+          <a:xfrm flipH="1">
+            <a:off x="4569507" y="1370818"/>
+            <a:ext cx="543716" cy="950694"/>
+          </a:xfrm>
+          <a:prstGeom prst="straightConnector1">
+            <a:avLst/>
+          </a:prstGeom>
+          <a:ln w="57150">
+            <a:solidFill>
+              <a:schemeClr val="tx1"/>
+            </a:solidFill>
+            <a:tailEnd type="triangle"/>
+          </a:ln>
+        </p:spPr>
+        <p:style>
+          <a:lnRef idx="1">
+            <a:schemeClr val="accent1"/>
+          </a:lnRef>
+          <a:fillRef idx="0">
+            <a:schemeClr val="accent1"/>
+          </a:fillRef>
+          <a:effectRef idx="0">
+            <a:schemeClr val="accent1"/>
+          </a:effectRef>
+          <a:fontRef idx="minor">
+            <a:schemeClr val="tx1"/>
+          </a:fontRef>
+        </p:style>
+      </p:cxnSp>
+      <p:sp>
+        <p:nvSpPr>
+          <p:cNvPr id="25" name="テキスト ボックス 24">
+            <a:extLst>
+              <a:ext uri="{FF2B5EF4-FFF2-40B4-BE49-F238E27FC236}">
+                <a16:creationId xmlns:a16="http://schemas.microsoft.com/office/drawing/2014/main" id="{C57C7513-683B-C14D-BB10-49603A0022DA}"/>
+              </a:ext>
+            </a:extLst>
+          </p:cNvPr>
+          <p:cNvSpPr txBox="1"/>
+          <p:nvPr/>
+        </p:nvSpPr>
+        <p:spPr>
+          <a:xfrm>
+            <a:off x="892731" y="2936440"/>
+            <a:ext cx="2069797" cy="646331"/>
+          </a:xfrm>
+          <a:prstGeom prst="rect">
+            <a:avLst/>
+          </a:prstGeom>
+          <a:noFill/>
+          <a:ln w="28575">
+            <a:solidFill>
+              <a:schemeClr val="tx1"/>
+            </a:solidFill>
+          </a:ln>
+        </p:spPr>
+        <p:txBody>
+          <a:bodyPr wrap="none" rtlCol="0">
+            <a:spAutoFit/>
+          </a:bodyPr>
+          <a:lstStyle/>
+          <a:p>
+            <a:r>
+              <a:rPr kumimoji="1" lang="ja-JP" altLang="en-US" b="1">
+                <a:latin typeface="Hiragino Sans W4" panose="020B0400000000000000" pitchFamily="34" charset="-128"/>
+                <a:ea typeface="Hiragino Sans W4" panose="020B0400000000000000" pitchFamily="34" charset="-128"/>
+              </a:rPr>
+              <a:t>ブートストラップ</a:t>
+            </a:r>
+            <a:endParaRPr kumimoji="1" lang="en-US" altLang="ja-JP" b="1" dirty="0">
+              <a:latin typeface="Hiragino Sans W4" panose="020B0400000000000000" pitchFamily="34" charset="-128"/>
+              <a:ea typeface="Hiragino Sans W4" panose="020B0400000000000000" pitchFamily="34" charset="-128"/>
+            </a:endParaRPr>
+          </a:p>
+          <a:p>
+            <a:r>
+              <a:rPr kumimoji="1" lang="ja-JP" altLang="en-US" b="1">
+                <a:latin typeface="Hiragino Sans W4" panose="020B0400000000000000" pitchFamily="34" charset="-128"/>
+                <a:ea typeface="Hiragino Sans W4" panose="020B0400000000000000" pitchFamily="34" charset="-128"/>
+              </a:rPr>
+              <a:t>サンプル</a:t>
+            </a:r>
+            <a:r>
+              <a:rPr kumimoji="1" lang="en-US" altLang="ja-JP" b="1" dirty="0">
+                <a:latin typeface="Hiragino Sans W4" panose="020B0400000000000000" pitchFamily="34" charset="-128"/>
+                <a:ea typeface="Hiragino Sans W4" panose="020B0400000000000000" pitchFamily="34" charset="-128"/>
+              </a:rPr>
+              <a:t>1</a:t>
+            </a:r>
+            <a:endParaRPr kumimoji="1" lang="ja-JP" altLang="en-US" b="1">
+              <a:latin typeface="Hiragino Sans W4" panose="020B0400000000000000" pitchFamily="34" charset="-128"/>
+              <a:ea typeface="Hiragino Sans W4" panose="020B0400000000000000" pitchFamily="34" charset="-128"/>
+            </a:endParaRPr>
+          </a:p>
+        </p:txBody>
+      </p:sp>
+      <p:sp>
+        <p:nvSpPr>
+          <p:cNvPr id="26" name="テキスト ボックス 25">
+            <a:extLst>
+              <a:ext uri="{FF2B5EF4-FFF2-40B4-BE49-F238E27FC236}">
+                <a16:creationId xmlns:a16="http://schemas.microsoft.com/office/drawing/2014/main" id="{C1722A0E-5975-734B-A618-D5DE057F4108}"/>
+              </a:ext>
+            </a:extLst>
+          </p:cNvPr>
+          <p:cNvSpPr txBox="1"/>
+          <p:nvPr/>
+        </p:nvSpPr>
+        <p:spPr>
+          <a:xfrm>
+            <a:off x="3534609" y="2936440"/>
+            <a:ext cx="2069797" cy="646331"/>
+          </a:xfrm>
+          <a:prstGeom prst="rect">
+            <a:avLst/>
+          </a:prstGeom>
+          <a:noFill/>
+          <a:ln w="28575">
+            <a:solidFill>
+              <a:schemeClr val="tx1"/>
+            </a:solidFill>
+          </a:ln>
+        </p:spPr>
+        <p:txBody>
+          <a:bodyPr wrap="none" rtlCol="0">
+            <a:spAutoFit/>
+          </a:bodyPr>
+          <a:lstStyle/>
+          <a:p>
+            <a:r>
+              <a:rPr kumimoji="1" lang="ja-JP" altLang="en-US" b="1">
+                <a:latin typeface="Hiragino Sans W4" panose="020B0400000000000000" pitchFamily="34" charset="-128"/>
+                <a:ea typeface="Hiragino Sans W4" panose="020B0400000000000000" pitchFamily="34" charset="-128"/>
+              </a:rPr>
+              <a:t>ブートストラップ</a:t>
+            </a:r>
+            <a:endParaRPr kumimoji="1" lang="en-US" altLang="ja-JP" b="1" dirty="0">
+              <a:latin typeface="Hiragino Sans W4" panose="020B0400000000000000" pitchFamily="34" charset="-128"/>
+              <a:ea typeface="Hiragino Sans W4" panose="020B0400000000000000" pitchFamily="34" charset="-128"/>
+            </a:endParaRPr>
+          </a:p>
+          <a:p>
+            <a:r>
+              <a:rPr kumimoji="1" lang="ja-JP" altLang="en-US" b="1">
+                <a:latin typeface="Hiragino Sans W4" panose="020B0400000000000000" pitchFamily="34" charset="-128"/>
+                <a:ea typeface="Hiragino Sans W4" panose="020B0400000000000000" pitchFamily="34" charset="-128"/>
+              </a:rPr>
+              <a:t>サンプル</a:t>
+            </a:r>
+            <a:r>
+              <a:rPr kumimoji="1" lang="en-US" altLang="ja-JP" b="1" dirty="0">
+                <a:latin typeface="Hiragino Sans W4" panose="020B0400000000000000" pitchFamily="34" charset="-128"/>
+                <a:ea typeface="Hiragino Sans W4" panose="020B0400000000000000" pitchFamily="34" charset="-128"/>
+              </a:rPr>
+              <a:t>2</a:t>
+            </a:r>
+            <a:endParaRPr kumimoji="1" lang="ja-JP" altLang="en-US" b="1">
+              <a:latin typeface="Hiragino Sans W4" panose="020B0400000000000000" pitchFamily="34" charset="-128"/>
+              <a:ea typeface="Hiragino Sans W4" panose="020B0400000000000000" pitchFamily="34" charset="-128"/>
+            </a:endParaRPr>
+          </a:p>
+        </p:txBody>
+      </p:sp>
+      <p:sp>
+        <p:nvSpPr>
+          <p:cNvPr id="27" name="テキスト ボックス 26">
+            <a:extLst>
+              <a:ext uri="{FF2B5EF4-FFF2-40B4-BE49-F238E27FC236}">
+                <a16:creationId xmlns:a16="http://schemas.microsoft.com/office/drawing/2014/main" id="{74925CB2-23C0-5048-B006-5BCA68276AE0}"/>
+              </a:ext>
+            </a:extLst>
+          </p:cNvPr>
+          <p:cNvSpPr txBox="1"/>
+          <p:nvPr/>
+        </p:nvSpPr>
+        <p:spPr>
+          <a:xfrm>
+            <a:off x="7657501" y="2933114"/>
+            <a:ext cx="2069797" cy="646331"/>
+          </a:xfrm>
+          <a:prstGeom prst="rect">
+            <a:avLst/>
+          </a:prstGeom>
+          <a:noFill/>
+          <a:ln w="28575">
+            <a:solidFill>
+              <a:schemeClr val="tx1"/>
+            </a:solidFill>
+          </a:ln>
+        </p:spPr>
+        <p:txBody>
+          <a:bodyPr wrap="none" rtlCol="0">
+            <a:spAutoFit/>
+          </a:bodyPr>
+          <a:lstStyle/>
+          <a:p>
+            <a:r>
+              <a:rPr kumimoji="1" lang="ja-JP" altLang="en-US" b="1">
+                <a:latin typeface="Hiragino Sans W4" panose="020B0400000000000000" pitchFamily="34" charset="-128"/>
+                <a:ea typeface="Hiragino Sans W4" panose="020B0400000000000000" pitchFamily="34" charset="-128"/>
+              </a:rPr>
+              <a:t>ブートストラップ</a:t>
+            </a:r>
+            <a:endParaRPr kumimoji="1" lang="en-US" altLang="ja-JP" b="1" dirty="0">
+              <a:latin typeface="Hiragino Sans W4" panose="020B0400000000000000" pitchFamily="34" charset="-128"/>
+              <a:ea typeface="Hiragino Sans W4" panose="020B0400000000000000" pitchFamily="34" charset="-128"/>
+            </a:endParaRPr>
+          </a:p>
+          <a:p>
+            <a:r>
+              <a:rPr kumimoji="1" lang="ja-JP" altLang="en-US" b="1">
+                <a:latin typeface="Hiragino Sans W4" panose="020B0400000000000000" pitchFamily="34" charset="-128"/>
+                <a:ea typeface="Hiragino Sans W4" panose="020B0400000000000000" pitchFamily="34" charset="-128"/>
+              </a:rPr>
+              <a:t>サンプル</a:t>
+            </a:r>
+            <a:r>
+              <a:rPr kumimoji="1" lang="en-US" altLang="ja-JP" b="1" i="1" dirty="0">
+                <a:latin typeface="Hiragino Sans W4" panose="020B0400000000000000" pitchFamily="34" charset="-128"/>
+                <a:ea typeface="Hiragino Sans W4" panose="020B0400000000000000" pitchFamily="34" charset="-128"/>
+              </a:rPr>
+              <a:t>M</a:t>
+            </a:r>
+            <a:endParaRPr kumimoji="1" lang="ja-JP" altLang="en-US" b="1" i="1">
+              <a:latin typeface="Hiragino Sans W4" panose="020B0400000000000000" pitchFamily="34" charset="-128"/>
+              <a:ea typeface="Hiragino Sans W4" panose="020B0400000000000000" pitchFamily="34" charset="-128"/>
+            </a:endParaRPr>
+          </a:p>
+        </p:txBody>
+      </p:sp>
+      <p:cxnSp>
+        <p:nvCxnSpPr>
+          <p:cNvPr id="35" name="直線矢印コネクタ 34">
+            <a:extLst>
+              <a:ext uri="{FF2B5EF4-FFF2-40B4-BE49-F238E27FC236}">
+                <a16:creationId xmlns:a16="http://schemas.microsoft.com/office/drawing/2014/main" id="{C71B6B56-E141-444C-92CE-7612578FAA1C}"/>
+              </a:ext>
+            </a:extLst>
+          </p:cNvPr>
+          <p:cNvCxnSpPr>
+            <a:cxnSpLocks/>
+            <a:stCxn id="4" idx="2"/>
+            <a:endCxn id="42" idx="0"/>
+          </p:cNvCxnSpPr>
+          <p:nvPr/>
+        </p:nvCxnSpPr>
+        <p:spPr>
+          <a:xfrm>
+            <a:off x="5113223" y="1370818"/>
+            <a:ext cx="3579176" cy="933025"/>
+          </a:xfrm>
+          <a:prstGeom prst="straightConnector1">
+            <a:avLst/>
+          </a:prstGeom>
+          <a:ln w="57150">
+            <a:solidFill>
+              <a:schemeClr val="tx1"/>
+            </a:solidFill>
+            <a:tailEnd type="triangle"/>
+          </a:ln>
+        </p:spPr>
+        <p:style>
+          <a:lnRef idx="1">
+            <a:schemeClr val="accent1"/>
+          </a:lnRef>
+          <a:fillRef idx="0">
+            <a:schemeClr val="accent1"/>
+          </a:fillRef>
+          <a:effectRef idx="0">
+            <a:schemeClr val="accent1"/>
+          </a:effectRef>
+          <a:fontRef idx="minor">
+            <a:schemeClr val="tx1"/>
+          </a:fontRef>
+        </p:style>
+      </p:cxnSp>
+      <p:cxnSp>
+        <p:nvCxnSpPr>
+          <p:cNvPr id="36" name="直線矢印コネクタ 35">
+            <a:extLst>
+              <a:ext uri="{FF2B5EF4-FFF2-40B4-BE49-F238E27FC236}">
+                <a16:creationId xmlns:a16="http://schemas.microsoft.com/office/drawing/2014/main" id="{D718FF29-6605-364C-BF97-5566BD4BA52D}"/>
+              </a:ext>
+            </a:extLst>
+          </p:cNvPr>
+          <p:cNvCxnSpPr>
+            <a:cxnSpLocks/>
+          </p:cNvCxnSpPr>
+          <p:nvPr/>
+        </p:nvCxnSpPr>
+        <p:spPr>
+          <a:xfrm>
+            <a:off x="6143214" y="3256279"/>
+            <a:ext cx="1015244" cy="0"/>
+          </a:xfrm>
+          <a:prstGeom prst="straightConnector1">
+            <a:avLst/>
+          </a:prstGeom>
+          <a:ln w="57150">
+            <a:solidFill>
+              <a:schemeClr val="tx1"/>
+            </a:solidFill>
+            <a:prstDash val="sysDot"/>
+            <a:headEnd type="none"/>
+            <a:tailEnd type="none"/>
+          </a:ln>
+        </p:spPr>
+        <p:style>
+          <a:lnRef idx="1">
+            <a:schemeClr val="accent1"/>
+          </a:lnRef>
+          <a:fillRef idx="0">
+            <a:schemeClr val="accent1"/>
+          </a:fillRef>
+          <a:effectRef idx="0">
+            <a:schemeClr val="accent1"/>
+          </a:effectRef>
+          <a:fontRef idx="minor">
+            <a:schemeClr val="tx1"/>
+          </a:fontRef>
+        </p:style>
+      </p:cxnSp>
+      <p:sp>
+        <p:nvSpPr>
+          <p:cNvPr id="18" name="テキスト ボックス 17">
+            <a:extLst>
+              <a:ext uri="{FF2B5EF4-FFF2-40B4-BE49-F238E27FC236}">
+                <a16:creationId xmlns:a16="http://schemas.microsoft.com/office/drawing/2014/main" id="{73955BFE-B3CC-3248-8381-F2B4E18F4FCE}"/>
+              </a:ext>
+            </a:extLst>
+          </p:cNvPr>
+          <p:cNvSpPr txBox="1"/>
+          <p:nvPr/>
+        </p:nvSpPr>
+        <p:spPr>
+          <a:xfrm>
+            <a:off x="6623635" y="1299310"/>
+            <a:ext cx="1107996" cy="369332"/>
+          </a:xfrm>
+          <a:prstGeom prst="rect">
+            <a:avLst/>
+          </a:prstGeom>
+          <a:noFill/>
+        </p:spPr>
+        <p:txBody>
+          <a:bodyPr wrap="none" rtlCol="0">
+            <a:spAutoFit/>
+          </a:bodyPr>
+          <a:lstStyle/>
+          <a:p>
+            <a:r>
+              <a:rPr lang="ja-JP" altLang="en-US" b="1">
+                <a:latin typeface="Meiryo" panose="020B0604030504040204" pitchFamily="34" charset="-128"/>
+                <a:ea typeface="Meiryo" panose="020B0604030504040204" pitchFamily="34" charset="-128"/>
+              </a:rPr>
+              <a:t>復元抽出</a:t>
+            </a:r>
+            <a:endParaRPr kumimoji="1" lang="ja-JP" altLang="en-US" b="1">
+              <a:latin typeface="Meiryo" panose="020B0604030504040204" pitchFamily="34" charset="-128"/>
+              <a:ea typeface="Meiryo" panose="020B0604030504040204" pitchFamily="34" charset="-128"/>
+            </a:endParaRPr>
+          </a:p>
+        </p:txBody>
+      </p:sp>
+      <p:sp>
+        <p:nvSpPr>
+          <p:cNvPr id="40" name="テキスト ボックス 39">
+            <a:extLst>
+              <a:ext uri="{FF2B5EF4-FFF2-40B4-BE49-F238E27FC236}">
+                <a16:creationId xmlns:a16="http://schemas.microsoft.com/office/drawing/2014/main" id="{DF86DECF-DB6F-C344-8D2F-1D694F54E397}"/>
+              </a:ext>
+            </a:extLst>
+          </p:cNvPr>
+          <p:cNvSpPr txBox="1"/>
+          <p:nvPr/>
+        </p:nvSpPr>
+        <p:spPr>
+          <a:xfrm>
+            <a:off x="1283863" y="4185753"/>
+            <a:ext cx="1287532" cy="369332"/>
+          </a:xfrm>
+          <a:prstGeom prst="rect">
+            <a:avLst/>
+          </a:prstGeom>
+          <a:noFill/>
+          <a:ln w="28575">
+            <a:solidFill>
+              <a:schemeClr val="tx1"/>
+            </a:solidFill>
+          </a:ln>
+        </p:spPr>
+        <p:txBody>
+          <a:bodyPr wrap="none" rtlCol="0">
+            <a:spAutoFit/>
+          </a:bodyPr>
+          <a:lstStyle/>
+          <a:p>
+            <a:r>
+              <a:rPr kumimoji="1" lang="ja-JP" altLang="en-US" b="1">
+                <a:latin typeface="Hiragino Sans W4" panose="020B0400000000000000" pitchFamily="34" charset="-128"/>
+                <a:ea typeface="Hiragino Sans W4" panose="020B0400000000000000" pitchFamily="34" charset="-128"/>
+              </a:rPr>
+              <a:t>弱学習器</a:t>
+            </a:r>
+            <a:r>
+              <a:rPr kumimoji="1" lang="en-US" altLang="ja-JP" b="1" dirty="0">
+                <a:latin typeface="Hiragino Sans W4" panose="020B0400000000000000" pitchFamily="34" charset="-128"/>
+                <a:ea typeface="Hiragino Sans W4" panose="020B0400000000000000" pitchFamily="34" charset="-128"/>
+              </a:rPr>
+              <a:t>1</a:t>
+            </a:r>
+            <a:endParaRPr kumimoji="1" lang="ja-JP" altLang="en-US" b="1">
+              <a:latin typeface="Hiragino Sans W4" panose="020B0400000000000000" pitchFamily="34" charset="-128"/>
+              <a:ea typeface="Hiragino Sans W4" panose="020B0400000000000000" pitchFamily="34" charset="-128"/>
+            </a:endParaRPr>
+          </a:p>
+        </p:txBody>
+      </p:sp>
+      <p:sp>
+        <p:nvSpPr>
+          <p:cNvPr id="47" name="テキスト ボックス 46">
+            <a:extLst>
+              <a:ext uri="{FF2B5EF4-FFF2-40B4-BE49-F238E27FC236}">
+                <a16:creationId xmlns:a16="http://schemas.microsoft.com/office/drawing/2014/main" id="{FA3433E8-04A1-2241-9157-54E61E3E417A}"/>
+              </a:ext>
+            </a:extLst>
+          </p:cNvPr>
+          <p:cNvSpPr txBox="1"/>
+          <p:nvPr/>
+        </p:nvSpPr>
+        <p:spPr>
+          <a:xfrm>
+            <a:off x="3925741" y="4185753"/>
+            <a:ext cx="1287532" cy="369332"/>
+          </a:xfrm>
+          <a:prstGeom prst="rect">
+            <a:avLst/>
+          </a:prstGeom>
+          <a:noFill/>
+          <a:ln w="28575">
+            <a:solidFill>
+              <a:schemeClr val="tx1"/>
+            </a:solidFill>
+          </a:ln>
+        </p:spPr>
+        <p:txBody>
+          <a:bodyPr wrap="none" rtlCol="0">
+            <a:spAutoFit/>
+          </a:bodyPr>
+          <a:lstStyle/>
+          <a:p>
+            <a:r>
+              <a:rPr kumimoji="1" lang="ja-JP" altLang="en-US" b="1">
+                <a:latin typeface="Hiragino Sans W4" panose="020B0400000000000000" pitchFamily="34" charset="-128"/>
+                <a:ea typeface="Hiragino Sans W4" panose="020B0400000000000000" pitchFamily="34" charset="-128"/>
+              </a:rPr>
+              <a:t>弱学習器</a:t>
+            </a:r>
+            <a:r>
+              <a:rPr lang="en-US" altLang="ja-JP" b="1" dirty="0">
+                <a:latin typeface="Hiragino Sans W4" panose="020B0400000000000000" pitchFamily="34" charset="-128"/>
+                <a:ea typeface="Hiragino Sans W4" panose="020B0400000000000000" pitchFamily="34" charset="-128"/>
+              </a:rPr>
+              <a:t>2</a:t>
+            </a:r>
+            <a:endParaRPr kumimoji="1" lang="ja-JP" altLang="en-US" b="1">
+              <a:latin typeface="Hiragino Sans W4" panose="020B0400000000000000" pitchFamily="34" charset="-128"/>
+              <a:ea typeface="Hiragino Sans W4" panose="020B0400000000000000" pitchFamily="34" charset="-128"/>
+            </a:endParaRPr>
+          </a:p>
+        </p:txBody>
+      </p:sp>
+      <p:sp>
+        <p:nvSpPr>
+          <p:cNvPr id="48" name="テキスト ボックス 47">
+            <a:extLst>
+              <a:ext uri="{FF2B5EF4-FFF2-40B4-BE49-F238E27FC236}">
+                <a16:creationId xmlns:a16="http://schemas.microsoft.com/office/drawing/2014/main" id="{6C63CF99-198C-D34D-BEE9-EA4A1D386C39}"/>
+              </a:ext>
+            </a:extLst>
+          </p:cNvPr>
+          <p:cNvSpPr txBox="1"/>
+          <p:nvPr/>
+        </p:nvSpPr>
+        <p:spPr>
+          <a:xfrm>
+            <a:off x="8015771" y="4206974"/>
+            <a:ext cx="1353256" cy="369332"/>
+          </a:xfrm>
+          <a:prstGeom prst="rect">
+            <a:avLst/>
+          </a:prstGeom>
+          <a:noFill/>
+          <a:ln w="28575">
+            <a:solidFill>
+              <a:schemeClr val="tx1"/>
+            </a:solidFill>
+          </a:ln>
+        </p:spPr>
+        <p:txBody>
+          <a:bodyPr wrap="none" rtlCol="0">
+            <a:spAutoFit/>
+          </a:bodyPr>
+          <a:lstStyle/>
+          <a:p>
+            <a:r>
+              <a:rPr kumimoji="1" lang="ja-JP" altLang="en-US" b="1">
+                <a:latin typeface="Hiragino Sans W4" panose="020B0400000000000000" pitchFamily="34" charset="-128"/>
+                <a:ea typeface="Hiragino Sans W4" panose="020B0400000000000000" pitchFamily="34" charset="-128"/>
+              </a:rPr>
+              <a:t>弱学習器</a:t>
+            </a:r>
+            <a:r>
+              <a:rPr lang="en-US" altLang="ja-JP" b="1" i="1" dirty="0">
+                <a:latin typeface="Hiragino Sans W4" panose="020B0400000000000000" pitchFamily="34" charset="-128"/>
+                <a:ea typeface="Hiragino Sans W4" panose="020B0400000000000000" pitchFamily="34" charset="-128"/>
+              </a:rPr>
+              <a:t>M</a:t>
+            </a:r>
+            <a:endParaRPr kumimoji="1" lang="ja-JP" altLang="en-US" b="1" i="1">
+              <a:latin typeface="Hiragino Sans W4" panose="020B0400000000000000" pitchFamily="34" charset="-128"/>
+              <a:ea typeface="Hiragino Sans W4" panose="020B0400000000000000" pitchFamily="34" charset="-128"/>
+            </a:endParaRPr>
+          </a:p>
+        </p:txBody>
+      </p:sp>
+      <p:cxnSp>
+        <p:nvCxnSpPr>
+          <p:cNvPr id="49" name="直線矢印コネクタ 48">
+            <a:extLst>
+              <a:ext uri="{FF2B5EF4-FFF2-40B4-BE49-F238E27FC236}">
+                <a16:creationId xmlns:a16="http://schemas.microsoft.com/office/drawing/2014/main" id="{74926C3E-94A3-9F43-9533-4D8D659ACD37}"/>
+              </a:ext>
+            </a:extLst>
+          </p:cNvPr>
+          <p:cNvCxnSpPr>
+            <a:cxnSpLocks/>
+            <a:stCxn id="25" idx="2"/>
+            <a:endCxn id="40" idx="0"/>
+          </p:cNvCxnSpPr>
+          <p:nvPr/>
+        </p:nvCxnSpPr>
+        <p:spPr>
+          <a:xfrm flipH="1">
+            <a:off x="1927629" y="3582771"/>
+            <a:ext cx="1" cy="602982"/>
+          </a:xfrm>
+          <a:prstGeom prst="straightConnector1">
+            <a:avLst/>
+          </a:prstGeom>
+          <a:ln w="57150">
+            <a:solidFill>
+              <a:schemeClr val="tx1"/>
+            </a:solidFill>
+            <a:tailEnd type="triangle"/>
+          </a:ln>
+        </p:spPr>
+        <p:style>
+          <a:lnRef idx="1">
+            <a:schemeClr val="accent1"/>
+          </a:lnRef>
+          <a:fillRef idx="0">
+            <a:schemeClr val="accent1"/>
+          </a:fillRef>
+          <a:effectRef idx="0">
+            <a:schemeClr val="accent1"/>
+          </a:effectRef>
+          <a:fontRef idx="minor">
+            <a:schemeClr val="tx1"/>
+          </a:fontRef>
+        </p:style>
+      </p:cxnSp>
+      <p:cxnSp>
+        <p:nvCxnSpPr>
+          <p:cNvPr id="50" name="直線矢印コネクタ 49">
+            <a:extLst>
+              <a:ext uri="{FF2B5EF4-FFF2-40B4-BE49-F238E27FC236}">
+                <a16:creationId xmlns:a16="http://schemas.microsoft.com/office/drawing/2014/main" id="{446B9FDE-F82E-9747-AE4D-61F048A4F4D1}"/>
+              </a:ext>
+            </a:extLst>
+          </p:cNvPr>
+          <p:cNvCxnSpPr>
+            <a:cxnSpLocks/>
+            <a:stCxn id="26" idx="2"/>
+            <a:endCxn id="47" idx="0"/>
+          </p:cNvCxnSpPr>
+          <p:nvPr/>
+        </p:nvCxnSpPr>
+        <p:spPr>
+          <a:xfrm flipH="1">
+            <a:off x="4569507" y="3582771"/>
+            <a:ext cx="1" cy="602982"/>
+          </a:xfrm>
+          <a:prstGeom prst="straightConnector1">
+            <a:avLst/>
+          </a:prstGeom>
+          <a:ln w="57150">
+            <a:solidFill>
+              <a:schemeClr val="tx1"/>
+            </a:solidFill>
+            <a:tailEnd type="triangle"/>
+          </a:ln>
+        </p:spPr>
+        <p:style>
+          <a:lnRef idx="1">
+            <a:schemeClr val="accent1"/>
+          </a:lnRef>
+          <a:fillRef idx="0">
+            <a:schemeClr val="accent1"/>
+          </a:fillRef>
+          <a:effectRef idx="0">
+            <a:schemeClr val="accent1"/>
+          </a:effectRef>
+          <a:fontRef idx="minor">
+            <a:schemeClr val="tx1"/>
+          </a:fontRef>
+        </p:style>
+      </p:cxnSp>
+      <p:cxnSp>
+        <p:nvCxnSpPr>
+          <p:cNvPr id="51" name="直線矢印コネクタ 50">
+            <a:extLst>
+              <a:ext uri="{FF2B5EF4-FFF2-40B4-BE49-F238E27FC236}">
+                <a16:creationId xmlns:a16="http://schemas.microsoft.com/office/drawing/2014/main" id="{5B07D097-3967-7041-AE6D-AFB32F82A620}"/>
+              </a:ext>
+            </a:extLst>
+          </p:cNvPr>
+          <p:cNvCxnSpPr>
+            <a:cxnSpLocks/>
+            <a:stCxn id="27" idx="2"/>
+            <a:endCxn id="48" idx="0"/>
+          </p:cNvCxnSpPr>
+          <p:nvPr/>
+        </p:nvCxnSpPr>
+        <p:spPr>
+          <a:xfrm flipH="1">
+            <a:off x="8692399" y="3579445"/>
+            <a:ext cx="1" cy="627529"/>
+          </a:xfrm>
+          <a:prstGeom prst="straightConnector1">
+            <a:avLst/>
+          </a:prstGeom>
+          <a:ln w="57150">
+            <a:solidFill>
+              <a:schemeClr val="tx1"/>
+            </a:solidFill>
+            <a:tailEnd type="triangle"/>
+          </a:ln>
+        </p:spPr>
+        <p:style>
+          <a:lnRef idx="1">
+            <a:schemeClr val="accent1"/>
+          </a:lnRef>
+          <a:fillRef idx="0">
+            <a:schemeClr val="accent1"/>
+          </a:fillRef>
+          <a:effectRef idx="0">
+            <a:schemeClr val="accent1"/>
+          </a:effectRef>
+          <a:fontRef idx="minor">
+            <a:schemeClr val="tx1"/>
+          </a:fontRef>
+        </p:style>
+      </p:cxnSp>
+      <p:sp>
+        <p:nvSpPr>
+          <p:cNvPr id="53" name="テキスト ボックス 52">
+            <a:extLst>
+              <a:ext uri="{FF2B5EF4-FFF2-40B4-BE49-F238E27FC236}">
+                <a16:creationId xmlns:a16="http://schemas.microsoft.com/office/drawing/2014/main" id="{E72179B5-FA16-EA46-95A7-25EDDC70AA2F}"/>
+              </a:ext>
+            </a:extLst>
+          </p:cNvPr>
+          <p:cNvSpPr txBox="1"/>
+          <p:nvPr/>
+        </p:nvSpPr>
+        <p:spPr>
+          <a:xfrm>
+            <a:off x="4626550" y="5342733"/>
+            <a:ext cx="891591" cy="369332"/>
+          </a:xfrm>
+          <a:prstGeom prst="rect">
+            <a:avLst/>
+          </a:prstGeom>
+          <a:noFill/>
+          <a:ln w="28575">
+            <a:solidFill>
+              <a:schemeClr val="tx1"/>
+            </a:solidFill>
+          </a:ln>
+        </p:spPr>
+        <p:txBody>
+          <a:bodyPr wrap="none" rtlCol="0">
+            <a:spAutoFit/>
+          </a:bodyPr>
+          <a:lstStyle/>
+          <a:p>
+            <a:r>
+              <a:rPr kumimoji="1" lang="ja-JP" altLang="en-US" b="1">
+                <a:latin typeface="Hiragino Sans W4" panose="020B0400000000000000" pitchFamily="34" charset="-128"/>
+                <a:ea typeface="Hiragino Sans W4" panose="020B0400000000000000" pitchFamily="34" charset="-128"/>
+              </a:rPr>
+              <a:t>多数決</a:t>
+            </a:r>
+          </a:p>
+        </p:txBody>
+      </p:sp>
+      <p:cxnSp>
+        <p:nvCxnSpPr>
+          <p:cNvPr id="54" name="直線矢印コネクタ 53">
+            <a:extLst>
+              <a:ext uri="{FF2B5EF4-FFF2-40B4-BE49-F238E27FC236}">
+                <a16:creationId xmlns:a16="http://schemas.microsoft.com/office/drawing/2014/main" id="{6F923DA4-E249-1E4E-BA3E-A185E83EC634}"/>
+              </a:ext>
+            </a:extLst>
+          </p:cNvPr>
+          <p:cNvCxnSpPr>
+            <a:cxnSpLocks/>
+            <a:stCxn id="40" idx="2"/>
+            <a:endCxn id="53" idx="0"/>
+          </p:cNvCxnSpPr>
+          <p:nvPr/>
+        </p:nvCxnSpPr>
+        <p:spPr>
+          <a:xfrm>
+            <a:off x="1927629" y="4555085"/>
+            <a:ext cx="3144717" cy="787648"/>
+          </a:xfrm>
+          <a:prstGeom prst="straightConnector1">
+            <a:avLst/>
+          </a:prstGeom>
+          <a:ln w="57150">
+            <a:solidFill>
+              <a:schemeClr val="tx1"/>
+            </a:solidFill>
+            <a:tailEnd type="triangle"/>
+          </a:ln>
+        </p:spPr>
+        <p:style>
+          <a:lnRef idx="1">
+            <a:schemeClr val="accent1"/>
+          </a:lnRef>
+          <a:fillRef idx="0">
+            <a:schemeClr val="accent1"/>
+          </a:fillRef>
+          <a:effectRef idx="0">
+            <a:schemeClr val="accent1"/>
+          </a:effectRef>
+          <a:fontRef idx="minor">
+            <a:schemeClr val="tx1"/>
+          </a:fontRef>
+        </p:style>
+      </p:cxnSp>
+      <p:cxnSp>
+        <p:nvCxnSpPr>
+          <p:cNvPr id="57" name="直線矢印コネクタ 56">
+            <a:extLst>
+              <a:ext uri="{FF2B5EF4-FFF2-40B4-BE49-F238E27FC236}">
+                <a16:creationId xmlns:a16="http://schemas.microsoft.com/office/drawing/2014/main" id="{7EAAA4DD-683B-4D4A-91EC-11FB9D7B48E2}"/>
+              </a:ext>
+            </a:extLst>
+          </p:cNvPr>
+          <p:cNvCxnSpPr>
+            <a:cxnSpLocks/>
+            <a:stCxn id="47" idx="2"/>
+            <a:endCxn id="53" idx="0"/>
+          </p:cNvCxnSpPr>
+          <p:nvPr/>
+        </p:nvCxnSpPr>
+        <p:spPr>
+          <a:xfrm>
+            <a:off x="4569507" y="4555085"/>
+            <a:ext cx="502839" cy="787648"/>
+          </a:xfrm>
+          <a:prstGeom prst="straightConnector1">
+            <a:avLst/>
+          </a:prstGeom>
+          <a:ln w="57150">
+            <a:solidFill>
+              <a:schemeClr val="tx1"/>
+            </a:solidFill>
+            <a:tailEnd type="triangle"/>
+          </a:ln>
+        </p:spPr>
+        <p:style>
+          <a:lnRef idx="1">
+            <a:schemeClr val="accent1"/>
+          </a:lnRef>
+          <a:fillRef idx="0">
+            <a:schemeClr val="accent1"/>
+          </a:fillRef>
+          <a:effectRef idx="0">
+            <a:schemeClr val="accent1"/>
+          </a:effectRef>
+          <a:fontRef idx="minor">
+            <a:schemeClr val="tx1"/>
+          </a:fontRef>
+        </p:style>
+      </p:cxnSp>
+      <p:cxnSp>
+        <p:nvCxnSpPr>
+          <p:cNvPr id="60" name="直線矢印コネクタ 59">
+            <a:extLst>
+              <a:ext uri="{FF2B5EF4-FFF2-40B4-BE49-F238E27FC236}">
+                <a16:creationId xmlns:a16="http://schemas.microsoft.com/office/drawing/2014/main" id="{A40E0390-F4F0-004E-95FF-BDC4A1E1A8B8}"/>
+              </a:ext>
+            </a:extLst>
+          </p:cNvPr>
+          <p:cNvCxnSpPr>
+            <a:cxnSpLocks/>
+            <a:stCxn id="48" idx="2"/>
+            <a:endCxn id="53" idx="0"/>
+          </p:cNvCxnSpPr>
+          <p:nvPr/>
+        </p:nvCxnSpPr>
+        <p:spPr>
+          <a:xfrm flipH="1">
+            <a:off x="5072346" y="4576306"/>
+            <a:ext cx="3620053" cy="766427"/>
+          </a:xfrm>
+          <a:prstGeom prst="straightConnector1">
+            <a:avLst/>
+          </a:prstGeom>
+          <a:ln w="57150">
+            <a:solidFill>
+              <a:schemeClr val="tx1"/>
+            </a:solidFill>
+            <a:tailEnd type="triangle"/>
+          </a:ln>
+        </p:spPr>
+        <p:style>
+          <a:lnRef idx="1">
+            <a:schemeClr val="accent1"/>
+          </a:lnRef>
+          <a:fillRef idx="0">
+            <a:schemeClr val="accent1"/>
+          </a:fillRef>
+          <a:effectRef idx="0">
+            <a:schemeClr val="accent1"/>
+          </a:effectRef>
+          <a:fontRef idx="minor">
+            <a:schemeClr val="tx1"/>
+          </a:fontRef>
+        </p:style>
+      </p:cxnSp>
+      <p:cxnSp>
+        <p:nvCxnSpPr>
+          <p:cNvPr id="72" name="直線矢印コネクタ 71">
+            <a:extLst>
+              <a:ext uri="{FF2B5EF4-FFF2-40B4-BE49-F238E27FC236}">
+                <a16:creationId xmlns:a16="http://schemas.microsoft.com/office/drawing/2014/main" id="{50002E92-7311-0349-93E9-EB50D117FF93}"/>
+              </a:ext>
+            </a:extLst>
+          </p:cNvPr>
+          <p:cNvCxnSpPr>
+            <a:cxnSpLocks/>
+            <a:stCxn id="53" idx="2"/>
+          </p:cNvCxnSpPr>
+          <p:nvPr/>
+        </p:nvCxnSpPr>
+        <p:spPr>
+          <a:xfrm flipH="1">
+            <a:off x="5072345" y="5712065"/>
+            <a:ext cx="1" cy="602982"/>
+          </a:xfrm>
+          <a:prstGeom prst="straightConnector1">
+            <a:avLst/>
+          </a:prstGeom>
+          <a:ln w="57150">
+            <a:solidFill>
+              <a:schemeClr val="tx1"/>
+            </a:solidFill>
+            <a:tailEnd type="triangle"/>
+          </a:ln>
+        </p:spPr>
+        <p:style>
+          <a:lnRef idx="1">
+            <a:schemeClr val="accent1"/>
+          </a:lnRef>
+          <a:fillRef idx="0">
+            <a:schemeClr val="accent1"/>
+          </a:fillRef>
+          <a:effectRef idx="0">
+            <a:schemeClr val="accent1"/>
+          </a:effectRef>
+          <a:fontRef idx="minor">
+            <a:schemeClr val="tx1"/>
+          </a:fontRef>
+        </p:style>
+      </p:cxnSp>
+      <p:sp>
+        <p:nvSpPr>
+          <p:cNvPr id="75" name="テキスト ボックス 74">
+            <a:extLst>
+              <a:ext uri="{FF2B5EF4-FFF2-40B4-BE49-F238E27FC236}">
+                <a16:creationId xmlns:a16="http://schemas.microsoft.com/office/drawing/2014/main" id="{87D3E51D-055E-4E44-A5EF-043548E3E729}"/>
+              </a:ext>
+            </a:extLst>
+          </p:cNvPr>
+          <p:cNvSpPr txBox="1"/>
+          <p:nvPr/>
+        </p:nvSpPr>
+        <p:spPr>
+          <a:xfrm>
+            <a:off x="4273087" y="6336268"/>
+            <a:ext cx="1598515" cy="369332"/>
+          </a:xfrm>
+          <a:prstGeom prst="rect">
+            <a:avLst/>
+          </a:prstGeom>
+          <a:noFill/>
+          <a:ln w="28575">
+            <a:solidFill>
+              <a:schemeClr val="tx1"/>
+            </a:solidFill>
+          </a:ln>
+        </p:spPr>
+        <p:txBody>
+          <a:bodyPr wrap="none" rtlCol="0">
+            <a:spAutoFit/>
+          </a:bodyPr>
+          <a:lstStyle/>
+          <a:p>
+            <a:r>
+              <a:rPr kumimoji="1" lang="ja-JP" altLang="en-US" b="1">
+                <a:latin typeface="Hiragino Sans W4" panose="020B0400000000000000" pitchFamily="34" charset="-128"/>
+                <a:ea typeface="Hiragino Sans W4" panose="020B0400000000000000" pitchFamily="34" charset="-128"/>
+              </a:rPr>
+              <a:t>システム出力</a:t>
+            </a:r>
+          </a:p>
+        </p:txBody>
+      </p:sp>
+      <p:sp>
+        <p:nvSpPr>
+          <p:cNvPr id="31" name="テキスト ボックス 30">
+            <a:extLst>
+              <a:ext uri="{FF2B5EF4-FFF2-40B4-BE49-F238E27FC236}">
+                <a16:creationId xmlns:a16="http://schemas.microsoft.com/office/drawing/2014/main" id="{41C4E805-04FB-DA45-B1BA-E33A25D6964F}"/>
+              </a:ext>
+            </a:extLst>
+          </p:cNvPr>
+          <p:cNvSpPr txBox="1"/>
+          <p:nvPr/>
+        </p:nvSpPr>
+        <p:spPr>
+          <a:xfrm>
+            <a:off x="4005891" y="2321512"/>
+            <a:ext cx="1127232" cy="369332"/>
+          </a:xfrm>
+          <a:prstGeom prst="rect">
+            <a:avLst/>
+          </a:prstGeom>
+          <a:noFill/>
+          <a:ln w="28575">
+            <a:solidFill>
+              <a:schemeClr val="tx1"/>
+            </a:solidFill>
+          </a:ln>
+        </p:spPr>
+        <p:txBody>
+          <a:bodyPr wrap="none" rtlCol="0">
+            <a:spAutoFit/>
+          </a:bodyPr>
+          <a:lstStyle/>
+          <a:p>
+            <a:r>
+              <a:rPr lang="ja-JP" altLang="en-US" b="1">
+                <a:latin typeface="Hiragino Sans W4" panose="020B0400000000000000" pitchFamily="34" charset="-128"/>
+                <a:ea typeface="Hiragino Sans W4" panose="020B0400000000000000" pitchFamily="34" charset="-128"/>
+              </a:rPr>
+              <a:t>重み付け</a:t>
+            </a:r>
+            <a:endParaRPr kumimoji="1" lang="ja-JP" altLang="en-US" b="1">
+              <a:latin typeface="Hiragino Sans W4" panose="020B0400000000000000" pitchFamily="34" charset="-128"/>
+              <a:ea typeface="Hiragino Sans W4" panose="020B0400000000000000" pitchFamily="34" charset="-128"/>
+            </a:endParaRPr>
+          </a:p>
+        </p:txBody>
+      </p:sp>
+      <p:cxnSp>
+        <p:nvCxnSpPr>
+          <p:cNvPr id="33" name="直線矢印コネクタ 32">
+            <a:extLst>
+              <a:ext uri="{FF2B5EF4-FFF2-40B4-BE49-F238E27FC236}">
+                <a16:creationId xmlns:a16="http://schemas.microsoft.com/office/drawing/2014/main" id="{615012FC-7693-A449-94E6-833E8F2A1974}"/>
+              </a:ext>
+            </a:extLst>
+          </p:cNvPr>
+          <p:cNvCxnSpPr>
+            <a:cxnSpLocks/>
+            <a:stCxn id="31" idx="2"/>
+            <a:endCxn id="26" idx="0"/>
+          </p:cNvCxnSpPr>
+          <p:nvPr/>
+        </p:nvCxnSpPr>
+        <p:spPr>
+          <a:xfrm>
+            <a:off x="4569507" y="2690844"/>
+            <a:ext cx="1" cy="245596"/>
+          </a:xfrm>
+          <a:prstGeom prst="straightConnector1">
+            <a:avLst/>
+          </a:prstGeom>
+          <a:ln w="57150">
+            <a:solidFill>
+              <a:schemeClr val="tx1"/>
+            </a:solidFill>
+            <a:tailEnd type="triangle"/>
+          </a:ln>
+        </p:spPr>
+        <p:style>
+          <a:lnRef idx="1">
+            <a:schemeClr val="accent1"/>
+          </a:lnRef>
+          <a:fillRef idx="0">
+            <a:schemeClr val="accent1"/>
+          </a:fillRef>
+          <a:effectRef idx="0">
+            <a:schemeClr val="accent1"/>
+          </a:effectRef>
+          <a:fontRef idx="minor">
+            <a:schemeClr val="tx1"/>
+          </a:fontRef>
+        </p:style>
+      </p:cxnSp>
+      <p:cxnSp>
+        <p:nvCxnSpPr>
+          <p:cNvPr id="37" name="直線矢印コネクタ 36">
+            <a:extLst>
+              <a:ext uri="{FF2B5EF4-FFF2-40B4-BE49-F238E27FC236}">
+                <a16:creationId xmlns:a16="http://schemas.microsoft.com/office/drawing/2014/main" id="{C6EB8251-8A13-A441-BBA2-BEC30197E844}"/>
+              </a:ext>
+            </a:extLst>
+          </p:cNvPr>
+          <p:cNvCxnSpPr>
+            <a:cxnSpLocks/>
+            <a:stCxn id="25" idx="3"/>
+            <a:endCxn id="31" idx="1"/>
+          </p:cNvCxnSpPr>
+          <p:nvPr/>
+        </p:nvCxnSpPr>
+        <p:spPr>
+          <a:xfrm flipV="1">
+            <a:off x="2962528" y="2506178"/>
+            <a:ext cx="1043363" cy="753428"/>
+          </a:xfrm>
+          <a:prstGeom prst="straightConnector1">
+            <a:avLst/>
+          </a:prstGeom>
+          <a:ln w="57150">
+            <a:solidFill>
+              <a:schemeClr val="tx1"/>
+            </a:solidFill>
+            <a:tailEnd type="triangle"/>
+          </a:ln>
+        </p:spPr>
+        <p:style>
+          <a:lnRef idx="1">
+            <a:schemeClr val="accent1"/>
+          </a:lnRef>
+          <a:fillRef idx="0">
+            <a:schemeClr val="accent1"/>
+          </a:fillRef>
+          <a:effectRef idx="0">
+            <a:schemeClr val="accent1"/>
+          </a:effectRef>
+          <a:fontRef idx="minor">
+            <a:schemeClr val="tx1"/>
+          </a:fontRef>
+        </p:style>
+      </p:cxnSp>
+      <p:sp>
+        <p:nvSpPr>
+          <p:cNvPr id="42" name="テキスト ボックス 41">
+            <a:extLst>
+              <a:ext uri="{FF2B5EF4-FFF2-40B4-BE49-F238E27FC236}">
+                <a16:creationId xmlns:a16="http://schemas.microsoft.com/office/drawing/2014/main" id="{91C8B9C4-37AD-C942-9E08-860F7B45F877}"/>
+              </a:ext>
+            </a:extLst>
+          </p:cNvPr>
+          <p:cNvSpPr txBox="1"/>
+          <p:nvPr/>
+        </p:nvSpPr>
+        <p:spPr>
+          <a:xfrm>
+            <a:off x="8128783" y="2303843"/>
+            <a:ext cx="1127232" cy="369332"/>
+          </a:xfrm>
+          <a:prstGeom prst="rect">
+            <a:avLst/>
+          </a:prstGeom>
+          <a:noFill/>
+          <a:ln w="28575">
+            <a:solidFill>
+              <a:schemeClr val="tx1"/>
+            </a:solidFill>
+          </a:ln>
+        </p:spPr>
+        <p:txBody>
+          <a:bodyPr wrap="none" rtlCol="0">
+            <a:spAutoFit/>
+          </a:bodyPr>
+          <a:lstStyle/>
+          <a:p>
+            <a:r>
+              <a:rPr lang="ja-JP" altLang="en-US" b="1">
+                <a:latin typeface="Hiragino Sans W4" panose="020B0400000000000000" pitchFamily="34" charset="-128"/>
+                <a:ea typeface="Hiragino Sans W4" panose="020B0400000000000000" pitchFamily="34" charset="-128"/>
+              </a:rPr>
+              <a:t>重み付け</a:t>
+            </a:r>
+            <a:endParaRPr kumimoji="1" lang="ja-JP" altLang="en-US" b="1">
+              <a:latin typeface="Hiragino Sans W4" panose="020B0400000000000000" pitchFamily="34" charset="-128"/>
+              <a:ea typeface="Hiragino Sans W4" panose="020B0400000000000000" pitchFamily="34" charset="-128"/>
+            </a:endParaRPr>
+          </a:p>
+        </p:txBody>
+      </p:sp>
+      <p:cxnSp>
+        <p:nvCxnSpPr>
+          <p:cNvPr id="46" name="直線矢印コネクタ 45">
+            <a:extLst>
+              <a:ext uri="{FF2B5EF4-FFF2-40B4-BE49-F238E27FC236}">
+                <a16:creationId xmlns:a16="http://schemas.microsoft.com/office/drawing/2014/main" id="{D5F5AB0C-F6D7-3D40-B388-E1829DBC30D2}"/>
+              </a:ext>
+            </a:extLst>
+          </p:cNvPr>
+          <p:cNvCxnSpPr>
+            <a:cxnSpLocks/>
+            <a:stCxn id="42" idx="2"/>
+            <a:endCxn id="27" idx="0"/>
+          </p:cNvCxnSpPr>
+          <p:nvPr/>
+        </p:nvCxnSpPr>
+        <p:spPr>
+          <a:xfrm>
+            <a:off x="8692399" y="2673175"/>
+            <a:ext cx="1" cy="259939"/>
+          </a:xfrm>
+          <a:prstGeom prst="straightConnector1">
+            <a:avLst/>
+          </a:prstGeom>
+          <a:ln w="57150">
+            <a:solidFill>
+              <a:schemeClr val="tx1"/>
+            </a:solidFill>
+            <a:tailEnd type="triangle"/>
+          </a:ln>
+        </p:spPr>
+        <p:style>
+          <a:lnRef idx="1">
+            <a:schemeClr val="accent1"/>
+          </a:lnRef>
+          <a:fillRef idx="0">
+            <a:schemeClr val="accent1"/>
+          </a:fillRef>
+          <a:effectRef idx="0">
+            <a:schemeClr val="accent1"/>
+          </a:effectRef>
+          <a:fontRef idx="minor">
+            <a:schemeClr val="tx1"/>
+          </a:fontRef>
+        </p:style>
+      </p:cxnSp>
+      <p:cxnSp>
+        <p:nvCxnSpPr>
+          <p:cNvPr id="52" name="直線矢印コネクタ 51">
+            <a:extLst>
+              <a:ext uri="{FF2B5EF4-FFF2-40B4-BE49-F238E27FC236}">
+                <a16:creationId xmlns:a16="http://schemas.microsoft.com/office/drawing/2014/main" id="{FB5A6FC1-4DE4-4141-86BA-29E2892D4D1A}"/>
+              </a:ext>
+            </a:extLst>
+          </p:cNvPr>
+          <p:cNvCxnSpPr>
+            <a:cxnSpLocks/>
+          </p:cNvCxnSpPr>
+          <p:nvPr/>
+        </p:nvCxnSpPr>
+        <p:spPr>
+          <a:xfrm flipV="1">
+            <a:off x="7347857" y="2506178"/>
+            <a:ext cx="780926" cy="482490"/>
+          </a:xfrm>
+          <a:prstGeom prst="straightConnector1">
+            <a:avLst/>
+          </a:prstGeom>
+          <a:ln w="57150">
+            <a:solidFill>
+              <a:schemeClr val="tx1"/>
+            </a:solidFill>
+            <a:tailEnd type="triangle"/>
+          </a:ln>
+        </p:spPr>
+        <p:style>
+          <a:lnRef idx="1">
+            <a:schemeClr val="accent1"/>
+          </a:lnRef>
+          <a:fillRef idx="0">
+            <a:schemeClr val="accent1"/>
+          </a:fillRef>
+          <a:effectRef idx="0">
+            <a:schemeClr val="accent1"/>
+          </a:effectRef>
+          <a:fontRef idx="minor">
+            <a:schemeClr val="tx1"/>
+          </a:fontRef>
+        </p:style>
+      </p:cxnSp>
+    </p:spTree>
+    <p:extLst>
+      <p:ext uri="{BB962C8B-B14F-4D97-AF65-F5344CB8AC3E}">
+        <p14:creationId xmlns:p14="http://schemas.microsoft.com/office/powerpoint/2010/main" val="3828914638"/>
+      </p:ext>
+    </p:extLst>
+  </p:cSld>
+  <p:clrMapOvr>
+    <a:masterClrMapping/>
+  </p:clrMapOvr>
+</p:sld>
+</file>
+
+<file path=ppt/slides/slide3.xml><?xml version="1.0" encoding="utf-8"?>
+<p:sld xmlns:a="http://schemas.openxmlformats.org/drawingml/2006/main" xmlns:r="http://schemas.openxmlformats.org/officeDocument/2006/relationships" xmlns:p="http://schemas.openxmlformats.org/presentationml/2006/main">
+  <p:cSld>
+    <p:spTree>
+      <p:nvGrpSpPr>
+        <p:cNvPr id="1" name=""/>
+        <p:cNvGrpSpPr/>
+        <p:nvPr/>
+      </p:nvGrpSpPr>
+      <p:grpSpPr>
+        <a:xfrm>
+          <a:off x="0" y="0"/>
+          <a:ext cx="0" cy="0"/>
+          <a:chOff x="0" y="0"/>
+          <a:chExt cx="0" cy="0"/>
+        </a:xfrm>
+      </p:grpSpPr>
+      <p:cxnSp>
+        <p:nvCxnSpPr>
+          <p:cNvPr id="5" name="直線矢印コネクタ 4">
+            <a:extLst>
+              <a:ext uri="{FF2B5EF4-FFF2-40B4-BE49-F238E27FC236}">
+                <a16:creationId xmlns:a16="http://schemas.microsoft.com/office/drawing/2014/main" id="{0CD8DBF1-D161-0042-ADBC-03AAA2B2E9C1}"/>
+              </a:ext>
+            </a:extLst>
+          </p:cNvPr>
+          <p:cNvCxnSpPr/>
+          <p:nvPr/>
+        </p:nvCxnSpPr>
+        <p:spPr>
+          <a:xfrm>
+            <a:off x="1284514" y="2416629"/>
+            <a:ext cx="2579915" cy="0"/>
+          </a:xfrm>
+          <a:prstGeom prst="straightConnector1">
+            <a:avLst/>
+          </a:prstGeom>
+          <a:ln w="38100">
+            <a:solidFill>
+              <a:schemeClr val="tx1"/>
+            </a:solidFill>
+            <a:tailEnd type="triangle"/>
+          </a:ln>
+        </p:spPr>
+        <p:style>
+          <a:lnRef idx="1">
+            <a:schemeClr val="accent1"/>
+          </a:lnRef>
+          <a:fillRef idx="0">
+            <a:schemeClr val="accent1"/>
+          </a:fillRef>
+          <a:effectRef idx="0">
+            <a:schemeClr val="accent1"/>
+          </a:effectRef>
+          <a:fontRef idx="minor">
+            <a:schemeClr val="tx1"/>
+          </a:fontRef>
+        </p:style>
+      </p:cxnSp>
+      <p:cxnSp>
+        <p:nvCxnSpPr>
+          <p:cNvPr id="6" name="直線矢印コネクタ 5">
+            <a:extLst>
+              <a:ext uri="{FF2B5EF4-FFF2-40B4-BE49-F238E27FC236}">
+                <a16:creationId xmlns:a16="http://schemas.microsoft.com/office/drawing/2014/main" id="{DE9D0AD2-9EA2-8841-BA72-134407C90513}"/>
+              </a:ext>
+            </a:extLst>
+          </p:cNvPr>
+          <p:cNvCxnSpPr>
+            <a:cxnSpLocks/>
+          </p:cNvCxnSpPr>
+          <p:nvPr/>
+        </p:nvCxnSpPr>
+        <p:spPr>
+          <a:xfrm flipV="1">
+            <a:off x="1578429" y="707572"/>
+            <a:ext cx="0" cy="1970314"/>
+          </a:xfrm>
+          <a:prstGeom prst="straightConnector1">
+            <a:avLst/>
+          </a:prstGeom>
+          <a:ln w="38100">
+            <a:solidFill>
+              <a:schemeClr val="tx1"/>
+            </a:solidFill>
+            <a:tailEnd type="triangle"/>
+          </a:ln>
+        </p:spPr>
+        <p:style>
+          <a:lnRef idx="1">
+            <a:schemeClr val="accent1"/>
+          </a:lnRef>
+          <a:fillRef idx="0">
+            <a:schemeClr val="accent1"/>
+          </a:fillRef>
+          <a:effectRef idx="0">
+            <a:schemeClr val="accent1"/>
+          </a:effectRef>
+          <a:fontRef idx="minor">
+            <a:schemeClr val="tx1"/>
+          </a:fontRef>
+        </p:style>
+      </p:cxnSp>
+      <p:sp>
+        <p:nvSpPr>
+          <p:cNvPr id="8" name="円/楕円 7">
+            <a:extLst>
+              <a:ext uri="{FF2B5EF4-FFF2-40B4-BE49-F238E27FC236}">
+                <a16:creationId xmlns:a16="http://schemas.microsoft.com/office/drawing/2014/main" id="{62DB3B4B-991C-3943-B08B-8466B01D7E8A}"/>
+              </a:ext>
+            </a:extLst>
+          </p:cNvPr>
+          <p:cNvSpPr/>
+          <p:nvPr/>
+        </p:nvSpPr>
+        <p:spPr>
+          <a:xfrm>
+            <a:off x="2337706" y="1028700"/>
+            <a:ext cx="272143" cy="272143"/>
+          </a:xfrm>
+          <a:prstGeom prst="ellipse">
+            <a:avLst/>
+          </a:prstGeom>
+        </p:spPr>
+        <p:style>
+          <a:lnRef idx="2">
+            <a:schemeClr val="accent1">
+              <a:shade val="50000"/>
+            </a:schemeClr>
+          </a:lnRef>
+          <a:fillRef idx="1">
+            <a:schemeClr val="accent1"/>
+          </a:fillRef>
+          <a:effectRef idx="0">
+            <a:schemeClr val="accent1"/>
+          </a:effectRef>
+          <a:fontRef idx="minor">
+            <a:schemeClr val="lt1"/>
+          </a:fontRef>
+        </p:style>
+        <p:txBody>
+          <a:bodyPr rtlCol="0" anchor="ctr"/>
+          <a:lstStyle/>
+          <a:p>
+            <a:pPr algn="ctr"/>
+            <a:endParaRPr kumimoji="1" lang="ja-JP" altLang="en-US"/>
+          </a:p>
+        </p:txBody>
+      </p:sp>
+      <p:sp>
+        <p:nvSpPr>
+          <p:cNvPr id="10" name="円/楕円 9">
+            <a:extLst>
+              <a:ext uri="{FF2B5EF4-FFF2-40B4-BE49-F238E27FC236}">
+                <a16:creationId xmlns:a16="http://schemas.microsoft.com/office/drawing/2014/main" id="{828D18AF-DF96-AB46-8793-7118054BD731}"/>
+              </a:ext>
+            </a:extLst>
+          </p:cNvPr>
+          <p:cNvSpPr/>
+          <p:nvPr/>
+        </p:nvSpPr>
+        <p:spPr>
+          <a:xfrm>
+            <a:off x="3673929" y="1997620"/>
+            <a:ext cx="272143" cy="272143"/>
+          </a:xfrm>
+          <a:prstGeom prst="ellipse">
+            <a:avLst/>
+          </a:prstGeom>
+        </p:spPr>
+        <p:style>
+          <a:lnRef idx="2">
+            <a:schemeClr val="accent1">
+              <a:shade val="50000"/>
+            </a:schemeClr>
+          </a:lnRef>
+          <a:fillRef idx="1">
+            <a:schemeClr val="accent1"/>
+          </a:fillRef>
+          <a:effectRef idx="0">
+            <a:schemeClr val="accent1"/>
+          </a:effectRef>
+          <a:fontRef idx="minor">
+            <a:schemeClr val="lt1"/>
+          </a:fontRef>
+        </p:style>
+        <p:txBody>
+          <a:bodyPr rtlCol="0" anchor="ctr"/>
+          <a:lstStyle/>
+          <a:p>
+            <a:pPr algn="ctr"/>
+            <a:endParaRPr kumimoji="1" lang="ja-JP" altLang="en-US"/>
+          </a:p>
+        </p:txBody>
+      </p:sp>
+      <p:sp>
+        <p:nvSpPr>
+          <p:cNvPr id="11" name="円/楕円 10">
+            <a:extLst>
+              <a:ext uri="{FF2B5EF4-FFF2-40B4-BE49-F238E27FC236}">
+                <a16:creationId xmlns:a16="http://schemas.microsoft.com/office/drawing/2014/main" id="{D9F4CC89-E9B8-C940-AFB5-0BE840BCBE76}"/>
+              </a:ext>
+            </a:extLst>
+          </p:cNvPr>
+          <p:cNvSpPr/>
+          <p:nvPr/>
+        </p:nvSpPr>
+        <p:spPr>
+          <a:xfrm>
+            <a:off x="2966357" y="1945822"/>
+            <a:ext cx="272143" cy="272143"/>
+          </a:xfrm>
+          <a:prstGeom prst="ellipse">
+            <a:avLst/>
+          </a:prstGeom>
+        </p:spPr>
+        <p:style>
+          <a:lnRef idx="2">
+            <a:schemeClr val="accent1">
+              <a:shade val="50000"/>
+            </a:schemeClr>
+          </a:lnRef>
+          <a:fillRef idx="1">
+            <a:schemeClr val="accent1"/>
+          </a:fillRef>
+          <a:effectRef idx="0">
+            <a:schemeClr val="accent1"/>
+          </a:effectRef>
+          <a:fontRef idx="minor">
+            <a:schemeClr val="lt1"/>
+          </a:fontRef>
+        </p:style>
+        <p:txBody>
+          <a:bodyPr rtlCol="0" anchor="ctr"/>
+          <a:lstStyle/>
+          <a:p>
+            <a:pPr algn="ctr"/>
+            <a:endParaRPr kumimoji="1" lang="ja-JP" altLang="en-US"/>
+          </a:p>
+        </p:txBody>
+      </p:sp>
+      <p:sp>
+        <p:nvSpPr>
+          <p:cNvPr id="12" name="円/楕円 11">
+            <a:extLst>
+              <a:ext uri="{FF2B5EF4-FFF2-40B4-BE49-F238E27FC236}">
+                <a16:creationId xmlns:a16="http://schemas.microsoft.com/office/drawing/2014/main" id="{80B5D469-7632-4B45-BE97-587524A31F9D}"/>
+              </a:ext>
+            </a:extLst>
+          </p:cNvPr>
+          <p:cNvSpPr/>
+          <p:nvPr/>
+        </p:nvSpPr>
+        <p:spPr>
+          <a:xfrm>
+            <a:off x="2688770" y="1366157"/>
+            <a:ext cx="272143" cy="272143"/>
+          </a:xfrm>
+          <a:prstGeom prst="ellipse">
+            <a:avLst/>
+          </a:prstGeom>
+        </p:spPr>
+        <p:style>
+          <a:lnRef idx="2">
+            <a:schemeClr val="accent1">
+              <a:shade val="50000"/>
+            </a:schemeClr>
+          </a:lnRef>
+          <a:fillRef idx="1">
+            <a:schemeClr val="accent1"/>
+          </a:fillRef>
+          <a:effectRef idx="0">
+            <a:schemeClr val="accent1"/>
+          </a:effectRef>
+          <a:fontRef idx="minor">
+            <a:schemeClr val="lt1"/>
+          </a:fontRef>
+        </p:style>
+        <p:txBody>
+          <a:bodyPr rtlCol="0" anchor="ctr"/>
+          <a:lstStyle/>
+          <a:p>
+            <a:pPr algn="ctr"/>
+            <a:endParaRPr kumimoji="1" lang="ja-JP" altLang="en-US"/>
+          </a:p>
+        </p:txBody>
+      </p:sp>
+      <p:sp>
+        <p:nvSpPr>
+          <p:cNvPr id="13" name="円/楕円 12">
+            <a:extLst>
+              <a:ext uri="{FF2B5EF4-FFF2-40B4-BE49-F238E27FC236}">
+                <a16:creationId xmlns:a16="http://schemas.microsoft.com/office/drawing/2014/main" id="{3FAA4228-8C0C-6B45-8E54-C882562CF2AF}"/>
+              </a:ext>
+            </a:extLst>
+          </p:cNvPr>
+          <p:cNvSpPr/>
+          <p:nvPr/>
+        </p:nvSpPr>
+        <p:spPr>
+          <a:xfrm>
+            <a:off x="3543299" y="1344477"/>
+            <a:ext cx="272143" cy="272143"/>
+          </a:xfrm>
+          <a:prstGeom prst="ellipse">
+            <a:avLst/>
+          </a:prstGeom>
+        </p:spPr>
+        <p:style>
+          <a:lnRef idx="2">
+            <a:schemeClr val="accent1">
+              <a:shade val="50000"/>
+            </a:schemeClr>
+          </a:lnRef>
+          <a:fillRef idx="1">
+            <a:schemeClr val="accent1"/>
+          </a:fillRef>
+          <a:effectRef idx="0">
+            <a:schemeClr val="accent1"/>
+          </a:effectRef>
+          <a:fontRef idx="minor">
+            <a:schemeClr val="lt1"/>
+          </a:fontRef>
+        </p:style>
+        <p:txBody>
+          <a:bodyPr rtlCol="0" anchor="ctr"/>
+          <a:lstStyle/>
+          <a:p>
+            <a:pPr algn="ctr"/>
+            <a:endParaRPr kumimoji="1" lang="ja-JP" altLang="en-US"/>
+          </a:p>
+        </p:txBody>
+      </p:sp>
+      <p:sp>
+        <p:nvSpPr>
+          <p:cNvPr id="14" name="正方形/長方形 13">
+            <a:extLst>
+              <a:ext uri="{FF2B5EF4-FFF2-40B4-BE49-F238E27FC236}">
+                <a16:creationId xmlns:a16="http://schemas.microsoft.com/office/drawing/2014/main" id="{20C7DFC5-BE93-6040-831C-01FA6943F130}"/>
+              </a:ext>
+            </a:extLst>
+          </p:cNvPr>
+          <p:cNvSpPr/>
+          <p:nvPr/>
+        </p:nvSpPr>
+        <p:spPr>
+          <a:xfrm>
+            <a:off x="1766209" y="1982561"/>
+            <a:ext cx="239485" cy="247650"/>
+          </a:xfrm>
+          <a:prstGeom prst="rect">
+            <a:avLst/>
+          </a:prstGeom>
+          <a:solidFill>
+            <a:schemeClr val="accent2">
+              <a:lumMod val="40000"/>
+              <a:lumOff val="60000"/>
+            </a:schemeClr>
+          </a:solidFill>
+          <a:ln>
+            <a:solidFill>
+              <a:schemeClr val="accent2"/>
+            </a:solidFill>
+          </a:ln>
+        </p:spPr>
+        <p:style>
+          <a:lnRef idx="2">
+            <a:schemeClr val="accent1">
+              <a:shade val="50000"/>
+            </a:schemeClr>
+          </a:lnRef>
+          <a:fillRef idx="1">
+            <a:schemeClr val="accent1"/>
+          </a:fillRef>
+          <a:effectRef idx="0">
+            <a:schemeClr val="accent1"/>
+          </a:effectRef>
+          <a:fontRef idx="minor">
+            <a:schemeClr val="lt1"/>
+          </a:fontRef>
+        </p:style>
+        <p:txBody>
+          <a:bodyPr rtlCol="0" anchor="ctr"/>
+          <a:lstStyle/>
+          <a:p>
+            <a:pPr algn="ctr"/>
+            <a:endParaRPr kumimoji="1" lang="ja-JP" altLang="en-US"/>
+          </a:p>
+        </p:txBody>
+      </p:sp>
+      <p:sp>
+        <p:nvSpPr>
+          <p:cNvPr id="15" name="正方形/長方形 14">
+            <a:extLst>
+              <a:ext uri="{FF2B5EF4-FFF2-40B4-BE49-F238E27FC236}">
+                <a16:creationId xmlns:a16="http://schemas.microsoft.com/office/drawing/2014/main" id="{7DF8DCFE-7F61-E54F-8979-AD1E8A1CF91B}"/>
+              </a:ext>
+            </a:extLst>
+          </p:cNvPr>
+          <p:cNvSpPr/>
+          <p:nvPr/>
+        </p:nvSpPr>
+        <p:spPr>
+          <a:xfrm>
+            <a:off x="2862943" y="459922"/>
+            <a:ext cx="239485" cy="247650"/>
+          </a:xfrm>
+          <a:prstGeom prst="rect">
+            <a:avLst/>
+          </a:prstGeom>
+          <a:solidFill>
+            <a:schemeClr val="accent2">
+              <a:lumMod val="40000"/>
+              <a:lumOff val="60000"/>
+            </a:schemeClr>
+          </a:solidFill>
+          <a:ln>
+            <a:solidFill>
+              <a:schemeClr val="accent2"/>
+            </a:solidFill>
+          </a:ln>
+        </p:spPr>
+        <p:style>
+          <a:lnRef idx="2">
+            <a:schemeClr val="accent1">
+              <a:shade val="50000"/>
+            </a:schemeClr>
+          </a:lnRef>
+          <a:fillRef idx="1">
+            <a:schemeClr val="accent1"/>
+          </a:fillRef>
+          <a:effectRef idx="0">
+            <a:schemeClr val="accent1"/>
+          </a:effectRef>
+          <a:fontRef idx="minor">
+            <a:schemeClr val="lt1"/>
+          </a:fontRef>
+        </p:style>
+        <p:txBody>
+          <a:bodyPr rtlCol="0" anchor="ctr"/>
+          <a:lstStyle/>
+          <a:p>
+            <a:pPr algn="ctr"/>
+            <a:endParaRPr kumimoji="1" lang="ja-JP" altLang="en-US"/>
+          </a:p>
+        </p:txBody>
+      </p:sp>
+      <p:sp>
+        <p:nvSpPr>
+          <p:cNvPr id="16" name="正方形/長方形 15">
+            <a:extLst>
+              <a:ext uri="{FF2B5EF4-FFF2-40B4-BE49-F238E27FC236}">
+                <a16:creationId xmlns:a16="http://schemas.microsoft.com/office/drawing/2014/main" id="{0EE60D8B-525F-0A40-A04D-41535C4A13B3}"/>
+              </a:ext>
+            </a:extLst>
+          </p:cNvPr>
+          <p:cNvSpPr/>
+          <p:nvPr/>
+        </p:nvSpPr>
+        <p:spPr>
+          <a:xfrm>
+            <a:off x="3249385" y="699407"/>
+            <a:ext cx="239485" cy="247650"/>
+          </a:xfrm>
+          <a:prstGeom prst="rect">
+            <a:avLst/>
+          </a:prstGeom>
+          <a:solidFill>
+            <a:schemeClr val="accent2">
+              <a:lumMod val="40000"/>
+              <a:lumOff val="60000"/>
+            </a:schemeClr>
+          </a:solidFill>
+          <a:ln>
+            <a:solidFill>
+              <a:schemeClr val="accent2"/>
+            </a:solidFill>
+          </a:ln>
+        </p:spPr>
+        <p:style>
+          <a:lnRef idx="2">
+            <a:schemeClr val="accent1">
+              <a:shade val="50000"/>
+            </a:schemeClr>
+          </a:lnRef>
+          <a:fillRef idx="1">
+            <a:schemeClr val="accent1"/>
+          </a:fillRef>
+          <a:effectRef idx="0">
+            <a:schemeClr val="accent1"/>
+          </a:effectRef>
+          <a:fontRef idx="minor">
+            <a:schemeClr val="lt1"/>
+          </a:fontRef>
+        </p:style>
+        <p:txBody>
+          <a:bodyPr rtlCol="0" anchor="ctr"/>
+          <a:lstStyle/>
+          <a:p>
+            <a:pPr algn="ctr"/>
+            <a:endParaRPr kumimoji="1" lang="ja-JP" altLang="en-US"/>
+          </a:p>
+        </p:txBody>
+      </p:sp>
+      <p:sp>
+        <p:nvSpPr>
+          <p:cNvPr id="17" name="正方形/長方形 16">
+            <a:extLst>
+              <a:ext uri="{FF2B5EF4-FFF2-40B4-BE49-F238E27FC236}">
+                <a16:creationId xmlns:a16="http://schemas.microsoft.com/office/drawing/2014/main" id="{D4C8BAF8-82E5-5E46-B0AD-262EC89B3AF8}"/>
+              </a:ext>
+            </a:extLst>
+          </p:cNvPr>
+          <p:cNvSpPr/>
+          <p:nvPr/>
+        </p:nvSpPr>
+        <p:spPr>
+          <a:xfrm>
+            <a:off x="2419350" y="643619"/>
+            <a:ext cx="239485" cy="247650"/>
+          </a:xfrm>
+          <a:prstGeom prst="rect">
+            <a:avLst/>
+          </a:prstGeom>
+          <a:solidFill>
+            <a:schemeClr val="accent2">
+              <a:lumMod val="40000"/>
+              <a:lumOff val="60000"/>
+            </a:schemeClr>
+          </a:solidFill>
+          <a:ln>
+            <a:solidFill>
+              <a:schemeClr val="accent2"/>
+            </a:solidFill>
+          </a:ln>
+        </p:spPr>
+        <p:style>
+          <a:lnRef idx="2">
+            <a:schemeClr val="accent1">
+              <a:shade val="50000"/>
+            </a:schemeClr>
+          </a:lnRef>
+          <a:fillRef idx="1">
+            <a:schemeClr val="accent1"/>
+          </a:fillRef>
+          <a:effectRef idx="0">
+            <a:schemeClr val="accent1"/>
+          </a:effectRef>
+          <a:fontRef idx="minor">
+            <a:schemeClr val="lt1"/>
+          </a:fontRef>
+        </p:style>
+        <p:txBody>
+          <a:bodyPr rtlCol="0" anchor="ctr"/>
+          <a:lstStyle/>
+          <a:p>
+            <a:pPr algn="ctr"/>
+            <a:endParaRPr kumimoji="1" lang="ja-JP" altLang="en-US"/>
+          </a:p>
+        </p:txBody>
+      </p:sp>
+      <p:sp>
+        <p:nvSpPr>
+          <p:cNvPr id="19" name="正方形/長方形 18">
+            <a:extLst>
+              <a:ext uri="{FF2B5EF4-FFF2-40B4-BE49-F238E27FC236}">
+                <a16:creationId xmlns:a16="http://schemas.microsoft.com/office/drawing/2014/main" id="{F142BA36-A5AE-2D4E-8302-10F436DAE891}"/>
+              </a:ext>
+            </a:extLst>
+          </p:cNvPr>
+          <p:cNvSpPr/>
+          <p:nvPr/>
+        </p:nvSpPr>
+        <p:spPr>
+          <a:xfrm>
+            <a:off x="1850573" y="1366156"/>
+            <a:ext cx="239485" cy="247650"/>
+          </a:xfrm>
+          <a:prstGeom prst="rect">
+            <a:avLst/>
+          </a:prstGeom>
+          <a:solidFill>
+            <a:schemeClr val="accent2">
+              <a:lumMod val="40000"/>
+              <a:lumOff val="60000"/>
+            </a:schemeClr>
+          </a:solidFill>
+          <a:ln>
+            <a:solidFill>
+              <a:schemeClr val="accent2"/>
+            </a:solidFill>
+          </a:ln>
+        </p:spPr>
+        <p:style>
+          <a:lnRef idx="2">
+            <a:schemeClr val="accent1">
+              <a:shade val="50000"/>
+            </a:schemeClr>
+          </a:lnRef>
+          <a:fillRef idx="1">
+            <a:schemeClr val="accent1"/>
+          </a:fillRef>
+          <a:effectRef idx="0">
+            <a:schemeClr val="accent1"/>
+          </a:effectRef>
+          <a:fontRef idx="minor">
+            <a:schemeClr val="lt1"/>
+          </a:fontRef>
+        </p:style>
+        <p:txBody>
+          <a:bodyPr rtlCol="0" anchor="ctr"/>
+          <a:lstStyle/>
+          <a:p>
+            <a:pPr algn="ctr"/>
+            <a:endParaRPr kumimoji="1" lang="ja-JP" altLang="en-US"/>
+          </a:p>
+        </p:txBody>
+      </p:sp>
+      <p:cxnSp>
+        <p:nvCxnSpPr>
+          <p:cNvPr id="20" name="直線矢印コネクタ 19">
+            <a:extLst>
+              <a:ext uri="{FF2B5EF4-FFF2-40B4-BE49-F238E27FC236}">
+                <a16:creationId xmlns:a16="http://schemas.microsoft.com/office/drawing/2014/main" id="{7E761BDB-6169-214E-A882-46A95210DB91}"/>
+              </a:ext>
+            </a:extLst>
+          </p:cNvPr>
+          <p:cNvCxnSpPr/>
+          <p:nvPr/>
+        </p:nvCxnSpPr>
+        <p:spPr>
+          <a:xfrm>
+            <a:off x="5159825" y="2416629"/>
+            <a:ext cx="2579915" cy="0"/>
+          </a:xfrm>
+          <a:prstGeom prst="straightConnector1">
+            <a:avLst/>
+          </a:prstGeom>
+          <a:ln w="38100">
+            <a:solidFill>
+              <a:schemeClr val="tx1"/>
+            </a:solidFill>
+            <a:tailEnd type="triangle"/>
+          </a:ln>
+        </p:spPr>
+        <p:style>
+          <a:lnRef idx="1">
+            <a:schemeClr val="accent1"/>
+          </a:lnRef>
+          <a:fillRef idx="0">
+            <a:schemeClr val="accent1"/>
+          </a:fillRef>
+          <a:effectRef idx="0">
+            <a:schemeClr val="accent1"/>
+          </a:effectRef>
+          <a:fontRef idx="minor">
+            <a:schemeClr val="tx1"/>
+          </a:fontRef>
+        </p:style>
+      </p:cxnSp>
+      <p:cxnSp>
+        <p:nvCxnSpPr>
+          <p:cNvPr id="21" name="直線矢印コネクタ 20">
+            <a:extLst>
+              <a:ext uri="{FF2B5EF4-FFF2-40B4-BE49-F238E27FC236}">
+                <a16:creationId xmlns:a16="http://schemas.microsoft.com/office/drawing/2014/main" id="{BDEC0E40-9FA2-464E-A6D7-D3F3F32D6496}"/>
+              </a:ext>
+            </a:extLst>
+          </p:cNvPr>
+          <p:cNvCxnSpPr>
+            <a:cxnSpLocks/>
+          </p:cNvCxnSpPr>
+          <p:nvPr/>
+        </p:nvCxnSpPr>
+        <p:spPr>
+          <a:xfrm flipV="1">
+            <a:off x="5453740" y="707572"/>
+            <a:ext cx="0" cy="1970314"/>
+          </a:xfrm>
+          <a:prstGeom prst="straightConnector1">
+            <a:avLst/>
+          </a:prstGeom>
+          <a:ln w="38100">
+            <a:solidFill>
+              <a:schemeClr val="tx1"/>
+            </a:solidFill>
+            <a:tailEnd type="triangle"/>
+          </a:ln>
+        </p:spPr>
+        <p:style>
+          <a:lnRef idx="1">
+            <a:schemeClr val="accent1"/>
+          </a:lnRef>
+          <a:fillRef idx="0">
+            <a:schemeClr val="accent1"/>
+          </a:fillRef>
+          <a:effectRef idx="0">
+            <a:schemeClr val="accent1"/>
+          </a:effectRef>
+          <a:fontRef idx="minor">
+            <a:schemeClr val="tx1"/>
+          </a:fontRef>
+        </p:style>
+      </p:cxnSp>
+      <p:sp>
+        <p:nvSpPr>
+          <p:cNvPr id="22" name="円/楕円 21">
+            <a:extLst>
+              <a:ext uri="{FF2B5EF4-FFF2-40B4-BE49-F238E27FC236}">
+                <a16:creationId xmlns:a16="http://schemas.microsoft.com/office/drawing/2014/main" id="{582868FA-90C3-6F4F-8D4F-76B73E862CE5}"/>
+              </a:ext>
+            </a:extLst>
+          </p:cNvPr>
+          <p:cNvSpPr/>
+          <p:nvPr/>
+        </p:nvSpPr>
+        <p:spPr>
+          <a:xfrm>
+            <a:off x="6327333" y="1164773"/>
+            <a:ext cx="157827" cy="136070"/>
+          </a:xfrm>
+          <a:prstGeom prst="ellipse">
+            <a:avLst/>
+          </a:prstGeom>
+        </p:spPr>
+        <p:style>
+          <a:lnRef idx="2">
+            <a:schemeClr val="accent1">
+              <a:shade val="50000"/>
+            </a:schemeClr>
+          </a:lnRef>
+          <a:fillRef idx="1">
+            <a:schemeClr val="accent1"/>
+          </a:fillRef>
+          <a:effectRef idx="0">
+            <a:schemeClr val="accent1"/>
+          </a:effectRef>
+          <a:fontRef idx="minor">
+            <a:schemeClr val="lt1"/>
+          </a:fontRef>
+        </p:style>
+        <p:txBody>
+          <a:bodyPr rtlCol="0" anchor="ctr"/>
+          <a:lstStyle/>
+          <a:p>
+            <a:pPr algn="ctr"/>
+            <a:endParaRPr kumimoji="1" lang="ja-JP" altLang="en-US"/>
+          </a:p>
+        </p:txBody>
+      </p:sp>
+      <p:sp>
+        <p:nvSpPr>
+          <p:cNvPr id="23" name="円/楕円 22">
+            <a:extLst>
+              <a:ext uri="{FF2B5EF4-FFF2-40B4-BE49-F238E27FC236}">
+                <a16:creationId xmlns:a16="http://schemas.microsoft.com/office/drawing/2014/main" id="{CE15DC41-B8D1-BA4B-9535-46F35F13D8F2}"/>
+              </a:ext>
+            </a:extLst>
+          </p:cNvPr>
+          <p:cNvSpPr/>
+          <p:nvPr/>
+        </p:nvSpPr>
+        <p:spPr>
+          <a:xfrm>
+            <a:off x="7587354" y="2155373"/>
+            <a:ext cx="157827" cy="136070"/>
+          </a:xfrm>
+          <a:prstGeom prst="ellipse">
+            <a:avLst/>
+          </a:prstGeom>
+        </p:spPr>
+        <p:style>
+          <a:lnRef idx="2">
+            <a:schemeClr val="accent1">
+              <a:shade val="50000"/>
+            </a:schemeClr>
+          </a:lnRef>
+          <a:fillRef idx="1">
+            <a:schemeClr val="accent1"/>
+          </a:fillRef>
+          <a:effectRef idx="0">
+            <a:schemeClr val="accent1"/>
+          </a:effectRef>
+          <a:fontRef idx="minor">
+            <a:schemeClr val="lt1"/>
+          </a:fontRef>
+        </p:style>
+        <p:txBody>
+          <a:bodyPr rtlCol="0" anchor="ctr"/>
+          <a:lstStyle/>
+          <a:p>
+            <a:pPr algn="ctr"/>
+            <a:endParaRPr kumimoji="1" lang="ja-JP" altLang="en-US"/>
+          </a:p>
+        </p:txBody>
+      </p:sp>
+      <p:sp>
+        <p:nvSpPr>
+          <p:cNvPr id="24" name="円/楕円 23">
+            <a:extLst>
+              <a:ext uri="{FF2B5EF4-FFF2-40B4-BE49-F238E27FC236}">
+                <a16:creationId xmlns:a16="http://schemas.microsoft.com/office/drawing/2014/main" id="{0A704454-2011-AB46-B842-F6E44698BD25}"/>
+              </a:ext>
+            </a:extLst>
+          </p:cNvPr>
+          <p:cNvSpPr/>
+          <p:nvPr/>
+        </p:nvSpPr>
+        <p:spPr>
+          <a:xfrm>
+            <a:off x="6955984" y="2081895"/>
+            <a:ext cx="157827" cy="136070"/>
+          </a:xfrm>
+          <a:prstGeom prst="ellipse">
+            <a:avLst/>
+          </a:prstGeom>
+        </p:spPr>
+        <p:style>
+          <a:lnRef idx="2">
+            <a:schemeClr val="accent1">
+              <a:shade val="50000"/>
+            </a:schemeClr>
+          </a:lnRef>
+          <a:fillRef idx="1">
+            <a:schemeClr val="accent1"/>
+          </a:fillRef>
+          <a:effectRef idx="0">
+            <a:schemeClr val="accent1"/>
+          </a:effectRef>
+          <a:fontRef idx="minor">
+            <a:schemeClr val="lt1"/>
+          </a:fontRef>
+        </p:style>
+        <p:txBody>
+          <a:bodyPr rtlCol="0" anchor="ctr"/>
+          <a:lstStyle/>
+          <a:p>
+            <a:pPr algn="ctr"/>
+            <a:endParaRPr kumimoji="1" lang="ja-JP" altLang="en-US"/>
+          </a:p>
+        </p:txBody>
+      </p:sp>
+      <p:sp>
+        <p:nvSpPr>
+          <p:cNvPr id="25" name="円/楕円 24">
+            <a:extLst>
+              <a:ext uri="{FF2B5EF4-FFF2-40B4-BE49-F238E27FC236}">
+                <a16:creationId xmlns:a16="http://schemas.microsoft.com/office/drawing/2014/main" id="{10F7699D-BDC2-7342-9BB6-29E97DEB9923}"/>
+              </a:ext>
+            </a:extLst>
+          </p:cNvPr>
+          <p:cNvSpPr/>
+          <p:nvPr/>
+        </p:nvSpPr>
+        <p:spPr>
+          <a:xfrm>
+            <a:off x="6678397" y="1502230"/>
+            <a:ext cx="157827" cy="136070"/>
+          </a:xfrm>
+          <a:prstGeom prst="ellipse">
+            <a:avLst/>
+          </a:prstGeom>
+        </p:spPr>
+        <p:style>
+          <a:lnRef idx="2">
+            <a:schemeClr val="accent1">
+              <a:shade val="50000"/>
+            </a:schemeClr>
+          </a:lnRef>
+          <a:fillRef idx="1">
+            <a:schemeClr val="accent1"/>
+          </a:fillRef>
+          <a:effectRef idx="0">
+            <a:schemeClr val="accent1"/>
+          </a:effectRef>
+          <a:fontRef idx="minor">
+            <a:schemeClr val="lt1"/>
+          </a:fontRef>
+        </p:style>
+        <p:txBody>
+          <a:bodyPr rtlCol="0" anchor="ctr"/>
+          <a:lstStyle/>
+          <a:p>
+            <a:pPr algn="ctr"/>
+            <a:endParaRPr kumimoji="1" lang="ja-JP" altLang="en-US"/>
+          </a:p>
+        </p:txBody>
+      </p:sp>
+      <p:sp>
+        <p:nvSpPr>
+          <p:cNvPr id="26" name="円/楕円 25">
+            <a:extLst>
+              <a:ext uri="{FF2B5EF4-FFF2-40B4-BE49-F238E27FC236}">
+                <a16:creationId xmlns:a16="http://schemas.microsoft.com/office/drawing/2014/main" id="{59FADC91-F1BE-4B49-8012-9535D28D68CD}"/>
+              </a:ext>
+            </a:extLst>
+          </p:cNvPr>
+          <p:cNvSpPr/>
+          <p:nvPr/>
+        </p:nvSpPr>
+        <p:spPr>
+          <a:xfrm>
+            <a:off x="7456724" y="1502230"/>
+            <a:ext cx="157827" cy="136070"/>
+          </a:xfrm>
+          <a:prstGeom prst="ellipse">
+            <a:avLst/>
+          </a:prstGeom>
+        </p:spPr>
+        <p:style>
+          <a:lnRef idx="2">
+            <a:schemeClr val="accent1">
+              <a:shade val="50000"/>
+            </a:schemeClr>
+          </a:lnRef>
+          <a:fillRef idx="1">
+            <a:schemeClr val="accent1"/>
+          </a:fillRef>
+          <a:effectRef idx="0">
+            <a:schemeClr val="accent1"/>
+          </a:effectRef>
+          <a:fontRef idx="minor">
+            <a:schemeClr val="lt1"/>
+          </a:fontRef>
+        </p:style>
+        <p:txBody>
+          <a:bodyPr rtlCol="0" anchor="ctr"/>
+          <a:lstStyle/>
+          <a:p>
+            <a:pPr algn="ctr"/>
+            <a:endParaRPr kumimoji="1" lang="ja-JP" altLang="en-US"/>
+          </a:p>
+        </p:txBody>
+      </p:sp>
+      <p:sp>
+        <p:nvSpPr>
+          <p:cNvPr id="27" name="正方形/長方形 26">
+            <a:extLst>
+              <a:ext uri="{FF2B5EF4-FFF2-40B4-BE49-F238E27FC236}">
+                <a16:creationId xmlns:a16="http://schemas.microsoft.com/office/drawing/2014/main" id="{C6F6473F-936C-BE49-89C4-695953266861}"/>
+              </a:ext>
+            </a:extLst>
+          </p:cNvPr>
+          <p:cNvSpPr/>
+          <p:nvPr/>
+        </p:nvSpPr>
+        <p:spPr>
+          <a:xfrm>
+            <a:off x="5525830" y="1860879"/>
+            <a:ext cx="355175" cy="369332"/>
+          </a:xfrm>
+          <a:prstGeom prst="rect">
+            <a:avLst/>
+          </a:prstGeom>
+          <a:solidFill>
+            <a:schemeClr val="accent2">
+              <a:lumMod val="40000"/>
+              <a:lumOff val="60000"/>
+            </a:schemeClr>
+          </a:solidFill>
+          <a:ln>
+            <a:solidFill>
+              <a:schemeClr val="accent2"/>
+            </a:solidFill>
+          </a:ln>
+        </p:spPr>
+        <p:style>
+          <a:lnRef idx="2">
+            <a:schemeClr val="accent1">
+              <a:shade val="50000"/>
+            </a:schemeClr>
+          </a:lnRef>
+          <a:fillRef idx="1">
+            <a:schemeClr val="accent1"/>
+          </a:fillRef>
+          <a:effectRef idx="0">
+            <a:schemeClr val="accent1"/>
+          </a:effectRef>
+          <a:fontRef idx="minor">
+            <a:schemeClr val="lt1"/>
+          </a:fontRef>
+        </p:style>
+        <p:txBody>
+          <a:bodyPr rtlCol="0" anchor="ctr"/>
+          <a:lstStyle/>
+          <a:p>
+            <a:pPr algn="ctr"/>
+            <a:endParaRPr kumimoji="1" lang="ja-JP" altLang="en-US"/>
+          </a:p>
+        </p:txBody>
+      </p:sp>
+      <p:sp>
+        <p:nvSpPr>
+          <p:cNvPr id="30" name="正方形/長方形 29">
+            <a:extLst>
+              <a:ext uri="{FF2B5EF4-FFF2-40B4-BE49-F238E27FC236}">
+                <a16:creationId xmlns:a16="http://schemas.microsoft.com/office/drawing/2014/main" id="{CDA349BB-A302-2C40-B948-B845B90C011E}"/>
+              </a:ext>
+            </a:extLst>
+          </p:cNvPr>
+          <p:cNvSpPr/>
+          <p:nvPr/>
+        </p:nvSpPr>
+        <p:spPr>
+          <a:xfrm>
+            <a:off x="6294662" y="699407"/>
+            <a:ext cx="190497" cy="191862"/>
+          </a:xfrm>
+          <a:prstGeom prst="rect">
+            <a:avLst/>
+          </a:prstGeom>
+          <a:solidFill>
+            <a:schemeClr val="accent2">
+              <a:lumMod val="40000"/>
+              <a:lumOff val="60000"/>
+            </a:schemeClr>
+          </a:solidFill>
+          <a:ln>
+            <a:solidFill>
+              <a:schemeClr val="accent2"/>
+            </a:solidFill>
+          </a:ln>
+        </p:spPr>
+        <p:style>
+          <a:lnRef idx="2">
+            <a:schemeClr val="accent1">
+              <a:shade val="50000"/>
+            </a:schemeClr>
+          </a:lnRef>
+          <a:fillRef idx="1">
+            <a:schemeClr val="accent1"/>
+          </a:fillRef>
+          <a:effectRef idx="0">
+            <a:schemeClr val="accent1"/>
+          </a:effectRef>
+          <a:fontRef idx="minor">
+            <a:schemeClr val="lt1"/>
+          </a:fontRef>
+        </p:style>
+        <p:txBody>
+          <a:bodyPr rtlCol="0" anchor="ctr"/>
+          <a:lstStyle/>
+          <a:p>
+            <a:pPr algn="ctr"/>
+            <a:endParaRPr kumimoji="1" lang="ja-JP" altLang="en-US"/>
+          </a:p>
+        </p:txBody>
+      </p:sp>
+      <p:sp>
+        <p:nvSpPr>
+          <p:cNvPr id="31" name="正方形/長方形 30">
+            <a:extLst>
+              <a:ext uri="{FF2B5EF4-FFF2-40B4-BE49-F238E27FC236}">
+                <a16:creationId xmlns:a16="http://schemas.microsoft.com/office/drawing/2014/main" id="{DAEF7D58-4CF0-5941-9165-6E6E3C21DA20}"/>
+              </a:ext>
+            </a:extLst>
+          </p:cNvPr>
+          <p:cNvSpPr/>
+          <p:nvPr/>
+        </p:nvSpPr>
+        <p:spPr>
+          <a:xfrm>
+            <a:off x="5610194" y="1244474"/>
+            <a:ext cx="355176" cy="369332"/>
+          </a:xfrm>
+          <a:prstGeom prst="rect">
+            <a:avLst/>
+          </a:prstGeom>
+          <a:solidFill>
+            <a:schemeClr val="accent2">
+              <a:lumMod val="40000"/>
+              <a:lumOff val="60000"/>
+            </a:schemeClr>
+          </a:solidFill>
+          <a:ln>
+            <a:solidFill>
+              <a:schemeClr val="accent2"/>
+            </a:solidFill>
+          </a:ln>
+        </p:spPr>
+        <p:style>
+          <a:lnRef idx="2">
+            <a:schemeClr val="accent1">
+              <a:shade val="50000"/>
+            </a:schemeClr>
+          </a:lnRef>
+          <a:fillRef idx="1">
+            <a:schemeClr val="accent1"/>
+          </a:fillRef>
+          <a:effectRef idx="0">
+            <a:schemeClr val="accent1"/>
+          </a:effectRef>
+          <a:fontRef idx="minor">
+            <a:schemeClr val="lt1"/>
+          </a:fontRef>
+        </p:style>
+        <p:txBody>
+          <a:bodyPr rtlCol="0" anchor="ctr"/>
+          <a:lstStyle/>
+          <a:p>
+            <a:pPr algn="ctr"/>
+            <a:endParaRPr kumimoji="1" lang="ja-JP" altLang="en-US"/>
+          </a:p>
+        </p:txBody>
+      </p:sp>
+      <p:sp>
+        <p:nvSpPr>
+          <p:cNvPr id="32" name="テキスト ボックス 31">
+            <a:extLst>
+              <a:ext uri="{FF2B5EF4-FFF2-40B4-BE49-F238E27FC236}">
+                <a16:creationId xmlns:a16="http://schemas.microsoft.com/office/drawing/2014/main" id="{E80D46F8-374F-8644-A495-F03A466462D5}"/>
+              </a:ext>
+            </a:extLst>
+          </p:cNvPr>
+          <p:cNvSpPr txBox="1"/>
+          <p:nvPr/>
+        </p:nvSpPr>
+        <p:spPr>
+          <a:xfrm>
+            <a:off x="1421976" y="261650"/>
+            <a:ext cx="312906" cy="369332"/>
+          </a:xfrm>
+          <a:prstGeom prst="rect">
+            <a:avLst/>
+          </a:prstGeom>
+          <a:noFill/>
+          <a:ln>
+            <a:solidFill>
+              <a:schemeClr val="tx1"/>
+            </a:solidFill>
+          </a:ln>
+        </p:spPr>
+        <p:txBody>
+          <a:bodyPr wrap="none" rtlCol="0">
+            <a:spAutoFit/>
+          </a:bodyPr>
+          <a:lstStyle/>
+          <a:p>
+            <a:r>
+              <a:rPr kumimoji="1" lang="en-US" altLang="ja-JP" dirty="0"/>
+              <a:t>1</a:t>
+            </a:r>
+            <a:endParaRPr kumimoji="1" lang="ja-JP" altLang="en-US"/>
+          </a:p>
+        </p:txBody>
+      </p:sp>
+      <p:sp>
+        <p:nvSpPr>
+          <p:cNvPr id="33" name="テキスト ボックス 32">
+            <a:extLst>
+              <a:ext uri="{FF2B5EF4-FFF2-40B4-BE49-F238E27FC236}">
+                <a16:creationId xmlns:a16="http://schemas.microsoft.com/office/drawing/2014/main" id="{723174AA-1DB7-964B-BC67-CD0CE048D185}"/>
+              </a:ext>
+            </a:extLst>
+          </p:cNvPr>
+          <p:cNvSpPr txBox="1"/>
+          <p:nvPr/>
+        </p:nvSpPr>
+        <p:spPr>
+          <a:xfrm>
+            <a:off x="5297287" y="261650"/>
+            <a:ext cx="312906" cy="369332"/>
+          </a:xfrm>
+          <a:prstGeom prst="rect">
+            <a:avLst/>
+          </a:prstGeom>
+          <a:noFill/>
+          <a:ln>
+            <a:solidFill>
+              <a:schemeClr val="tx1"/>
+            </a:solidFill>
+          </a:ln>
+        </p:spPr>
+        <p:txBody>
+          <a:bodyPr wrap="none" rtlCol="0">
+            <a:spAutoFit/>
+          </a:bodyPr>
+          <a:lstStyle/>
+          <a:p>
+            <a:r>
+              <a:rPr lang="en-US" altLang="ja-JP" dirty="0"/>
+              <a:t>2</a:t>
+            </a:r>
+            <a:endParaRPr kumimoji="1" lang="ja-JP" altLang="en-US"/>
+          </a:p>
+        </p:txBody>
+      </p:sp>
+      <p:cxnSp>
+        <p:nvCxnSpPr>
+          <p:cNvPr id="35" name="直線コネクタ 34">
+            <a:extLst>
+              <a:ext uri="{FF2B5EF4-FFF2-40B4-BE49-F238E27FC236}">
+                <a16:creationId xmlns:a16="http://schemas.microsoft.com/office/drawing/2014/main" id="{046459A4-3C62-8941-A8F8-B5AE6A89A674}"/>
+              </a:ext>
+            </a:extLst>
+          </p:cNvPr>
+          <p:cNvCxnSpPr/>
+          <p:nvPr/>
+        </p:nvCxnSpPr>
+        <p:spPr>
+          <a:xfrm>
+            <a:off x="1578429" y="996042"/>
+            <a:ext cx="2286000" cy="0"/>
+          </a:xfrm>
+          <a:prstGeom prst="line">
+            <a:avLst/>
+          </a:prstGeom>
+          <a:ln w="19050">
+            <a:solidFill>
+              <a:schemeClr val="tx1"/>
+            </a:solidFill>
+            <a:prstDash val="sysDot"/>
+          </a:ln>
+        </p:spPr>
+        <p:style>
+          <a:lnRef idx="1">
+            <a:schemeClr val="accent1"/>
+          </a:lnRef>
+          <a:fillRef idx="0">
+            <a:schemeClr val="accent1"/>
+          </a:fillRef>
+          <a:effectRef idx="0">
+            <a:schemeClr val="accent1"/>
+          </a:effectRef>
+          <a:fontRef idx="minor">
+            <a:schemeClr val="tx1"/>
+          </a:fontRef>
+        </p:style>
+      </p:cxnSp>
+      <p:cxnSp>
+        <p:nvCxnSpPr>
+          <p:cNvPr id="36" name="直線コネクタ 35">
+            <a:extLst>
+              <a:ext uri="{FF2B5EF4-FFF2-40B4-BE49-F238E27FC236}">
+                <a16:creationId xmlns:a16="http://schemas.microsoft.com/office/drawing/2014/main" id="{079BD6D4-FDC8-F84F-BB44-C98931F05879}"/>
+              </a:ext>
+            </a:extLst>
+          </p:cNvPr>
+          <p:cNvCxnSpPr>
+            <a:cxnSpLocks/>
+          </p:cNvCxnSpPr>
+          <p:nvPr/>
+        </p:nvCxnSpPr>
+        <p:spPr>
+          <a:xfrm flipV="1">
+            <a:off x="6096000" y="583747"/>
+            <a:ext cx="0" cy="1832882"/>
+          </a:xfrm>
+          <a:prstGeom prst="line">
+            <a:avLst/>
+          </a:prstGeom>
+          <a:ln w="19050">
+            <a:solidFill>
+              <a:schemeClr val="tx1"/>
+            </a:solidFill>
+            <a:prstDash val="sysDot"/>
+          </a:ln>
+        </p:spPr>
+        <p:style>
+          <a:lnRef idx="1">
+            <a:schemeClr val="accent1"/>
+          </a:lnRef>
+          <a:fillRef idx="0">
+            <a:schemeClr val="accent1"/>
+          </a:fillRef>
+          <a:effectRef idx="0">
+            <a:schemeClr val="accent1"/>
+          </a:effectRef>
+          <a:fontRef idx="minor">
+            <a:schemeClr val="tx1"/>
+          </a:fontRef>
+        </p:style>
+      </p:cxnSp>
+      <p:sp>
+        <p:nvSpPr>
+          <p:cNvPr id="39" name="正方形/長方形 38">
+            <a:extLst>
+              <a:ext uri="{FF2B5EF4-FFF2-40B4-BE49-F238E27FC236}">
+                <a16:creationId xmlns:a16="http://schemas.microsoft.com/office/drawing/2014/main" id="{FCAA21BD-D384-A94C-9F28-8ABD21F54E32}"/>
+              </a:ext>
+            </a:extLst>
+          </p:cNvPr>
+          <p:cNvSpPr/>
+          <p:nvPr/>
+        </p:nvSpPr>
+        <p:spPr>
+          <a:xfrm>
+            <a:off x="6760027" y="465364"/>
+            <a:ext cx="190497" cy="191862"/>
+          </a:xfrm>
+          <a:prstGeom prst="rect">
+            <a:avLst/>
+          </a:prstGeom>
+          <a:solidFill>
+            <a:schemeClr val="accent2">
+              <a:lumMod val="40000"/>
+              <a:lumOff val="60000"/>
+            </a:schemeClr>
+          </a:solidFill>
+          <a:ln>
+            <a:solidFill>
+              <a:schemeClr val="accent2"/>
+            </a:solidFill>
+          </a:ln>
+        </p:spPr>
+        <p:style>
+          <a:lnRef idx="2">
+            <a:schemeClr val="accent1">
+              <a:shade val="50000"/>
+            </a:schemeClr>
+          </a:lnRef>
+          <a:fillRef idx="1">
+            <a:schemeClr val="accent1"/>
+          </a:fillRef>
+          <a:effectRef idx="0">
+            <a:schemeClr val="accent1"/>
+          </a:effectRef>
+          <a:fontRef idx="minor">
+            <a:schemeClr val="lt1"/>
+          </a:fontRef>
+        </p:style>
+        <p:txBody>
+          <a:bodyPr rtlCol="0" anchor="ctr"/>
+          <a:lstStyle/>
+          <a:p>
+            <a:pPr algn="ctr"/>
+            <a:endParaRPr kumimoji="1" lang="ja-JP" altLang="en-US"/>
+          </a:p>
+        </p:txBody>
+      </p:sp>
+      <p:sp>
+        <p:nvSpPr>
+          <p:cNvPr id="40" name="正方形/長方形 39">
+            <a:extLst>
+              <a:ext uri="{FF2B5EF4-FFF2-40B4-BE49-F238E27FC236}">
+                <a16:creationId xmlns:a16="http://schemas.microsoft.com/office/drawing/2014/main" id="{8F5D92FC-CFDE-2943-A12C-F67947D79F74}"/>
+              </a:ext>
+            </a:extLst>
+          </p:cNvPr>
+          <p:cNvSpPr/>
+          <p:nvPr/>
+        </p:nvSpPr>
+        <p:spPr>
+          <a:xfrm>
+            <a:off x="7086712" y="699407"/>
+            <a:ext cx="190497" cy="191862"/>
+          </a:xfrm>
+          <a:prstGeom prst="rect">
+            <a:avLst/>
+          </a:prstGeom>
+          <a:solidFill>
+            <a:schemeClr val="accent2">
+              <a:lumMod val="40000"/>
+              <a:lumOff val="60000"/>
+            </a:schemeClr>
+          </a:solidFill>
+          <a:ln>
+            <a:solidFill>
+              <a:schemeClr val="accent2"/>
+            </a:solidFill>
+          </a:ln>
+        </p:spPr>
+        <p:style>
+          <a:lnRef idx="2">
+            <a:schemeClr val="accent1">
+              <a:shade val="50000"/>
+            </a:schemeClr>
+          </a:lnRef>
+          <a:fillRef idx="1">
+            <a:schemeClr val="accent1"/>
+          </a:fillRef>
+          <a:effectRef idx="0">
+            <a:schemeClr val="accent1"/>
+          </a:effectRef>
+          <a:fontRef idx="minor">
+            <a:schemeClr val="lt1"/>
+          </a:fontRef>
+        </p:style>
+        <p:txBody>
+          <a:bodyPr rtlCol="0" anchor="ctr"/>
+          <a:lstStyle/>
+          <a:p>
+            <a:pPr algn="ctr"/>
+            <a:endParaRPr kumimoji="1" lang="ja-JP" altLang="en-US"/>
+          </a:p>
+        </p:txBody>
+      </p:sp>
+      <p:cxnSp>
+        <p:nvCxnSpPr>
+          <p:cNvPr id="41" name="直線矢印コネクタ 40">
+            <a:extLst>
+              <a:ext uri="{FF2B5EF4-FFF2-40B4-BE49-F238E27FC236}">
+                <a16:creationId xmlns:a16="http://schemas.microsoft.com/office/drawing/2014/main" id="{64974006-1C2C-7447-8144-9B156D159214}"/>
+              </a:ext>
+            </a:extLst>
+          </p:cNvPr>
+          <p:cNvCxnSpPr/>
+          <p:nvPr/>
+        </p:nvCxnSpPr>
+        <p:spPr>
+          <a:xfrm>
+            <a:off x="1268878" y="5249245"/>
+            <a:ext cx="2579915" cy="0"/>
+          </a:xfrm>
+          <a:prstGeom prst="straightConnector1">
+            <a:avLst/>
+          </a:prstGeom>
+          <a:ln w="38100">
+            <a:solidFill>
+              <a:schemeClr val="tx1"/>
+            </a:solidFill>
+            <a:tailEnd type="triangle"/>
+          </a:ln>
+        </p:spPr>
+        <p:style>
+          <a:lnRef idx="1">
+            <a:schemeClr val="accent1"/>
+          </a:lnRef>
+          <a:fillRef idx="0">
+            <a:schemeClr val="accent1"/>
+          </a:fillRef>
+          <a:effectRef idx="0">
+            <a:schemeClr val="accent1"/>
+          </a:effectRef>
+          <a:fontRef idx="minor">
+            <a:schemeClr val="tx1"/>
+          </a:fontRef>
+        </p:style>
+      </p:cxnSp>
+      <p:cxnSp>
+        <p:nvCxnSpPr>
+          <p:cNvPr id="42" name="直線矢印コネクタ 41">
+            <a:extLst>
+              <a:ext uri="{FF2B5EF4-FFF2-40B4-BE49-F238E27FC236}">
+                <a16:creationId xmlns:a16="http://schemas.microsoft.com/office/drawing/2014/main" id="{17396C0C-6EA5-DA47-87F6-6E077226BBA6}"/>
+              </a:ext>
+            </a:extLst>
+          </p:cNvPr>
+          <p:cNvCxnSpPr>
+            <a:cxnSpLocks/>
+          </p:cNvCxnSpPr>
+          <p:nvPr/>
+        </p:nvCxnSpPr>
+        <p:spPr>
+          <a:xfrm flipV="1">
+            <a:off x="1562793" y="3540188"/>
+            <a:ext cx="0" cy="1970314"/>
+          </a:xfrm>
+          <a:prstGeom prst="straightConnector1">
+            <a:avLst/>
+          </a:prstGeom>
+          <a:ln w="38100">
+            <a:solidFill>
+              <a:schemeClr val="tx1"/>
+            </a:solidFill>
+            <a:tailEnd type="triangle"/>
+          </a:ln>
+        </p:spPr>
+        <p:style>
+          <a:lnRef idx="1">
+            <a:schemeClr val="accent1"/>
+          </a:lnRef>
+          <a:fillRef idx="0">
+            <a:schemeClr val="accent1"/>
+          </a:fillRef>
+          <a:effectRef idx="0">
+            <a:schemeClr val="accent1"/>
+          </a:effectRef>
+          <a:fontRef idx="minor">
+            <a:schemeClr val="tx1"/>
+          </a:fontRef>
+        </p:style>
+      </p:cxnSp>
+      <p:sp>
+        <p:nvSpPr>
+          <p:cNvPr id="43" name="円/楕円 42">
+            <a:extLst>
+              <a:ext uri="{FF2B5EF4-FFF2-40B4-BE49-F238E27FC236}">
+                <a16:creationId xmlns:a16="http://schemas.microsoft.com/office/drawing/2014/main" id="{48212ADB-5B0C-A749-847C-997C5E7479E7}"/>
+              </a:ext>
+            </a:extLst>
+          </p:cNvPr>
+          <p:cNvSpPr/>
+          <p:nvPr/>
+        </p:nvSpPr>
+        <p:spPr>
+          <a:xfrm>
+            <a:off x="2503717" y="4012355"/>
+            <a:ext cx="90496" cy="121104"/>
+          </a:xfrm>
+          <a:prstGeom prst="ellipse">
+            <a:avLst/>
+          </a:prstGeom>
+        </p:spPr>
+        <p:style>
+          <a:lnRef idx="2">
+            <a:schemeClr val="accent1">
+              <a:shade val="50000"/>
+            </a:schemeClr>
+          </a:lnRef>
+          <a:fillRef idx="1">
+            <a:schemeClr val="accent1"/>
+          </a:fillRef>
+          <a:effectRef idx="0">
+            <a:schemeClr val="accent1"/>
+          </a:effectRef>
+          <a:fontRef idx="minor">
+            <a:schemeClr val="lt1"/>
+          </a:fontRef>
+        </p:style>
+        <p:txBody>
+          <a:bodyPr rtlCol="0" anchor="ctr"/>
+          <a:lstStyle/>
+          <a:p>
+            <a:pPr algn="ctr"/>
+            <a:endParaRPr kumimoji="1" lang="ja-JP" altLang="en-US"/>
+          </a:p>
+        </p:txBody>
+      </p:sp>
+      <p:sp>
+        <p:nvSpPr>
+          <p:cNvPr id="44" name="円/楕円 43">
+            <a:extLst>
+              <a:ext uri="{FF2B5EF4-FFF2-40B4-BE49-F238E27FC236}">
+                <a16:creationId xmlns:a16="http://schemas.microsoft.com/office/drawing/2014/main" id="{4638C301-B354-9A4B-B544-5B553C93CF47}"/>
+              </a:ext>
+            </a:extLst>
+          </p:cNvPr>
+          <p:cNvSpPr/>
+          <p:nvPr/>
+        </p:nvSpPr>
+        <p:spPr>
+          <a:xfrm>
+            <a:off x="3665766" y="5002955"/>
+            <a:ext cx="90496" cy="121104"/>
+          </a:xfrm>
+          <a:prstGeom prst="ellipse">
+            <a:avLst/>
+          </a:prstGeom>
+        </p:spPr>
+        <p:style>
+          <a:lnRef idx="2">
+            <a:schemeClr val="accent1">
+              <a:shade val="50000"/>
+            </a:schemeClr>
+          </a:lnRef>
+          <a:fillRef idx="1">
+            <a:schemeClr val="accent1"/>
+          </a:fillRef>
+          <a:effectRef idx="0">
+            <a:schemeClr val="accent1"/>
+          </a:effectRef>
+          <a:fontRef idx="minor">
+            <a:schemeClr val="lt1"/>
+          </a:fontRef>
+        </p:style>
+        <p:txBody>
+          <a:bodyPr rtlCol="0" anchor="ctr"/>
+          <a:lstStyle/>
+          <a:p>
+            <a:pPr algn="ctr"/>
+            <a:endParaRPr kumimoji="1" lang="ja-JP" altLang="en-US"/>
+          </a:p>
+        </p:txBody>
+      </p:sp>
+      <p:sp>
+        <p:nvSpPr>
+          <p:cNvPr id="45" name="円/楕円 44">
+            <a:extLst>
+              <a:ext uri="{FF2B5EF4-FFF2-40B4-BE49-F238E27FC236}">
+                <a16:creationId xmlns:a16="http://schemas.microsoft.com/office/drawing/2014/main" id="{5A593429-9B0D-4C4F-B7BC-C39EA23B1C77}"/>
+              </a:ext>
+            </a:extLst>
+          </p:cNvPr>
+          <p:cNvSpPr/>
+          <p:nvPr/>
+        </p:nvSpPr>
+        <p:spPr>
+          <a:xfrm>
+            <a:off x="3132368" y="4929477"/>
+            <a:ext cx="90496" cy="121104"/>
+          </a:xfrm>
+          <a:prstGeom prst="ellipse">
+            <a:avLst/>
+          </a:prstGeom>
+        </p:spPr>
+        <p:style>
+          <a:lnRef idx="2">
+            <a:schemeClr val="accent1">
+              <a:shade val="50000"/>
+            </a:schemeClr>
+          </a:lnRef>
+          <a:fillRef idx="1">
+            <a:schemeClr val="accent1"/>
+          </a:fillRef>
+          <a:effectRef idx="0">
+            <a:schemeClr val="accent1"/>
+          </a:effectRef>
+          <a:fontRef idx="minor">
+            <a:schemeClr val="lt1"/>
+          </a:fontRef>
+        </p:style>
+        <p:txBody>
+          <a:bodyPr rtlCol="0" anchor="ctr"/>
+          <a:lstStyle/>
+          <a:p>
+            <a:pPr algn="ctr"/>
+            <a:endParaRPr kumimoji="1" lang="ja-JP" altLang="en-US"/>
+          </a:p>
+        </p:txBody>
+      </p:sp>
+      <p:sp>
+        <p:nvSpPr>
+          <p:cNvPr id="46" name="円/楕円 45">
+            <a:extLst>
+              <a:ext uri="{FF2B5EF4-FFF2-40B4-BE49-F238E27FC236}">
+                <a16:creationId xmlns:a16="http://schemas.microsoft.com/office/drawing/2014/main" id="{C4DCC0F3-959A-C64E-95E9-1DC6E9831D74}"/>
+              </a:ext>
+            </a:extLst>
+          </p:cNvPr>
+          <p:cNvSpPr/>
+          <p:nvPr/>
+        </p:nvSpPr>
+        <p:spPr>
+          <a:xfrm>
+            <a:off x="2854781" y="4349812"/>
+            <a:ext cx="90496" cy="121104"/>
+          </a:xfrm>
+          <a:prstGeom prst="ellipse">
+            <a:avLst/>
+          </a:prstGeom>
+        </p:spPr>
+        <p:style>
+          <a:lnRef idx="2">
+            <a:schemeClr val="accent1">
+              <a:shade val="50000"/>
+            </a:schemeClr>
+          </a:lnRef>
+          <a:fillRef idx="1">
+            <a:schemeClr val="accent1"/>
+          </a:fillRef>
+          <a:effectRef idx="0">
+            <a:schemeClr val="accent1"/>
+          </a:effectRef>
+          <a:fontRef idx="minor">
+            <a:schemeClr val="lt1"/>
+          </a:fontRef>
+        </p:style>
+        <p:txBody>
+          <a:bodyPr rtlCol="0" anchor="ctr"/>
+          <a:lstStyle/>
+          <a:p>
+            <a:pPr algn="ctr"/>
+            <a:endParaRPr kumimoji="1" lang="ja-JP" altLang="en-US"/>
+          </a:p>
+        </p:txBody>
+      </p:sp>
+      <p:sp>
+        <p:nvSpPr>
+          <p:cNvPr id="47" name="円/楕円 46">
+            <a:extLst>
+              <a:ext uri="{FF2B5EF4-FFF2-40B4-BE49-F238E27FC236}">
+                <a16:creationId xmlns:a16="http://schemas.microsoft.com/office/drawing/2014/main" id="{30FF34F5-CD7C-DD40-B5E3-129912290B79}"/>
+              </a:ext>
+            </a:extLst>
+          </p:cNvPr>
+          <p:cNvSpPr/>
+          <p:nvPr/>
+        </p:nvSpPr>
+        <p:spPr>
+          <a:xfrm>
+            <a:off x="3633109" y="4349812"/>
+            <a:ext cx="90496" cy="121104"/>
+          </a:xfrm>
+          <a:prstGeom prst="ellipse">
+            <a:avLst/>
+          </a:prstGeom>
+        </p:spPr>
+        <p:style>
+          <a:lnRef idx="2">
+            <a:schemeClr val="accent1">
+              <a:shade val="50000"/>
+            </a:schemeClr>
+          </a:lnRef>
+          <a:fillRef idx="1">
+            <a:schemeClr val="accent1"/>
+          </a:fillRef>
+          <a:effectRef idx="0">
+            <a:schemeClr val="accent1"/>
+          </a:effectRef>
+          <a:fontRef idx="minor">
+            <a:schemeClr val="lt1"/>
+          </a:fontRef>
+        </p:style>
+        <p:txBody>
+          <a:bodyPr rtlCol="0" anchor="ctr"/>
+          <a:lstStyle/>
+          <a:p>
+            <a:pPr algn="ctr"/>
+            <a:endParaRPr kumimoji="1" lang="ja-JP" altLang="en-US"/>
+          </a:p>
+        </p:txBody>
+      </p:sp>
+      <p:sp>
+        <p:nvSpPr>
+          <p:cNvPr id="48" name="正方形/長方形 47">
+            <a:extLst>
+              <a:ext uri="{FF2B5EF4-FFF2-40B4-BE49-F238E27FC236}">
+                <a16:creationId xmlns:a16="http://schemas.microsoft.com/office/drawing/2014/main" id="{C3C102DB-8596-A24B-8DF6-FE80F3AB2CFD}"/>
+              </a:ext>
+            </a:extLst>
+          </p:cNvPr>
+          <p:cNvSpPr/>
+          <p:nvPr/>
+        </p:nvSpPr>
+        <p:spPr>
+          <a:xfrm>
+            <a:off x="1750573" y="4815177"/>
+            <a:ext cx="239485" cy="247650"/>
+          </a:xfrm>
+          <a:prstGeom prst="rect">
+            <a:avLst/>
+          </a:prstGeom>
+          <a:solidFill>
+            <a:schemeClr val="accent2">
+              <a:lumMod val="40000"/>
+              <a:lumOff val="60000"/>
+            </a:schemeClr>
+          </a:solidFill>
+          <a:ln>
+            <a:solidFill>
+              <a:schemeClr val="accent2"/>
+            </a:solidFill>
+          </a:ln>
+        </p:spPr>
+        <p:style>
+          <a:lnRef idx="2">
+            <a:schemeClr val="accent1">
+              <a:shade val="50000"/>
+            </a:schemeClr>
+          </a:lnRef>
+          <a:fillRef idx="1">
+            <a:schemeClr val="accent1"/>
+          </a:fillRef>
+          <a:effectRef idx="0">
+            <a:schemeClr val="accent1"/>
+          </a:effectRef>
+          <a:fontRef idx="minor">
+            <a:schemeClr val="lt1"/>
+          </a:fontRef>
+        </p:style>
+        <p:txBody>
+          <a:bodyPr rtlCol="0" anchor="ctr"/>
+          <a:lstStyle/>
+          <a:p>
+            <a:pPr algn="ctr"/>
+            <a:endParaRPr kumimoji="1" lang="ja-JP" altLang="en-US"/>
+          </a:p>
+        </p:txBody>
+      </p:sp>
+      <p:sp>
+        <p:nvSpPr>
+          <p:cNvPr id="49" name="正方形/長方形 48">
+            <a:extLst>
+              <a:ext uri="{FF2B5EF4-FFF2-40B4-BE49-F238E27FC236}">
+                <a16:creationId xmlns:a16="http://schemas.microsoft.com/office/drawing/2014/main" id="{DD4A5FD1-FFF7-5E4F-9348-BA290E907EFE}"/>
+              </a:ext>
+            </a:extLst>
+          </p:cNvPr>
+          <p:cNvSpPr/>
+          <p:nvPr/>
+        </p:nvSpPr>
+        <p:spPr>
+          <a:xfrm>
+            <a:off x="2773887" y="3245303"/>
+            <a:ext cx="312905" cy="294885"/>
+          </a:xfrm>
+          <a:prstGeom prst="rect">
+            <a:avLst/>
+          </a:prstGeom>
+          <a:solidFill>
+            <a:schemeClr val="accent2">
+              <a:lumMod val="40000"/>
+              <a:lumOff val="60000"/>
+            </a:schemeClr>
+          </a:solidFill>
+          <a:ln>
+            <a:solidFill>
+              <a:schemeClr val="accent2"/>
+            </a:solidFill>
+          </a:ln>
+        </p:spPr>
+        <p:style>
+          <a:lnRef idx="2">
+            <a:schemeClr val="accent1">
+              <a:shade val="50000"/>
+            </a:schemeClr>
+          </a:lnRef>
+          <a:fillRef idx="1">
+            <a:schemeClr val="accent1"/>
+          </a:fillRef>
+          <a:effectRef idx="0">
+            <a:schemeClr val="accent1"/>
+          </a:effectRef>
+          <a:fontRef idx="minor">
+            <a:schemeClr val="lt1"/>
+          </a:fontRef>
+        </p:style>
+        <p:txBody>
+          <a:bodyPr rtlCol="0" anchor="ctr"/>
+          <a:lstStyle/>
+          <a:p>
+            <a:pPr algn="ctr"/>
+            <a:endParaRPr kumimoji="1" lang="ja-JP" altLang="en-US"/>
+          </a:p>
+        </p:txBody>
+      </p:sp>
+      <p:sp>
+        <p:nvSpPr>
+          <p:cNvPr id="50" name="正方形/長方形 49">
+            <a:extLst>
+              <a:ext uri="{FF2B5EF4-FFF2-40B4-BE49-F238E27FC236}">
+                <a16:creationId xmlns:a16="http://schemas.microsoft.com/office/drawing/2014/main" id="{0FE897B3-217B-A540-9F96-9237AAC70031}"/>
+              </a:ext>
+            </a:extLst>
+          </p:cNvPr>
+          <p:cNvSpPr/>
+          <p:nvPr/>
+        </p:nvSpPr>
+        <p:spPr>
+          <a:xfrm>
+            <a:off x="3224893" y="3497519"/>
+            <a:ext cx="312905" cy="294885"/>
+          </a:xfrm>
+          <a:prstGeom prst="rect">
+            <a:avLst/>
+          </a:prstGeom>
+          <a:solidFill>
+            <a:schemeClr val="accent2">
+              <a:lumMod val="40000"/>
+              <a:lumOff val="60000"/>
+            </a:schemeClr>
+          </a:solidFill>
+          <a:ln>
+            <a:solidFill>
+              <a:schemeClr val="accent2"/>
+            </a:solidFill>
+          </a:ln>
+        </p:spPr>
+        <p:style>
+          <a:lnRef idx="2">
+            <a:schemeClr val="accent1">
+              <a:shade val="50000"/>
+            </a:schemeClr>
+          </a:lnRef>
+          <a:fillRef idx="1">
+            <a:schemeClr val="accent1"/>
+          </a:fillRef>
+          <a:effectRef idx="0">
+            <a:schemeClr val="accent1"/>
+          </a:effectRef>
+          <a:fontRef idx="minor">
+            <a:schemeClr val="lt1"/>
+          </a:fontRef>
+        </p:style>
+        <p:txBody>
+          <a:bodyPr rtlCol="0" anchor="ctr"/>
+          <a:lstStyle/>
+          <a:p>
+            <a:pPr algn="ctr"/>
+            <a:endParaRPr kumimoji="1" lang="ja-JP" altLang="en-US"/>
+          </a:p>
+        </p:txBody>
+      </p:sp>
+      <p:sp>
+        <p:nvSpPr>
+          <p:cNvPr id="51" name="正方形/長方形 50">
+            <a:extLst>
+              <a:ext uri="{FF2B5EF4-FFF2-40B4-BE49-F238E27FC236}">
+                <a16:creationId xmlns:a16="http://schemas.microsoft.com/office/drawing/2014/main" id="{5D563D8A-4C14-D24B-9A6A-9805F528EE7B}"/>
+              </a:ext>
+            </a:extLst>
+          </p:cNvPr>
+          <p:cNvSpPr/>
+          <p:nvPr/>
+        </p:nvSpPr>
+        <p:spPr>
+          <a:xfrm>
+            <a:off x="2330294" y="3429000"/>
+            <a:ext cx="312905" cy="294885"/>
+          </a:xfrm>
+          <a:prstGeom prst="rect">
+            <a:avLst/>
+          </a:prstGeom>
+          <a:solidFill>
+            <a:schemeClr val="accent2">
+              <a:lumMod val="40000"/>
+              <a:lumOff val="60000"/>
+            </a:schemeClr>
+          </a:solidFill>
+          <a:ln>
+            <a:solidFill>
+              <a:schemeClr val="accent2"/>
+            </a:solidFill>
+          </a:ln>
+        </p:spPr>
+        <p:style>
+          <a:lnRef idx="2">
+            <a:schemeClr val="accent1">
+              <a:shade val="50000"/>
+            </a:schemeClr>
+          </a:lnRef>
+          <a:fillRef idx="1">
+            <a:schemeClr val="accent1"/>
+          </a:fillRef>
+          <a:effectRef idx="0">
+            <a:schemeClr val="accent1"/>
+          </a:effectRef>
+          <a:fontRef idx="minor">
+            <a:schemeClr val="lt1"/>
+          </a:fontRef>
+        </p:style>
+        <p:txBody>
+          <a:bodyPr rtlCol="0" anchor="ctr"/>
+          <a:lstStyle/>
+          <a:p>
+            <a:pPr algn="ctr"/>
+            <a:endParaRPr kumimoji="1" lang="ja-JP" altLang="en-US"/>
+          </a:p>
+        </p:txBody>
+      </p:sp>
+      <p:sp>
+        <p:nvSpPr>
+          <p:cNvPr id="52" name="正方形/長方形 51">
+            <a:extLst>
+              <a:ext uri="{FF2B5EF4-FFF2-40B4-BE49-F238E27FC236}">
+                <a16:creationId xmlns:a16="http://schemas.microsoft.com/office/drawing/2014/main" id="{3564F13B-E6EE-EC48-8873-0ED68469C9DB}"/>
+              </a:ext>
+            </a:extLst>
+          </p:cNvPr>
+          <p:cNvSpPr/>
+          <p:nvPr/>
+        </p:nvSpPr>
+        <p:spPr>
+          <a:xfrm>
+            <a:off x="1834937" y="4198772"/>
+            <a:ext cx="239485" cy="247650"/>
+          </a:xfrm>
+          <a:prstGeom prst="rect">
+            <a:avLst/>
+          </a:prstGeom>
+          <a:solidFill>
+            <a:schemeClr val="accent2">
+              <a:lumMod val="40000"/>
+              <a:lumOff val="60000"/>
+            </a:schemeClr>
+          </a:solidFill>
+          <a:ln>
+            <a:solidFill>
+              <a:schemeClr val="accent2"/>
+            </a:solidFill>
+          </a:ln>
+        </p:spPr>
+        <p:style>
+          <a:lnRef idx="2">
+            <a:schemeClr val="accent1">
+              <a:shade val="50000"/>
+            </a:schemeClr>
+          </a:lnRef>
+          <a:fillRef idx="1">
+            <a:schemeClr val="accent1"/>
+          </a:fillRef>
+          <a:effectRef idx="0">
+            <a:schemeClr val="accent1"/>
+          </a:effectRef>
+          <a:fontRef idx="minor">
+            <a:schemeClr val="lt1"/>
+          </a:fontRef>
+        </p:style>
+        <p:txBody>
+          <a:bodyPr rtlCol="0" anchor="ctr"/>
+          <a:lstStyle/>
+          <a:p>
+            <a:pPr algn="ctr"/>
+            <a:endParaRPr kumimoji="1" lang="ja-JP" altLang="en-US"/>
+          </a:p>
+        </p:txBody>
+      </p:sp>
+      <p:sp>
+        <p:nvSpPr>
+          <p:cNvPr id="53" name="テキスト ボックス 52">
+            <a:extLst>
+              <a:ext uri="{FF2B5EF4-FFF2-40B4-BE49-F238E27FC236}">
+                <a16:creationId xmlns:a16="http://schemas.microsoft.com/office/drawing/2014/main" id="{69196BDB-983F-E249-A0BF-297B0E39CB3F}"/>
+              </a:ext>
+            </a:extLst>
+          </p:cNvPr>
+          <p:cNvSpPr txBox="1"/>
+          <p:nvPr/>
+        </p:nvSpPr>
+        <p:spPr>
+          <a:xfrm>
+            <a:off x="1406340" y="3094266"/>
+            <a:ext cx="312906" cy="369332"/>
+          </a:xfrm>
+          <a:prstGeom prst="rect">
+            <a:avLst/>
+          </a:prstGeom>
+          <a:noFill/>
+          <a:ln>
+            <a:solidFill>
+              <a:schemeClr val="tx1"/>
+            </a:solidFill>
+          </a:ln>
+        </p:spPr>
+        <p:txBody>
+          <a:bodyPr wrap="none" rtlCol="0">
+            <a:spAutoFit/>
+          </a:bodyPr>
+          <a:lstStyle/>
+          <a:p>
+            <a:r>
+              <a:rPr lang="en-US" altLang="ja-JP" dirty="0"/>
+              <a:t>3</a:t>
+            </a:r>
+            <a:endParaRPr kumimoji="1" lang="ja-JP" altLang="en-US"/>
+          </a:p>
+        </p:txBody>
+      </p:sp>
+      <p:cxnSp>
+        <p:nvCxnSpPr>
+          <p:cNvPr id="55" name="直線矢印コネクタ 54">
+            <a:extLst>
+              <a:ext uri="{FF2B5EF4-FFF2-40B4-BE49-F238E27FC236}">
+                <a16:creationId xmlns:a16="http://schemas.microsoft.com/office/drawing/2014/main" id="{16D6039F-DFFF-A642-8A75-0E52FE75C170}"/>
+              </a:ext>
+            </a:extLst>
+          </p:cNvPr>
+          <p:cNvCxnSpPr/>
+          <p:nvPr/>
+        </p:nvCxnSpPr>
+        <p:spPr>
+          <a:xfrm>
+            <a:off x="5189764" y="5258770"/>
+            <a:ext cx="2579915" cy="0"/>
+          </a:xfrm>
+          <a:prstGeom prst="straightConnector1">
+            <a:avLst/>
+          </a:prstGeom>
+          <a:ln w="38100">
+            <a:solidFill>
+              <a:schemeClr val="tx1"/>
+            </a:solidFill>
+            <a:tailEnd type="triangle"/>
+          </a:ln>
+        </p:spPr>
+        <p:style>
+          <a:lnRef idx="1">
+            <a:schemeClr val="accent1"/>
+          </a:lnRef>
+          <a:fillRef idx="0">
+            <a:schemeClr val="accent1"/>
+          </a:fillRef>
+          <a:effectRef idx="0">
+            <a:schemeClr val="accent1"/>
+          </a:effectRef>
+          <a:fontRef idx="minor">
+            <a:schemeClr val="tx1"/>
+          </a:fontRef>
+        </p:style>
+      </p:cxnSp>
+      <p:cxnSp>
+        <p:nvCxnSpPr>
+          <p:cNvPr id="56" name="直線矢印コネクタ 55">
+            <a:extLst>
+              <a:ext uri="{FF2B5EF4-FFF2-40B4-BE49-F238E27FC236}">
+                <a16:creationId xmlns:a16="http://schemas.microsoft.com/office/drawing/2014/main" id="{E8CF981A-BFB3-9843-AD14-4B821B354DB9}"/>
+              </a:ext>
+            </a:extLst>
+          </p:cNvPr>
+          <p:cNvCxnSpPr>
+            <a:cxnSpLocks/>
+          </p:cNvCxnSpPr>
+          <p:nvPr/>
+        </p:nvCxnSpPr>
+        <p:spPr>
+          <a:xfrm flipV="1">
+            <a:off x="5483679" y="3549713"/>
+            <a:ext cx="0" cy="1970314"/>
+          </a:xfrm>
+          <a:prstGeom prst="straightConnector1">
+            <a:avLst/>
+          </a:prstGeom>
+          <a:ln w="38100">
+            <a:solidFill>
+              <a:schemeClr val="tx1"/>
+            </a:solidFill>
+            <a:tailEnd type="triangle"/>
+          </a:ln>
+        </p:spPr>
+        <p:style>
+          <a:lnRef idx="1">
+            <a:schemeClr val="accent1"/>
+          </a:lnRef>
+          <a:fillRef idx="0">
+            <a:schemeClr val="accent1"/>
+          </a:fillRef>
+          <a:effectRef idx="0">
+            <a:schemeClr val="accent1"/>
+          </a:effectRef>
+          <a:fontRef idx="minor">
+            <a:schemeClr val="tx1"/>
+          </a:fontRef>
+        </p:style>
+      </p:cxnSp>
+      <p:sp>
+        <p:nvSpPr>
+          <p:cNvPr id="67" name="テキスト ボックス 66">
+            <a:extLst>
+              <a:ext uri="{FF2B5EF4-FFF2-40B4-BE49-F238E27FC236}">
+                <a16:creationId xmlns:a16="http://schemas.microsoft.com/office/drawing/2014/main" id="{59E784D4-AC00-604E-8ACA-3B9516D480E2}"/>
+              </a:ext>
+            </a:extLst>
+          </p:cNvPr>
+          <p:cNvSpPr txBox="1"/>
+          <p:nvPr/>
+        </p:nvSpPr>
+        <p:spPr>
+          <a:xfrm>
+            <a:off x="5327226" y="3103791"/>
+            <a:ext cx="312906" cy="369332"/>
+          </a:xfrm>
+          <a:prstGeom prst="rect">
+            <a:avLst/>
+          </a:prstGeom>
+          <a:noFill/>
+          <a:ln>
+            <a:solidFill>
+              <a:schemeClr val="tx1"/>
+            </a:solidFill>
+          </a:ln>
+        </p:spPr>
+        <p:txBody>
+          <a:bodyPr wrap="none" rtlCol="0">
+            <a:spAutoFit/>
+          </a:bodyPr>
+          <a:lstStyle/>
+          <a:p>
+            <a:r>
+              <a:rPr kumimoji="1" lang="en-US" altLang="ja-JP" dirty="0"/>
+              <a:t>4</a:t>
+            </a:r>
+            <a:endParaRPr kumimoji="1" lang="ja-JP" altLang="en-US"/>
+          </a:p>
+        </p:txBody>
+      </p:sp>
+      <p:cxnSp>
+        <p:nvCxnSpPr>
+          <p:cNvPr id="69" name="直線コネクタ 68">
+            <a:extLst>
+              <a:ext uri="{FF2B5EF4-FFF2-40B4-BE49-F238E27FC236}">
+                <a16:creationId xmlns:a16="http://schemas.microsoft.com/office/drawing/2014/main" id="{C375114B-D1F2-A247-910E-6DE86FBE5938}"/>
+              </a:ext>
+            </a:extLst>
+          </p:cNvPr>
+          <p:cNvCxnSpPr>
+            <a:cxnSpLocks/>
+          </p:cNvCxnSpPr>
+          <p:nvPr/>
+        </p:nvCxnSpPr>
+        <p:spPr>
+          <a:xfrm flipV="1">
+            <a:off x="7399560" y="3442896"/>
+            <a:ext cx="0" cy="452047"/>
+          </a:xfrm>
+          <a:prstGeom prst="line">
+            <a:avLst/>
+          </a:prstGeom>
+          <a:ln w="19050">
+            <a:solidFill>
+              <a:schemeClr val="tx1"/>
+            </a:solidFill>
+            <a:prstDash val="sysDot"/>
+          </a:ln>
+        </p:spPr>
+        <p:style>
+          <a:lnRef idx="1">
+            <a:schemeClr val="accent1"/>
+          </a:lnRef>
+          <a:fillRef idx="0">
+            <a:schemeClr val="accent1"/>
+          </a:fillRef>
+          <a:effectRef idx="0">
+            <a:schemeClr val="accent1"/>
+          </a:effectRef>
+          <a:fontRef idx="minor">
+            <a:schemeClr val="tx1"/>
+          </a:fontRef>
+        </p:style>
+      </p:cxnSp>
+      <p:cxnSp>
+        <p:nvCxnSpPr>
+          <p:cNvPr id="70" name="直線コネクタ 69">
+            <a:extLst>
+              <a:ext uri="{FF2B5EF4-FFF2-40B4-BE49-F238E27FC236}">
+                <a16:creationId xmlns:a16="http://schemas.microsoft.com/office/drawing/2014/main" id="{53C87957-F7BA-E145-A424-939A0578059A}"/>
+              </a:ext>
+            </a:extLst>
+          </p:cNvPr>
+          <p:cNvCxnSpPr>
+            <a:cxnSpLocks/>
+          </p:cNvCxnSpPr>
+          <p:nvPr/>
+        </p:nvCxnSpPr>
+        <p:spPr>
+          <a:xfrm flipV="1">
+            <a:off x="3603871" y="3442896"/>
+            <a:ext cx="0" cy="1832882"/>
+          </a:xfrm>
+          <a:prstGeom prst="line">
+            <a:avLst/>
+          </a:prstGeom>
+          <a:ln w="19050">
+            <a:solidFill>
+              <a:schemeClr val="tx1"/>
+            </a:solidFill>
+            <a:prstDash val="sysDot"/>
+          </a:ln>
+        </p:spPr>
+        <p:style>
+          <a:lnRef idx="1">
+            <a:schemeClr val="accent1"/>
+          </a:lnRef>
+          <a:fillRef idx="0">
+            <a:schemeClr val="accent1"/>
+          </a:fillRef>
+          <a:effectRef idx="0">
+            <a:schemeClr val="accent1"/>
+          </a:effectRef>
+          <a:fontRef idx="minor">
+            <a:schemeClr val="tx1"/>
+          </a:fontRef>
+        </p:style>
+      </p:cxnSp>
+      <p:cxnSp>
+        <p:nvCxnSpPr>
+          <p:cNvPr id="71" name="直線コネクタ 70">
+            <a:extLst>
+              <a:ext uri="{FF2B5EF4-FFF2-40B4-BE49-F238E27FC236}">
+                <a16:creationId xmlns:a16="http://schemas.microsoft.com/office/drawing/2014/main" id="{88F8F255-5347-EF49-9D45-59BB3C564FC3}"/>
+              </a:ext>
+            </a:extLst>
+          </p:cNvPr>
+          <p:cNvCxnSpPr/>
+          <p:nvPr/>
+        </p:nvCxnSpPr>
+        <p:spPr>
+          <a:xfrm>
+            <a:off x="5529943" y="3885418"/>
+            <a:ext cx="2286000" cy="0"/>
+          </a:xfrm>
+          <a:prstGeom prst="line">
+            <a:avLst/>
+          </a:prstGeom>
+          <a:ln w="19050">
+            <a:solidFill>
+              <a:schemeClr val="tx1"/>
+            </a:solidFill>
+            <a:prstDash val="sysDot"/>
+          </a:ln>
+        </p:spPr>
+        <p:style>
+          <a:lnRef idx="1">
+            <a:schemeClr val="accent1"/>
+          </a:lnRef>
+          <a:fillRef idx="0">
+            <a:schemeClr val="accent1"/>
+          </a:fillRef>
+          <a:effectRef idx="0">
+            <a:schemeClr val="accent1"/>
+          </a:effectRef>
+          <a:fontRef idx="minor">
+            <a:schemeClr val="tx1"/>
+          </a:fontRef>
+        </p:style>
+      </p:cxnSp>
+      <p:cxnSp>
+        <p:nvCxnSpPr>
+          <p:cNvPr id="72" name="直線コネクタ 71">
+            <a:extLst>
+              <a:ext uri="{FF2B5EF4-FFF2-40B4-BE49-F238E27FC236}">
+                <a16:creationId xmlns:a16="http://schemas.microsoft.com/office/drawing/2014/main" id="{192A94DE-568E-564E-80CB-A567940BF08C}"/>
+              </a:ext>
+            </a:extLst>
+          </p:cNvPr>
+          <p:cNvCxnSpPr>
+            <a:cxnSpLocks/>
+          </p:cNvCxnSpPr>
+          <p:nvPr/>
+        </p:nvCxnSpPr>
+        <p:spPr>
+          <a:xfrm flipV="1">
+            <a:off x="6096000" y="3898736"/>
+            <a:ext cx="0" cy="1350509"/>
+          </a:xfrm>
+          <a:prstGeom prst="line">
+            <a:avLst/>
+          </a:prstGeom>
+          <a:ln w="19050">
+            <a:solidFill>
+              <a:schemeClr val="tx1"/>
+            </a:solidFill>
+            <a:prstDash val="sysDot"/>
+          </a:ln>
+        </p:spPr>
+        <p:style>
+          <a:lnRef idx="1">
+            <a:schemeClr val="accent1"/>
+          </a:lnRef>
+          <a:fillRef idx="0">
+            <a:schemeClr val="accent1"/>
+          </a:fillRef>
+          <a:effectRef idx="0">
+            <a:schemeClr val="accent1"/>
+          </a:effectRef>
+          <a:fontRef idx="minor">
+            <a:schemeClr val="tx1"/>
+          </a:fontRef>
+        </p:style>
+      </p:cxnSp>
+      <p:sp>
+        <p:nvSpPr>
+          <p:cNvPr id="77" name="円/楕円 76">
+            <a:extLst>
+              <a:ext uri="{FF2B5EF4-FFF2-40B4-BE49-F238E27FC236}">
+                <a16:creationId xmlns:a16="http://schemas.microsoft.com/office/drawing/2014/main" id="{E3A6CCB0-0897-2441-85E0-B2DACFA6D173}"/>
+              </a:ext>
+            </a:extLst>
+          </p:cNvPr>
+          <p:cNvSpPr/>
+          <p:nvPr/>
+        </p:nvSpPr>
+        <p:spPr>
+          <a:xfrm>
+            <a:off x="6169535" y="3909335"/>
+            <a:ext cx="272143" cy="272143"/>
+          </a:xfrm>
+          <a:prstGeom prst="ellipse">
+            <a:avLst/>
+          </a:prstGeom>
+        </p:spPr>
+        <p:style>
+          <a:lnRef idx="2">
+            <a:schemeClr val="accent1">
+              <a:shade val="50000"/>
+            </a:schemeClr>
+          </a:lnRef>
+          <a:fillRef idx="1">
+            <a:schemeClr val="accent1"/>
+          </a:fillRef>
+          <a:effectRef idx="0">
+            <a:schemeClr val="accent1"/>
+          </a:effectRef>
+          <a:fontRef idx="minor">
+            <a:schemeClr val="lt1"/>
+          </a:fontRef>
+        </p:style>
+        <p:txBody>
+          <a:bodyPr rtlCol="0" anchor="ctr"/>
+          <a:lstStyle/>
+          <a:p>
+            <a:pPr algn="ctr"/>
+            <a:endParaRPr kumimoji="1" lang="ja-JP" altLang="en-US"/>
+          </a:p>
+        </p:txBody>
+      </p:sp>
+      <p:sp>
+        <p:nvSpPr>
+          <p:cNvPr id="78" name="円/楕円 77">
+            <a:extLst>
+              <a:ext uri="{FF2B5EF4-FFF2-40B4-BE49-F238E27FC236}">
+                <a16:creationId xmlns:a16="http://schemas.microsoft.com/office/drawing/2014/main" id="{CA911E48-247B-6A45-A20D-9F899395D614}"/>
+              </a:ext>
+            </a:extLst>
+          </p:cNvPr>
+          <p:cNvSpPr/>
+          <p:nvPr/>
+        </p:nvSpPr>
+        <p:spPr>
+          <a:xfrm>
+            <a:off x="7524757" y="4863196"/>
+            <a:ext cx="272143" cy="272143"/>
+          </a:xfrm>
+          <a:prstGeom prst="ellipse">
+            <a:avLst/>
+          </a:prstGeom>
+        </p:spPr>
+        <p:style>
+          <a:lnRef idx="2">
+            <a:schemeClr val="accent1">
+              <a:shade val="50000"/>
+            </a:schemeClr>
+          </a:lnRef>
+          <a:fillRef idx="1">
+            <a:schemeClr val="accent1"/>
+          </a:fillRef>
+          <a:effectRef idx="0">
+            <a:schemeClr val="accent1"/>
+          </a:effectRef>
+          <a:fontRef idx="minor">
+            <a:schemeClr val="lt1"/>
+          </a:fontRef>
+        </p:style>
+        <p:txBody>
+          <a:bodyPr rtlCol="0" anchor="ctr"/>
+          <a:lstStyle/>
+          <a:p>
+            <a:pPr algn="ctr"/>
+            <a:endParaRPr kumimoji="1" lang="ja-JP" altLang="en-US"/>
+          </a:p>
+        </p:txBody>
+      </p:sp>
+      <p:sp>
+        <p:nvSpPr>
+          <p:cNvPr id="79" name="円/楕円 78">
+            <a:extLst>
+              <a:ext uri="{FF2B5EF4-FFF2-40B4-BE49-F238E27FC236}">
+                <a16:creationId xmlns:a16="http://schemas.microsoft.com/office/drawing/2014/main" id="{8BFC97C1-0460-E940-AC26-27A3703097D7}"/>
+              </a:ext>
+            </a:extLst>
+          </p:cNvPr>
+          <p:cNvSpPr/>
+          <p:nvPr/>
+        </p:nvSpPr>
+        <p:spPr>
+          <a:xfrm>
+            <a:off x="6798186" y="4826457"/>
+            <a:ext cx="272143" cy="272143"/>
+          </a:xfrm>
+          <a:prstGeom prst="ellipse">
+            <a:avLst/>
+          </a:prstGeom>
+        </p:spPr>
+        <p:style>
+          <a:lnRef idx="2">
+            <a:schemeClr val="accent1">
+              <a:shade val="50000"/>
+            </a:schemeClr>
+          </a:lnRef>
+          <a:fillRef idx="1">
+            <a:schemeClr val="accent1"/>
+          </a:fillRef>
+          <a:effectRef idx="0">
+            <a:schemeClr val="accent1"/>
+          </a:effectRef>
+          <a:fontRef idx="minor">
+            <a:schemeClr val="lt1"/>
+          </a:fontRef>
+        </p:style>
+        <p:txBody>
+          <a:bodyPr rtlCol="0" anchor="ctr"/>
+          <a:lstStyle/>
+          <a:p>
+            <a:pPr algn="ctr"/>
+            <a:endParaRPr kumimoji="1" lang="ja-JP" altLang="en-US"/>
+          </a:p>
+        </p:txBody>
+      </p:sp>
+      <p:sp>
+        <p:nvSpPr>
+          <p:cNvPr id="80" name="円/楕円 79">
+            <a:extLst>
+              <a:ext uri="{FF2B5EF4-FFF2-40B4-BE49-F238E27FC236}">
+                <a16:creationId xmlns:a16="http://schemas.microsoft.com/office/drawing/2014/main" id="{89C3B180-EF4A-8643-A282-8265399611BC}"/>
+              </a:ext>
+            </a:extLst>
+          </p:cNvPr>
+          <p:cNvSpPr/>
+          <p:nvPr/>
+        </p:nvSpPr>
+        <p:spPr>
+          <a:xfrm>
+            <a:off x="6520599" y="4246792"/>
+            <a:ext cx="272143" cy="272143"/>
+          </a:xfrm>
+          <a:prstGeom prst="ellipse">
+            <a:avLst/>
+          </a:prstGeom>
+        </p:spPr>
+        <p:style>
+          <a:lnRef idx="2">
+            <a:schemeClr val="accent1">
+              <a:shade val="50000"/>
+            </a:schemeClr>
+          </a:lnRef>
+          <a:fillRef idx="1">
+            <a:schemeClr val="accent1"/>
+          </a:fillRef>
+          <a:effectRef idx="0">
+            <a:schemeClr val="accent1"/>
+          </a:effectRef>
+          <a:fontRef idx="minor">
+            <a:schemeClr val="lt1"/>
+          </a:fontRef>
+        </p:style>
+        <p:txBody>
+          <a:bodyPr rtlCol="0" anchor="ctr"/>
+          <a:lstStyle/>
+          <a:p>
+            <a:pPr algn="ctr"/>
+            <a:endParaRPr kumimoji="1" lang="ja-JP" altLang="en-US"/>
+          </a:p>
+        </p:txBody>
+      </p:sp>
+      <p:sp>
+        <p:nvSpPr>
+          <p:cNvPr id="81" name="円/楕円 80">
+            <a:extLst>
+              <a:ext uri="{FF2B5EF4-FFF2-40B4-BE49-F238E27FC236}">
+                <a16:creationId xmlns:a16="http://schemas.microsoft.com/office/drawing/2014/main" id="{67CC6EF0-8306-C149-84BD-048498FB8941}"/>
+              </a:ext>
+            </a:extLst>
+          </p:cNvPr>
+          <p:cNvSpPr/>
+          <p:nvPr/>
+        </p:nvSpPr>
+        <p:spPr>
+          <a:xfrm>
+            <a:off x="7394127" y="4210053"/>
+            <a:ext cx="272143" cy="272143"/>
+          </a:xfrm>
+          <a:prstGeom prst="ellipse">
+            <a:avLst/>
+          </a:prstGeom>
+        </p:spPr>
+        <p:style>
+          <a:lnRef idx="2">
+            <a:schemeClr val="accent1">
+              <a:shade val="50000"/>
+            </a:schemeClr>
+          </a:lnRef>
+          <a:fillRef idx="1">
+            <a:schemeClr val="accent1"/>
+          </a:fillRef>
+          <a:effectRef idx="0">
+            <a:schemeClr val="accent1"/>
+          </a:effectRef>
+          <a:fontRef idx="minor">
+            <a:schemeClr val="lt1"/>
+          </a:fontRef>
+        </p:style>
+        <p:txBody>
+          <a:bodyPr rtlCol="0" anchor="ctr"/>
+          <a:lstStyle/>
+          <a:p>
+            <a:pPr algn="ctr"/>
+            <a:endParaRPr kumimoji="1" lang="ja-JP" altLang="en-US"/>
+          </a:p>
+        </p:txBody>
+      </p:sp>
+      <p:sp>
+        <p:nvSpPr>
+          <p:cNvPr id="82" name="正方形/長方形 81">
+            <a:extLst>
+              <a:ext uri="{FF2B5EF4-FFF2-40B4-BE49-F238E27FC236}">
+                <a16:creationId xmlns:a16="http://schemas.microsoft.com/office/drawing/2014/main" id="{8CC05686-7857-F94E-87AF-2B45C9385167}"/>
+              </a:ext>
+            </a:extLst>
+          </p:cNvPr>
+          <p:cNvSpPr/>
+          <p:nvPr/>
+        </p:nvSpPr>
+        <p:spPr>
+          <a:xfrm>
+            <a:off x="5598038" y="4863196"/>
+            <a:ext cx="239485" cy="247650"/>
+          </a:xfrm>
+          <a:prstGeom prst="rect">
+            <a:avLst/>
+          </a:prstGeom>
+          <a:solidFill>
+            <a:schemeClr val="accent2">
+              <a:lumMod val="40000"/>
+              <a:lumOff val="60000"/>
+            </a:schemeClr>
+          </a:solidFill>
+          <a:ln>
+            <a:solidFill>
+              <a:schemeClr val="accent2"/>
+            </a:solidFill>
+          </a:ln>
+        </p:spPr>
+        <p:style>
+          <a:lnRef idx="2">
+            <a:schemeClr val="accent1">
+              <a:shade val="50000"/>
+            </a:schemeClr>
+          </a:lnRef>
+          <a:fillRef idx="1">
+            <a:schemeClr val="accent1"/>
+          </a:fillRef>
+          <a:effectRef idx="0">
+            <a:schemeClr val="accent1"/>
+          </a:effectRef>
+          <a:fontRef idx="minor">
+            <a:schemeClr val="lt1"/>
+          </a:fontRef>
+        </p:style>
+        <p:txBody>
+          <a:bodyPr rtlCol="0" anchor="ctr"/>
+          <a:lstStyle/>
+          <a:p>
+            <a:pPr algn="ctr"/>
+            <a:endParaRPr kumimoji="1" lang="ja-JP" altLang="en-US"/>
+          </a:p>
+        </p:txBody>
+      </p:sp>
+      <p:sp>
+        <p:nvSpPr>
+          <p:cNvPr id="83" name="正方形/長方形 82">
+            <a:extLst>
+              <a:ext uri="{FF2B5EF4-FFF2-40B4-BE49-F238E27FC236}">
+                <a16:creationId xmlns:a16="http://schemas.microsoft.com/office/drawing/2014/main" id="{9BF0A7E1-D022-4E47-9EB6-B094E18EC60C}"/>
+              </a:ext>
+            </a:extLst>
+          </p:cNvPr>
+          <p:cNvSpPr/>
+          <p:nvPr/>
+        </p:nvSpPr>
+        <p:spPr>
+          <a:xfrm>
+            <a:off x="6694772" y="3340557"/>
+            <a:ext cx="239485" cy="247650"/>
+          </a:xfrm>
+          <a:prstGeom prst="rect">
+            <a:avLst/>
+          </a:prstGeom>
+          <a:solidFill>
+            <a:schemeClr val="accent2">
+              <a:lumMod val="40000"/>
+              <a:lumOff val="60000"/>
+            </a:schemeClr>
+          </a:solidFill>
+          <a:ln>
+            <a:solidFill>
+              <a:schemeClr val="accent2"/>
+            </a:solidFill>
+          </a:ln>
+        </p:spPr>
+        <p:style>
+          <a:lnRef idx="2">
+            <a:schemeClr val="accent1">
+              <a:shade val="50000"/>
+            </a:schemeClr>
+          </a:lnRef>
+          <a:fillRef idx="1">
+            <a:schemeClr val="accent1"/>
+          </a:fillRef>
+          <a:effectRef idx="0">
+            <a:schemeClr val="accent1"/>
+          </a:effectRef>
+          <a:fontRef idx="minor">
+            <a:schemeClr val="lt1"/>
+          </a:fontRef>
+        </p:style>
+        <p:txBody>
+          <a:bodyPr rtlCol="0" anchor="ctr"/>
+          <a:lstStyle/>
+          <a:p>
+            <a:pPr algn="ctr"/>
+            <a:endParaRPr kumimoji="1" lang="ja-JP" altLang="en-US"/>
+          </a:p>
+        </p:txBody>
+      </p:sp>
+      <p:sp>
+        <p:nvSpPr>
+          <p:cNvPr id="84" name="正方形/長方形 83">
+            <a:extLst>
+              <a:ext uri="{FF2B5EF4-FFF2-40B4-BE49-F238E27FC236}">
+                <a16:creationId xmlns:a16="http://schemas.microsoft.com/office/drawing/2014/main" id="{972E6625-8228-1847-BAFB-561C5DBD93ED}"/>
+              </a:ext>
+            </a:extLst>
+          </p:cNvPr>
+          <p:cNvSpPr/>
+          <p:nvPr/>
+        </p:nvSpPr>
+        <p:spPr>
+          <a:xfrm>
+            <a:off x="7037724" y="3557683"/>
+            <a:ext cx="239485" cy="247650"/>
+          </a:xfrm>
+          <a:prstGeom prst="rect">
+            <a:avLst/>
+          </a:prstGeom>
+          <a:solidFill>
+            <a:schemeClr val="accent2">
+              <a:lumMod val="40000"/>
+              <a:lumOff val="60000"/>
+            </a:schemeClr>
+          </a:solidFill>
+          <a:ln>
+            <a:solidFill>
+              <a:schemeClr val="accent2"/>
+            </a:solidFill>
+          </a:ln>
+        </p:spPr>
+        <p:style>
+          <a:lnRef idx="2">
+            <a:schemeClr val="accent1">
+              <a:shade val="50000"/>
+            </a:schemeClr>
+          </a:lnRef>
+          <a:fillRef idx="1">
+            <a:schemeClr val="accent1"/>
+          </a:fillRef>
+          <a:effectRef idx="0">
+            <a:schemeClr val="accent1"/>
+          </a:effectRef>
+          <a:fontRef idx="minor">
+            <a:schemeClr val="lt1"/>
+          </a:fontRef>
+        </p:style>
+        <p:txBody>
+          <a:bodyPr rtlCol="0" anchor="ctr"/>
+          <a:lstStyle/>
+          <a:p>
+            <a:pPr algn="ctr"/>
+            <a:endParaRPr kumimoji="1" lang="ja-JP" altLang="en-US"/>
+          </a:p>
+        </p:txBody>
+      </p:sp>
+      <p:sp>
+        <p:nvSpPr>
+          <p:cNvPr id="85" name="正方形/長方形 84">
+            <a:extLst>
+              <a:ext uri="{FF2B5EF4-FFF2-40B4-BE49-F238E27FC236}">
+                <a16:creationId xmlns:a16="http://schemas.microsoft.com/office/drawing/2014/main" id="{7C43BEEC-3D65-994C-B9B3-C80E1E5D6F72}"/>
+              </a:ext>
+            </a:extLst>
+          </p:cNvPr>
+          <p:cNvSpPr/>
+          <p:nvPr/>
+        </p:nvSpPr>
+        <p:spPr>
+          <a:xfrm>
+            <a:off x="6251179" y="3524254"/>
+            <a:ext cx="239485" cy="247650"/>
+          </a:xfrm>
+          <a:prstGeom prst="rect">
+            <a:avLst/>
+          </a:prstGeom>
+          <a:solidFill>
+            <a:schemeClr val="accent2">
+              <a:lumMod val="40000"/>
+              <a:lumOff val="60000"/>
+            </a:schemeClr>
+          </a:solidFill>
+          <a:ln>
+            <a:solidFill>
+              <a:schemeClr val="accent2"/>
+            </a:solidFill>
+          </a:ln>
+        </p:spPr>
+        <p:style>
+          <a:lnRef idx="2">
+            <a:schemeClr val="accent1">
+              <a:shade val="50000"/>
+            </a:schemeClr>
+          </a:lnRef>
+          <a:fillRef idx="1">
+            <a:schemeClr val="accent1"/>
+          </a:fillRef>
+          <a:effectRef idx="0">
+            <a:schemeClr val="accent1"/>
+          </a:effectRef>
+          <a:fontRef idx="minor">
+            <a:schemeClr val="lt1"/>
+          </a:fontRef>
+        </p:style>
+        <p:txBody>
+          <a:bodyPr rtlCol="0" anchor="ctr"/>
+          <a:lstStyle/>
+          <a:p>
+            <a:pPr algn="ctr"/>
+            <a:endParaRPr kumimoji="1" lang="ja-JP" altLang="en-US"/>
+          </a:p>
+        </p:txBody>
+      </p:sp>
+      <p:sp>
+        <p:nvSpPr>
+          <p:cNvPr id="86" name="正方形/長方形 85">
+            <a:extLst>
+              <a:ext uri="{FF2B5EF4-FFF2-40B4-BE49-F238E27FC236}">
+                <a16:creationId xmlns:a16="http://schemas.microsoft.com/office/drawing/2014/main" id="{303D5FA7-5A31-5B42-9D3A-0BA56447D817}"/>
+              </a:ext>
+            </a:extLst>
+          </p:cNvPr>
+          <p:cNvSpPr/>
+          <p:nvPr/>
+        </p:nvSpPr>
+        <p:spPr>
+          <a:xfrm>
+            <a:off x="5682402" y="4246791"/>
+            <a:ext cx="239485" cy="247650"/>
+          </a:xfrm>
+          <a:prstGeom prst="rect">
+            <a:avLst/>
+          </a:prstGeom>
+          <a:solidFill>
+            <a:schemeClr val="accent2">
+              <a:lumMod val="40000"/>
+              <a:lumOff val="60000"/>
+            </a:schemeClr>
+          </a:solidFill>
+          <a:ln>
+            <a:solidFill>
+              <a:schemeClr val="accent2"/>
+            </a:solidFill>
+          </a:ln>
+        </p:spPr>
+        <p:style>
+          <a:lnRef idx="2">
+            <a:schemeClr val="accent1">
+              <a:shade val="50000"/>
+            </a:schemeClr>
+          </a:lnRef>
+          <a:fillRef idx="1">
+            <a:schemeClr val="accent1"/>
+          </a:fillRef>
+          <a:effectRef idx="0">
+            <a:schemeClr val="accent1"/>
+          </a:effectRef>
+          <a:fontRef idx="minor">
+            <a:schemeClr val="lt1"/>
+          </a:fontRef>
+        </p:style>
+        <p:txBody>
+          <a:bodyPr rtlCol="0" anchor="ctr"/>
+          <a:lstStyle/>
+          <a:p>
+            <a:pPr algn="ctr"/>
+            <a:endParaRPr kumimoji="1" lang="ja-JP" altLang="en-US"/>
+          </a:p>
+        </p:txBody>
+      </p:sp>
+    </p:spTree>
+    <p:extLst>
+      <p:ext uri="{BB962C8B-B14F-4D97-AF65-F5344CB8AC3E}">
+        <p14:creationId xmlns:p14="http://schemas.microsoft.com/office/powerpoint/2010/main" val="3830093751"/>
+      </p:ext>
+    </p:extLst>
+  </p:cSld>
+  <p:clrMapOvr>
+    <a:masterClrMapping/>
+  </p:clrMapOvr>
+</p:sld>
+</file>
+
+<file path=ppt/slides/slide4.xml><?xml version="1.0" encoding="utf-8"?>
+<p:sld xmlns:a="http://schemas.openxmlformats.org/drawingml/2006/main" xmlns:r="http://schemas.openxmlformats.org/officeDocument/2006/relationships" xmlns:p="http://schemas.openxmlformats.org/presentationml/2006/main">
+  <p:cSld>
+    <p:spTree>
+      <p:nvGrpSpPr>
+        <p:cNvPr id="1" name=""/>
+        <p:cNvGrpSpPr/>
+        <p:nvPr/>
+      </p:nvGrpSpPr>
+      <p:grpSpPr>
+        <a:xfrm>
+          <a:off x="0" y="0"/>
+          <a:ext cx="0" cy="0"/>
+          <a:chOff x="0" y="0"/>
+          <a:chExt cx="0" cy="0"/>
+        </a:xfrm>
+      </p:grpSpPr>
+      <p:sp>
+        <p:nvSpPr>
+          <p:cNvPr id="4" name="テキスト ボックス 3">
+            <a:extLst>
+              <a:ext uri="{FF2B5EF4-FFF2-40B4-BE49-F238E27FC236}">
+                <a16:creationId xmlns:a16="http://schemas.microsoft.com/office/drawing/2014/main" id="{10EDA54C-1376-114B-87DC-F02D7C5FA7C1}"/>
+              </a:ext>
+            </a:extLst>
+          </p:cNvPr>
+          <p:cNvSpPr txBox="1"/>
+          <p:nvPr/>
+        </p:nvSpPr>
+        <p:spPr>
+          <a:xfrm>
+            <a:off x="4180114" y="1001486"/>
+            <a:ext cx="1866217" cy="369332"/>
+          </a:xfrm>
+          <a:prstGeom prst="rect">
+            <a:avLst/>
+          </a:prstGeom>
+          <a:noFill/>
+          <a:ln w="28575">
+            <a:solidFill>
+              <a:schemeClr val="tx1"/>
+            </a:solidFill>
+          </a:ln>
+        </p:spPr>
+        <p:txBody>
+          <a:bodyPr wrap="none" rtlCol="0">
+            <a:spAutoFit/>
+          </a:bodyPr>
+          <a:lstStyle/>
+          <a:p>
+            <a:r>
+              <a:rPr lang="ja-JP" altLang="en-US" b="1">
+                <a:latin typeface="Hiragino Sans W4" panose="020B0400000000000000" pitchFamily="34" charset="-128"/>
+                <a:ea typeface="Hiragino Sans W4" panose="020B0400000000000000" pitchFamily="34" charset="-128"/>
+              </a:rPr>
+              <a:t>学習データ</a:t>
+            </a:r>
+            <a:r>
+              <a:rPr lang="en-US" altLang="ja-JP" b="1" i="1" dirty="0">
+                <a:latin typeface="Hiragino Sans W4" panose="020B0400000000000000" pitchFamily="34" charset="-128"/>
+                <a:ea typeface="Hiragino Sans W4" panose="020B0400000000000000" pitchFamily="34" charset="-128"/>
+              </a:rPr>
+              <a:t>N</a:t>
+            </a:r>
+            <a:r>
+              <a:rPr lang="ja-JP" altLang="en-US" b="1" i="1">
+                <a:latin typeface="Hiragino Sans W4" panose="020B0400000000000000" pitchFamily="34" charset="-128"/>
+                <a:ea typeface="Hiragino Sans W4" panose="020B0400000000000000" pitchFamily="34" charset="-128"/>
+              </a:rPr>
+              <a:t> </a:t>
+            </a:r>
+            <a:r>
+              <a:rPr lang="ja-JP" altLang="en-US" b="1">
+                <a:latin typeface="Hiragino Sans W4" panose="020B0400000000000000" pitchFamily="34" charset="-128"/>
+                <a:ea typeface="Hiragino Sans W4" panose="020B0400000000000000" pitchFamily="34" charset="-128"/>
+              </a:rPr>
+              <a:t>個</a:t>
+            </a:r>
+            <a:endParaRPr kumimoji="1" lang="ja-JP" altLang="en-US" b="1">
+              <a:latin typeface="Hiragino Sans W4" panose="020B0400000000000000" pitchFamily="34" charset="-128"/>
+              <a:ea typeface="Hiragino Sans W4" panose="020B0400000000000000" pitchFamily="34" charset="-128"/>
+            </a:endParaRPr>
+          </a:p>
+        </p:txBody>
+      </p:sp>
+      <p:cxnSp>
+        <p:nvCxnSpPr>
+          <p:cNvPr id="6" name="直線矢印コネクタ 5">
+            <a:extLst>
+              <a:ext uri="{FF2B5EF4-FFF2-40B4-BE49-F238E27FC236}">
+                <a16:creationId xmlns:a16="http://schemas.microsoft.com/office/drawing/2014/main" id="{8CD43F7A-BE53-7747-9AE5-DDE343D78612}"/>
+              </a:ext>
+            </a:extLst>
+          </p:cNvPr>
+          <p:cNvCxnSpPr>
+            <a:cxnSpLocks/>
+            <a:stCxn id="4" idx="2"/>
+            <a:endCxn id="25" idx="0"/>
+          </p:cNvCxnSpPr>
+          <p:nvPr/>
+        </p:nvCxnSpPr>
+        <p:spPr>
+          <a:xfrm flipH="1">
+            <a:off x="1984353" y="1370818"/>
+            <a:ext cx="3128870" cy="602982"/>
+          </a:xfrm>
+          <a:prstGeom prst="straightConnector1">
+            <a:avLst/>
+          </a:prstGeom>
+          <a:ln w="57150">
+            <a:solidFill>
+              <a:schemeClr val="tx1"/>
+            </a:solidFill>
+            <a:tailEnd type="triangle"/>
+          </a:ln>
+        </p:spPr>
+        <p:style>
+          <a:lnRef idx="1">
+            <a:schemeClr val="accent1"/>
+          </a:lnRef>
+          <a:fillRef idx="0">
+            <a:schemeClr val="accent1"/>
+          </a:fillRef>
+          <a:effectRef idx="0">
+            <a:schemeClr val="accent1"/>
+          </a:effectRef>
+          <a:fontRef idx="minor">
+            <a:schemeClr val="tx1"/>
+          </a:fontRef>
+        </p:style>
+      </p:cxnSp>
+      <p:cxnSp>
+        <p:nvCxnSpPr>
+          <p:cNvPr id="7" name="直線矢印コネクタ 6">
+            <a:extLst>
+              <a:ext uri="{FF2B5EF4-FFF2-40B4-BE49-F238E27FC236}">
+                <a16:creationId xmlns:a16="http://schemas.microsoft.com/office/drawing/2014/main" id="{99618FF2-18BC-DD42-8E86-0EEDEC1FFFB8}"/>
+              </a:ext>
+            </a:extLst>
+          </p:cNvPr>
+          <p:cNvCxnSpPr>
+            <a:cxnSpLocks/>
+            <a:stCxn id="4" idx="2"/>
+            <a:endCxn id="26" idx="0"/>
+          </p:cNvCxnSpPr>
+          <p:nvPr/>
+        </p:nvCxnSpPr>
+        <p:spPr>
+          <a:xfrm flipH="1">
+            <a:off x="4626231" y="1370818"/>
+            <a:ext cx="486992" cy="602982"/>
+          </a:xfrm>
+          <a:prstGeom prst="straightConnector1">
+            <a:avLst/>
+          </a:prstGeom>
+          <a:ln w="57150">
+            <a:solidFill>
+              <a:schemeClr val="tx1"/>
+            </a:solidFill>
+            <a:tailEnd type="triangle"/>
+          </a:ln>
+        </p:spPr>
+        <p:style>
+          <a:lnRef idx="1">
+            <a:schemeClr val="accent1"/>
+          </a:lnRef>
+          <a:fillRef idx="0">
+            <a:schemeClr val="accent1"/>
+          </a:fillRef>
+          <a:effectRef idx="0">
+            <a:schemeClr val="accent1"/>
+          </a:effectRef>
+          <a:fontRef idx="minor">
+            <a:schemeClr val="tx1"/>
+          </a:fontRef>
+        </p:style>
+      </p:cxnSp>
+      <p:sp>
+        <p:nvSpPr>
+          <p:cNvPr id="25" name="テキスト ボックス 24">
+            <a:extLst>
+              <a:ext uri="{FF2B5EF4-FFF2-40B4-BE49-F238E27FC236}">
+                <a16:creationId xmlns:a16="http://schemas.microsoft.com/office/drawing/2014/main" id="{C57C7513-683B-C14D-BB10-49603A0022DA}"/>
+              </a:ext>
+            </a:extLst>
+          </p:cNvPr>
+          <p:cNvSpPr txBox="1"/>
+          <p:nvPr/>
+        </p:nvSpPr>
+        <p:spPr>
+          <a:xfrm>
+            <a:off x="949454" y="1973800"/>
+            <a:ext cx="2069797" cy="646331"/>
+          </a:xfrm>
+          <a:prstGeom prst="rect">
+            <a:avLst/>
+          </a:prstGeom>
+          <a:noFill/>
+          <a:ln w="28575">
+            <a:solidFill>
+              <a:schemeClr val="tx1"/>
+            </a:solidFill>
+          </a:ln>
+        </p:spPr>
+        <p:txBody>
+          <a:bodyPr wrap="none" rtlCol="0">
+            <a:spAutoFit/>
+          </a:bodyPr>
+          <a:lstStyle/>
+          <a:p>
+            <a:r>
+              <a:rPr kumimoji="1" lang="ja-JP" altLang="en-US" b="1">
+                <a:latin typeface="Hiragino Sans W4" panose="020B0400000000000000" pitchFamily="34" charset="-128"/>
+                <a:ea typeface="Hiragino Sans W4" panose="020B0400000000000000" pitchFamily="34" charset="-128"/>
+              </a:rPr>
+              <a:t>ブートストラップ</a:t>
+            </a:r>
+            <a:endParaRPr kumimoji="1" lang="en-US" altLang="ja-JP" b="1" dirty="0">
+              <a:latin typeface="Hiragino Sans W4" panose="020B0400000000000000" pitchFamily="34" charset="-128"/>
+              <a:ea typeface="Hiragino Sans W4" panose="020B0400000000000000" pitchFamily="34" charset="-128"/>
+            </a:endParaRPr>
+          </a:p>
+          <a:p>
+            <a:r>
+              <a:rPr kumimoji="1" lang="ja-JP" altLang="en-US" b="1">
+                <a:latin typeface="Hiragino Sans W4" panose="020B0400000000000000" pitchFamily="34" charset="-128"/>
+                <a:ea typeface="Hiragino Sans W4" panose="020B0400000000000000" pitchFamily="34" charset="-128"/>
+              </a:rPr>
+              <a:t>サンプル</a:t>
+            </a:r>
+            <a:r>
+              <a:rPr kumimoji="1" lang="en-US" altLang="ja-JP" b="1" dirty="0">
+                <a:latin typeface="Hiragino Sans W4" panose="020B0400000000000000" pitchFamily="34" charset="-128"/>
+                <a:ea typeface="Hiragino Sans W4" panose="020B0400000000000000" pitchFamily="34" charset="-128"/>
+              </a:rPr>
+              <a:t>1</a:t>
+            </a:r>
+            <a:endParaRPr kumimoji="1" lang="ja-JP" altLang="en-US" b="1">
+              <a:latin typeface="Hiragino Sans W4" panose="020B0400000000000000" pitchFamily="34" charset="-128"/>
+              <a:ea typeface="Hiragino Sans W4" panose="020B0400000000000000" pitchFamily="34" charset="-128"/>
+            </a:endParaRPr>
+          </a:p>
+        </p:txBody>
+      </p:sp>
+      <p:sp>
+        <p:nvSpPr>
+          <p:cNvPr id="26" name="テキスト ボックス 25">
+            <a:extLst>
+              <a:ext uri="{FF2B5EF4-FFF2-40B4-BE49-F238E27FC236}">
+                <a16:creationId xmlns:a16="http://schemas.microsoft.com/office/drawing/2014/main" id="{C1722A0E-5975-734B-A618-D5DE057F4108}"/>
+              </a:ext>
+            </a:extLst>
+          </p:cNvPr>
+          <p:cNvSpPr txBox="1"/>
+          <p:nvPr/>
+        </p:nvSpPr>
+        <p:spPr>
+          <a:xfrm>
+            <a:off x="3591332" y="1973800"/>
+            <a:ext cx="2069797" cy="646331"/>
+          </a:xfrm>
+          <a:prstGeom prst="rect">
+            <a:avLst/>
+          </a:prstGeom>
+          <a:noFill/>
+          <a:ln w="28575">
+            <a:solidFill>
+              <a:schemeClr val="tx1"/>
+            </a:solidFill>
+          </a:ln>
+        </p:spPr>
+        <p:txBody>
+          <a:bodyPr wrap="none" rtlCol="0">
+            <a:spAutoFit/>
+          </a:bodyPr>
+          <a:lstStyle/>
+          <a:p>
+            <a:r>
+              <a:rPr kumimoji="1" lang="ja-JP" altLang="en-US" b="1">
+                <a:latin typeface="Hiragino Sans W4" panose="020B0400000000000000" pitchFamily="34" charset="-128"/>
+                <a:ea typeface="Hiragino Sans W4" panose="020B0400000000000000" pitchFamily="34" charset="-128"/>
+              </a:rPr>
+              <a:t>ブートストラップ</a:t>
+            </a:r>
+            <a:endParaRPr kumimoji="1" lang="en-US" altLang="ja-JP" b="1" dirty="0">
+              <a:latin typeface="Hiragino Sans W4" panose="020B0400000000000000" pitchFamily="34" charset="-128"/>
+              <a:ea typeface="Hiragino Sans W4" panose="020B0400000000000000" pitchFamily="34" charset="-128"/>
+            </a:endParaRPr>
+          </a:p>
+          <a:p>
+            <a:r>
+              <a:rPr kumimoji="1" lang="ja-JP" altLang="en-US" b="1">
+                <a:latin typeface="Hiragino Sans W4" panose="020B0400000000000000" pitchFamily="34" charset="-128"/>
+                <a:ea typeface="Hiragino Sans W4" panose="020B0400000000000000" pitchFamily="34" charset="-128"/>
+              </a:rPr>
+              <a:t>サンプル</a:t>
+            </a:r>
+            <a:r>
+              <a:rPr kumimoji="1" lang="en-US" altLang="ja-JP" b="1" dirty="0">
+                <a:latin typeface="Hiragino Sans W4" panose="020B0400000000000000" pitchFamily="34" charset="-128"/>
+                <a:ea typeface="Hiragino Sans W4" panose="020B0400000000000000" pitchFamily="34" charset="-128"/>
+              </a:rPr>
+              <a:t>2</a:t>
+            </a:r>
+            <a:endParaRPr kumimoji="1" lang="ja-JP" altLang="en-US" b="1">
+              <a:latin typeface="Hiragino Sans W4" panose="020B0400000000000000" pitchFamily="34" charset="-128"/>
+              <a:ea typeface="Hiragino Sans W4" panose="020B0400000000000000" pitchFamily="34" charset="-128"/>
+            </a:endParaRPr>
+          </a:p>
+        </p:txBody>
+      </p:sp>
+      <p:sp>
+        <p:nvSpPr>
+          <p:cNvPr id="27" name="テキスト ボックス 26">
+            <a:extLst>
+              <a:ext uri="{FF2B5EF4-FFF2-40B4-BE49-F238E27FC236}">
+                <a16:creationId xmlns:a16="http://schemas.microsoft.com/office/drawing/2014/main" id="{74925CB2-23C0-5048-B006-5BCA68276AE0}"/>
+              </a:ext>
+            </a:extLst>
+          </p:cNvPr>
+          <p:cNvSpPr txBox="1"/>
+          <p:nvPr/>
+        </p:nvSpPr>
+        <p:spPr>
+          <a:xfrm>
+            <a:off x="7714224" y="1970474"/>
+            <a:ext cx="2069797" cy="646331"/>
+          </a:xfrm>
+          <a:prstGeom prst="rect">
+            <a:avLst/>
+          </a:prstGeom>
+          <a:noFill/>
+          <a:ln w="28575">
+            <a:solidFill>
+              <a:schemeClr val="tx1"/>
+            </a:solidFill>
+          </a:ln>
+        </p:spPr>
+        <p:txBody>
+          <a:bodyPr wrap="none" rtlCol="0">
+            <a:spAutoFit/>
+          </a:bodyPr>
+          <a:lstStyle/>
+          <a:p>
+            <a:r>
+              <a:rPr kumimoji="1" lang="ja-JP" altLang="en-US" b="1">
+                <a:latin typeface="Hiragino Sans W4" panose="020B0400000000000000" pitchFamily="34" charset="-128"/>
+                <a:ea typeface="Hiragino Sans W4" panose="020B0400000000000000" pitchFamily="34" charset="-128"/>
+              </a:rPr>
+              <a:t>ブートストラップ</a:t>
+            </a:r>
+            <a:endParaRPr kumimoji="1" lang="en-US" altLang="ja-JP" b="1" dirty="0">
+              <a:latin typeface="Hiragino Sans W4" panose="020B0400000000000000" pitchFamily="34" charset="-128"/>
+              <a:ea typeface="Hiragino Sans W4" panose="020B0400000000000000" pitchFamily="34" charset="-128"/>
+            </a:endParaRPr>
+          </a:p>
+          <a:p>
+            <a:r>
+              <a:rPr kumimoji="1" lang="ja-JP" altLang="en-US" b="1">
+                <a:latin typeface="Hiragino Sans W4" panose="020B0400000000000000" pitchFamily="34" charset="-128"/>
+                <a:ea typeface="Hiragino Sans W4" panose="020B0400000000000000" pitchFamily="34" charset="-128"/>
+              </a:rPr>
+              <a:t>サンプル</a:t>
+            </a:r>
+            <a:r>
+              <a:rPr kumimoji="1" lang="en-US" altLang="ja-JP" b="1" i="1" dirty="0">
+                <a:latin typeface="Hiragino Sans W4" panose="020B0400000000000000" pitchFamily="34" charset="-128"/>
+                <a:ea typeface="Hiragino Sans W4" panose="020B0400000000000000" pitchFamily="34" charset="-128"/>
+              </a:rPr>
+              <a:t>M</a:t>
+            </a:r>
+            <a:endParaRPr kumimoji="1" lang="ja-JP" altLang="en-US" b="1" i="1">
+              <a:latin typeface="Hiragino Sans W4" panose="020B0400000000000000" pitchFamily="34" charset="-128"/>
+              <a:ea typeface="Hiragino Sans W4" panose="020B0400000000000000" pitchFamily="34" charset="-128"/>
+            </a:endParaRPr>
+          </a:p>
+        </p:txBody>
+      </p:sp>
+      <p:cxnSp>
+        <p:nvCxnSpPr>
+          <p:cNvPr id="35" name="直線矢印コネクタ 34">
+            <a:extLst>
+              <a:ext uri="{FF2B5EF4-FFF2-40B4-BE49-F238E27FC236}">
+                <a16:creationId xmlns:a16="http://schemas.microsoft.com/office/drawing/2014/main" id="{C71B6B56-E141-444C-92CE-7612578FAA1C}"/>
+              </a:ext>
+            </a:extLst>
+          </p:cNvPr>
+          <p:cNvCxnSpPr>
+            <a:cxnSpLocks/>
+            <a:stCxn id="4" idx="2"/>
+          </p:cNvCxnSpPr>
+          <p:nvPr/>
+        </p:nvCxnSpPr>
+        <p:spPr>
+          <a:xfrm>
+            <a:off x="5113223" y="1370818"/>
+            <a:ext cx="3493232" cy="602982"/>
+          </a:xfrm>
+          <a:prstGeom prst="straightConnector1">
+            <a:avLst/>
+          </a:prstGeom>
+          <a:ln w="57150">
+            <a:solidFill>
+              <a:schemeClr val="tx1"/>
+            </a:solidFill>
+            <a:tailEnd type="triangle"/>
+          </a:ln>
+        </p:spPr>
+        <p:style>
+          <a:lnRef idx="1">
+            <a:schemeClr val="accent1"/>
+          </a:lnRef>
+          <a:fillRef idx="0">
+            <a:schemeClr val="accent1"/>
+          </a:fillRef>
+          <a:effectRef idx="0">
+            <a:schemeClr val="accent1"/>
+          </a:effectRef>
+          <a:fontRef idx="minor">
+            <a:schemeClr val="tx1"/>
+          </a:fontRef>
+        </p:style>
+      </p:cxnSp>
+      <p:cxnSp>
+        <p:nvCxnSpPr>
+          <p:cNvPr id="36" name="直線矢印コネクタ 35">
+            <a:extLst>
+              <a:ext uri="{FF2B5EF4-FFF2-40B4-BE49-F238E27FC236}">
+                <a16:creationId xmlns:a16="http://schemas.microsoft.com/office/drawing/2014/main" id="{D718FF29-6605-364C-BF97-5566BD4BA52D}"/>
+              </a:ext>
+            </a:extLst>
+          </p:cNvPr>
+          <p:cNvCxnSpPr>
+            <a:cxnSpLocks/>
+          </p:cNvCxnSpPr>
+          <p:nvPr/>
+        </p:nvCxnSpPr>
+        <p:spPr>
+          <a:xfrm>
+            <a:off x="6199937" y="2293639"/>
+            <a:ext cx="1015244" cy="0"/>
+          </a:xfrm>
+          <a:prstGeom prst="straightConnector1">
+            <a:avLst/>
+          </a:prstGeom>
+          <a:ln w="57150">
+            <a:solidFill>
+              <a:schemeClr val="tx1"/>
+            </a:solidFill>
+            <a:prstDash val="sysDot"/>
+            <a:headEnd type="none"/>
+            <a:tailEnd type="none"/>
+          </a:ln>
+        </p:spPr>
+        <p:style>
+          <a:lnRef idx="1">
+            <a:schemeClr val="accent1"/>
+          </a:lnRef>
+          <a:fillRef idx="0">
+            <a:schemeClr val="accent1"/>
+          </a:fillRef>
+          <a:effectRef idx="0">
+            <a:schemeClr val="accent1"/>
+          </a:effectRef>
+          <a:fontRef idx="minor">
+            <a:schemeClr val="tx1"/>
+          </a:fontRef>
+        </p:style>
+      </p:cxnSp>
+      <p:sp>
+        <p:nvSpPr>
+          <p:cNvPr id="18" name="テキスト ボックス 17">
+            <a:extLst>
+              <a:ext uri="{FF2B5EF4-FFF2-40B4-BE49-F238E27FC236}">
+                <a16:creationId xmlns:a16="http://schemas.microsoft.com/office/drawing/2014/main" id="{73955BFE-B3CC-3248-8381-F2B4E18F4FCE}"/>
+              </a:ext>
+            </a:extLst>
+          </p:cNvPr>
+          <p:cNvSpPr txBox="1"/>
+          <p:nvPr/>
+        </p:nvSpPr>
+        <p:spPr>
+          <a:xfrm>
+            <a:off x="6623635" y="1299310"/>
+            <a:ext cx="1107996" cy="369332"/>
+          </a:xfrm>
+          <a:prstGeom prst="rect">
+            <a:avLst/>
+          </a:prstGeom>
+          <a:noFill/>
+        </p:spPr>
+        <p:txBody>
+          <a:bodyPr wrap="none" rtlCol="0">
+            <a:spAutoFit/>
+          </a:bodyPr>
+          <a:lstStyle/>
+          <a:p>
+            <a:r>
+              <a:rPr lang="ja-JP" altLang="en-US" b="1">
+                <a:latin typeface="Meiryo" panose="020B0604030504040204" pitchFamily="34" charset="-128"/>
+                <a:ea typeface="Meiryo" panose="020B0604030504040204" pitchFamily="34" charset="-128"/>
+              </a:rPr>
+              <a:t>復元抽出</a:t>
+            </a:r>
+            <a:endParaRPr kumimoji="1" lang="ja-JP" altLang="en-US" b="1">
+              <a:latin typeface="Meiryo" panose="020B0604030504040204" pitchFamily="34" charset="-128"/>
+              <a:ea typeface="Meiryo" panose="020B0604030504040204" pitchFamily="34" charset="-128"/>
+            </a:endParaRPr>
+          </a:p>
+        </p:txBody>
+      </p:sp>
+      <p:sp>
+        <p:nvSpPr>
+          <p:cNvPr id="40" name="テキスト ボックス 39">
+            <a:extLst>
+              <a:ext uri="{FF2B5EF4-FFF2-40B4-BE49-F238E27FC236}">
+                <a16:creationId xmlns:a16="http://schemas.microsoft.com/office/drawing/2014/main" id="{DF86DECF-DB6F-C344-8D2F-1D694F54E397}"/>
+              </a:ext>
+            </a:extLst>
+          </p:cNvPr>
+          <p:cNvSpPr txBox="1"/>
+          <p:nvPr/>
+        </p:nvSpPr>
+        <p:spPr>
+          <a:xfrm>
+            <a:off x="1340586" y="3223113"/>
+            <a:ext cx="1362874" cy="646331"/>
+          </a:xfrm>
+          <a:prstGeom prst="rect">
+            <a:avLst/>
+          </a:prstGeom>
+          <a:noFill/>
+          <a:ln w="28575">
+            <a:solidFill>
+              <a:schemeClr val="tx1"/>
+            </a:solidFill>
+          </a:ln>
+        </p:spPr>
+        <p:txBody>
+          <a:bodyPr wrap="none" rtlCol="0">
+            <a:spAutoFit/>
+          </a:bodyPr>
+          <a:lstStyle/>
+          <a:p>
+            <a:r>
+              <a:rPr kumimoji="1" lang="ja-JP" altLang="en-US" b="1">
+                <a:latin typeface="Hiragino Sans W4" panose="020B0400000000000000" pitchFamily="34" charset="-128"/>
+                <a:ea typeface="Hiragino Sans W4" panose="020B0400000000000000" pitchFamily="34" charset="-128"/>
+              </a:rPr>
+              <a:t>弱学習器</a:t>
+            </a:r>
+            <a:r>
+              <a:rPr kumimoji="1" lang="en-US" altLang="ja-JP" b="1" dirty="0">
+                <a:latin typeface="Hiragino Sans W4" panose="020B0400000000000000" pitchFamily="34" charset="-128"/>
+                <a:ea typeface="Hiragino Sans W4" panose="020B0400000000000000" pitchFamily="34" charset="-128"/>
+              </a:rPr>
+              <a:t>1</a:t>
+            </a:r>
+          </a:p>
+          <a:p>
+            <a:r>
+              <a:rPr kumimoji="1" lang="ja-JP" altLang="en-US" b="1">
+                <a:latin typeface="Hiragino Sans W4" panose="020B0400000000000000" pitchFamily="34" charset="-128"/>
+                <a:ea typeface="Hiragino Sans W4" panose="020B0400000000000000" pitchFamily="34" charset="-128"/>
+              </a:rPr>
+              <a:t>（決定木）</a:t>
+            </a:r>
+          </a:p>
+        </p:txBody>
+      </p:sp>
+      <p:sp>
+        <p:nvSpPr>
+          <p:cNvPr id="47" name="テキスト ボックス 46">
+            <a:extLst>
+              <a:ext uri="{FF2B5EF4-FFF2-40B4-BE49-F238E27FC236}">
+                <a16:creationId xmlns:a16="http://schemas.microsoft.com/office/drawing/2014/main" id="{FA3433E8-04A1-2241-9157-54E61E3E417A}"/>
+              </a:ext>
+            </a:extLst>
+          </p:cNvPr>
+          <p:cNvSpPr txBox="1"/>
+          <p:nvPr/>
+        </p:nvSpPr>
+        <p:spPr>
+          <a:xfrm>
+            <a:off x="3982464" y="3223113"/>
+            <a:ext cx="1362874" cy="646331"/>
+          </a:xfrm>
+          <a:prstGeom prst="rect">
+            <a:avLst/>
+          </a:prstGeom>
+          <a:noFill/>
+          <a:ln w="28575">
+            <a:solidFill>
+              <a:schemeClr val="tx1"/>
+            </a:solidFill>
+          </a:ln>
+        </p:spPr>
+        <p:txBody>
+          <a:bodyPr wrap="none" rtlCol="0">
+            <a:spAutoFit/>
+          </a:bodyPr>
+          <a:lstStyle/>
+          <a:p>
+            <a:r>
+              <a:rPr kumimoji="1" lang="ja-JP" altLang="en-US" b="1">
+                <a:latin typeface="Hiragino Sans W4" panose="020B0400000000000000" pitchFamily="34" charset="-128"/>
+                <a:ea typeface="Hiragino Sans W4" panose="020B0400000000000000" pitchFamily="34" charset="-128"/>
+              </a:rPr>
+              <a:t>弱学習器</a:t>
+            </a:r>
+            <a:r>
+              <a:rPr lang="en-US" altLang="ja-JP" b="1" dirty="0">
+                <a:latin typeface="Hiragino Sans W4" panose="020B0400000000000000" pitchFamily="34" charset="-128"/>
+                <a:ea typeface="Hiragino Sans W4" panose="020B0400000000000000" pitchFamily="34" charset="-128"/>
+              </a:rPr>
+              <a:t>2</a:t>
+            </a:r>
+          </a:p>
+          <a:p>
+            <a:r>
+              <a:rPr lang="ja-JP" altLang="en-US" b="1">
+                <a:latin typeface="Hiragino Sans W4" panose="020B0400000000000000" pitchFamily="34" charset="-128"/>
+                <a:ea typeface="Hiragino Sans W4" panose="020B0400000000000000" pitchFamily="34" charset="-128"/>
+              </a:rPr>
+              <a:t>（決定木）</a:t>
+            </a:r>
+          </a:p>
+        </p:txBody>
+      </p:sp>
+      <p:sp>
+        <p:nvSpPr>
+          <p:cNvPr id="48" name="テキスト ボックス 47">
+            <a:extLst>
+              <a:ext uri="{FF2B5EF4-FFF2-40B4-BE49-F238E27FC236}">
+                <a16:creationId xmlns:a16="http://schemas.microsoft.com/office/drawing/2014/main" id="{6C63CF99-198C-D34D-BEE9-EA4A1D386C39}"/>
+              </a:ext>
+            </a:extLst>
+          </p:cNvPr>
+          <p:cNvSpPr txBox="1"/>
+          <p:nvPr/>
+        </p:nvSpPr>
+        <p:spPr>
+          <a:xfrm>
+            <a:off x="8072494" y="3244334"/>
+            <a:ext cx="1362874" cy="646331"/>
+          </a:xfrm>
+          <a:prstGeom prst="rect">
+            <a:avLst/>
+          </a:prstGeom>
+          <a:noFill/>
+          <a:ln w="28575">
+            <a:solidFill>
+              <a:schemeClr val="tx1"/>
+            </a:solidFill>
+          </a:ln>
+        </p:spPr>
+        <p:txBody>
+          <a:bodyPr wrap="none" rtlCol="0">
+            <a:spAutoFit/>
+          </a:bodyPr>
+          <a:lstStyle/>
+          <a:p>
+            <a:r>
+              <a:rPr kumimoji="1" lang="ja-JP" altLang="en-US" b="1">
+                <a:latin typeface="Hiragino Sans W4" panose="020B0400000000000000" pitchFamily="34" charset="-128"/>
+                <a:ea typeface="Hiragino Sans W4" panose="020B0400000000000000" pitchFamily="34" charset="-128"/>
+              </a:rPr>
+              <a:t>弱学習器</a:t>
+            </a:r>
+            <a:r>
+              <a:rPr lang="en-US" altLang="ja-JP" b="1" i="1" dirty="0">
+                <a:latin typeface="Hiragino Sans W4" panose="020B0400000000000000" pitchFamily="34" charset="-128"/>
+                <a:ea typeface="Hiragino Sans W4" panose="020B0400000000000000" pitchFamily="34" charset="-128"/>
+              </a:rPr>
+              <a:t>M</a:t>
+            </a:r>
+          </a:p>
+          <a:p>
+            <a:r>
+              <a:rPr lang="ja-JP" altLang="en-US" b="1">
+                <a:latin typeface="Hiragino Sans W4" panose="020B0400000000000000" pitchFamily="34" charset="-128"/>
+                <a:ea typeface="Hiragino Sans W4" panose="020B0400000000000000" pitchFamily="34" charset="-128"/>
+              </a:rPr>
+              <a:t>（決定木）</a:t>
+            </a:r>
+          </a:p>
+        </p:txBody>
+      </p:sp>
+      <p:cxnSp>
+        <p:nvCxnSpPr>
+          <p:cNvPr id="49" name="直線矢印コネクタ 48">
+            <a:extLst>
+              <a:ext uri="{FF2B5EF4-FFF2-40B4-BE49-F238E27FC236}">
+                <a16:creationId xmlns:a16="http://schemas.microsoft.com/office/drawing/2014/main" id="{74926C3E-94A3-9F43-9533-4D8D659ACD37}"/>
+              </a:ext>
+            </a:extLst>
+          </p:cNvPr>
+          <p:cNvCxnSpPr>
+            <a:cxnSpLocks/>
+            <a:stCxn id="25" idx="2"/>
+            <a:endCxn id="40" idx="0"/>
+          </p:cNvCxnSpPr>
+          <p:nvPr/>
+        </p:nvCxnSpPr>
+        <p:spPr>
+          <a:xfrm>
+            <a:off x="1984353" y="2620131"/>
+            <a:ext cx="37670" cy="602982"/>
+          </a:xfrm>
+          <a:prstGeom prst="straightConnector1">
+            <a:avLst/>
+          </a:prstGeom>
+          <a:ln w="57150">
+            <a:solidFill>
+              <a:schemeClr val="tx1"/>
+            </a:solidFill>
+            <a:tailEnd type="triangle"/>
+          </a:ln>
+        </p:spPr>
+        <p:style>
+          <a:lnRef idx="1">
+            <a:schemeClr val="accent1"/>
+          </a:lnRef>
+          <a:fillRef idx="0">
+            <a:schemeClr val="accent1"/>
+          </a:fillRef>
+          <a:effectRef idx="0">
+            <a:schemeClr val="accent1"/>
+          </a:effectRef>
+          <a:fontRef idx="minor">
+            <a:schemeClr val="tx1"/>
+          </a:fontRef>
+        </p:style>
+      </p:cxnSp>
+      <p:cxnSp>
+        <p:nvCxnSpPr>
+          <p:cNvPr id="50" name="直線矢印コネクタ 49">
+            <a:extLst>
+              <a:ext uri="{FF2B5EF4-FFF2-40B4-BE49-F238E27FC236}">
+                <a16:creationId xmlns:a16="http://schemas.microsoft.com/office/drawing/2014/main" id="{446B9FDE-F82E-9747-AE4D-61F048A4F4D1}"/>
+              </a:ext>
+            </a:extLst>
+          </p:cNvPr>
+          <p:cNvCxnSpPr>
+            <a:cxnSpLocks/>
+            <a:stCxn id="26" idx="2"/>
+            <a:endCxn id="47" idx="0"/>
+          </p:cNvCxnSpPr>
+          <p:nvPr/>
+        </p:nvCxnSpPr>
+        <p:spPr>
+          <a:xfrm>
+            <a:off x="4626231" y="2620131"/>
+            <a:ext cx="37670" cy="602982"/>
+          </a:xfrm>
+          <a:prstGeom prst="straightConnector1">
+            <a:avLst/>
+          </a:prstGeom>
+          <a:ln w="57150">
+            <a:solidFill>
+              <a:schemeClr val="tx1"/>
+            </a:solidFill>
+            <a:tailEnd type="triangle"/>
+          </a:ln>
+        </p:spPr>
+        <p:style>
+          <a:lnRef idx="1">
+            <a:schemeClr val="accent1"/>
+          </a:lnRef>
+          <a:fillRef idx="0">
+            <a:schemeClr val="accent1"/>
+          </a:fillRef>
+          <a:effectRef idx="0">
+            <a:schemeClr val="accent1"/>
+          </a:effectRef>
+          <a:fontRef idx="minor">
+            <a:schemeClr val="tx1"/>
+          </a:fontRef>
+        </p:style>
+      </p:cxnSp>
+      <p:cxnSp>
+        <p:nvCxnSpPr>
+          <p:cNvPr id="51" name="直線矢印コネクタ 50">
+            <a:extLst>
+              <a:ext uri="{FF2B5EF4-FFF2-40B4-BE49-F238E27FC236}">
+                <a16:creationId xmlns:a16="http://schemas.microsoft.com/office/drawing/2014/main" id="{5B07D097-3967-7041-AE6D-AFB32F82A620}"/>
+              </a:ext>
+            </a:extLst>
+          </p:cNvPr>
+          <p:cNvCxnSpPr>
+            <a:cxnSpLocks/>
+            <a:stCxn id="27" idx="2"/>
+            <a:endCxn id="48" idx="0"/>
+          </p:cNvCxnSpPr>
+          <p:nvPr/>
+        </p:nvCxnSpPr>
+        <p:spPr>
+          <a:xfrm>
+            <a:off x="8749123" y="2616805"/>
+            <a:ext cx="4808" cy="627529"/>
+          </a:xfrm>
+          <a:prstGeom prst="straightConnector1">
+            <a:avLst/>
+          </a:prstGeom>
+          <a:ln w="57150">
+            <a:solidFill>
+              <a:schemeClr val="tx1"/>
+            </a:solidFill>
+            <a:tailEnd type="triangle"/>
+          </a:ln>
+        </p:spPr>
+        <p:style>
+          <a:lnRef idx="1">
+            <a:schemeClr val="accent1"/>
+          </a:lnRef>
+          <a:fillRef idx="0">
+            <a:schemeClr val="accent1"/>
+          </a:fillRef>
+          <a:effectRef idx="0">
+            <a:schemeClr val="accent1"/>
+          </a:effectRef>
+          <a:fontRef idx="minor">
+            <a:schemeClr val="tx1"/>
+          </a:fontRef>
+        </p:style>
+      </p:cxnSp>
+      <p:sp>
+        <p:nvSpPr>
+          <p:cNvPr id="53" name="テキスト ボックス 52">
+            <a:extLst>
+              <a:ext uri="{FF2B5EF4-FFF2-40B4-BE49-F238E27FC236}">
+                <a16:creationId xmlns:a16="http://schemas.microsoft.com/office/drawing/2014/main" id="{E72179B5-FA16-EA46-95A7-25EDDC70AA2F}"/>
+              </a:ext>
+            </a:extLst>
+          </p:cNvPr>
+          <p:cNvSpPr txBox="1"/>
+          <p:nvPr/>
+        </p:nvSpPr>
+        <p:spPr>
+          <a:xfrm>
+            <a:off x="4683273" y="4380093"/>
+            <a:ext cx="891591" cy="369332"/>
+          </a:xfrm>
+          <a:prstGeom prst="rect">
+            <a:avLst/>
+          </a:prstGeom>
+          <a:noFill/>
+          <a:ln w="28575">
+            <a:solidFill>
+              <a:schemeClr val="tx1"/>
+            </a:solidFill>
+          </a:ln>
+        </p:spPr>
+        <p:txBody>
+          <a:bodyPr wrap="none" rtlCol="0">
+            <a:spAutoFit/>
+          </a:bodyPr>
+          <a:lstStyle/>
+          <a:p>
+            <a:r>
+              <a:rPr kumimoji="1" lang="ja-JP" altLang="en-US" b="1">
+                <a:latin typeface="Hiragino Sans W4" panose="020B0400000000000000" pitchFamily="34" charset="-128"/>
+                <a:ea typeface="Hiragino Sans W4" panose="020B0400000000000000" pitchFamily="34" charset="-128"/>
+              </a:rPr>
+              <a:t>多数決</a:t>
+            </a:r>
+          </a:p>
+        </p:txBody>
+      </p:sp>
+      <p:cxnSp>
+        <p:nvCxnSpPr>
+          <p:cNvPr id="54" name="直線矢印コネクタ 53">
+            <a:extLst>
+              <a:ext uri="{FF2B5EF4-FFF2-40B4-BE49-F238E27FC236}">
+                <a16:creationId xmlns:a16="http://schemas.microsoft.com/office/drawing/2014/main" id="{6F923DA4-E249-1E4E-BA3E-A185E83EC634}"/>
+              </a:ext>
+            </a:extLst>
+          </p:cNvPr>
+          <p:cNvCxnSpPr>
+            <a:cxnSpLocks/>
+            <a:stCxn id="40" idx="2"/>
+            <a:endCxn id="53" idx="0"/>
+          </p:cNvCxnSpPr>
+          <p:nvPr/>
+        </p:nvCxnSpPr>
+        <p:spPr>
+          <a:xfrm>
+            <a:off x="2022023" y="3869444"/>
+            <a:ext cx="3107046" cy="510649"/>
+          </a:xfrm>
+          <a:prstGeom prst="straightConnector1">
+            <a:avLst/>
+          </a:prstGeom>
+          <a:ln w="57150">
+            <a:solidFill>
+              <a:schemeClr val="tx1"/>
+            </a:solidFill>
+            <a:tailEnd type="triangle"/>
+          </a:ln>
+        </p:spPr>
+        <p:style>
+          <a:lnRef idx="1">
+            <a:schemeClr val="accent1"/>
+          </a:lnRef>
+          <a:fillRef idx="0">
+            <a:schemeClr val="accent1"/>
+          </a:fillRef>
+          <a:effectRef idx="0">
+            <a:schemeClr val="accent1"/>
+          </a:effectRef>
+          <a:fontRef idx="minor">
+            <a:schemeClr val="tx1"/>
+          </a:fontRef>
+        </p:style>
+      </p:cxnSp>
+      <p:cxnSp>
+        <p:nvCxnSpPr>
+          <p:cNvPr id="57" name="直線矢印コネクタ 56">
+            <a:extLst>
+              <a:ext uri="{FF2B5EF4-FFF2-40B4-BE49-F238E27FC236}">
+                <a16:creationId xmlns:a16="http://schemas.microsoft.com/office/drawing/2014/main" id="{7EAAA4DD-683B-4D4A-91EC-11FB9D7B48E2}"/>
+              </a:ext>
+            </a:extLst>
+          </p:cNvPr>
+          <p:cNvCxnSpPr>
+            <a:cxnSpLocks/>
+            <a:stCxn id="47" idx="2"/>
+            <a:endCxn id="53" idx="0"/>
+          </p:cNvCxnSpPr>
+          <p:nvPr/>
+        </p:nvCxnSpPr>
+        <p:spPr>
+          <a:xfrm>
+            <a:off x="4663901" y="3869444"/>
+            <a:ext cx="465168" cy="510649"/>
+          </a:xfrm>
+          <a:prstGeom prst="straightConnector1">
+            <a:avLst/>
+          </a:prstGeom>
+          <a:ln w="57150">
+            <a:solidFill>
+              <a:schemeClr val="tx1"/>
+            </a:solidFill>
+            <a:tailEnd type="triangle"/>
+          </a:ln>
+        </p:spPr>
+        <p:style>
+          <a:lnRef idx="1">
+            <a:schemeClr val="accent1"/>
+          </a:lnRef>
+          <a:fillRef idx="0">
+            <a:schemeClr val="accent1"/>
+          </a:fillRef>
+          <a:effectRef idx="0">
+            <a:schemeClr val="accent1"/>
+          </a:effectRef>
+          <a:fontRef idx="minor">
+            <a:schemeClr val="tx1"/>
+          </a:fontRef>
+        </p:style>
+      </p:cxnSp>
+      <p:cxnSp>
+        <p:nvCxnSpPr>
+          <p:cNvPr id="60" name="直線矢印コネクタ 59">
+            <a:extLst>
+              <a:ext uri="{FF2B5EF4-FFF2-40B4-BE49-F238E27FC236}">
+                <a16:creationId xmlns:a16="http://schemas.microsoft.com/office/drawing/2014/main" id="{A40E0390-F4F0-004E-95FF-BDC4A1E1A8B8}"/>
+              </a:ext>
+            </a:extLst>
+          </p:cNvPr>
+          <p:cNvCxnSpPr>
+            <a:cxnSpLocks/>
+            <a:stCxn id="48" idx="2"/>
+            <a:endCxn id="53" idx="0"/>
+          </p:cNvCxnSpPr>
+          <p:nvPr/>
+        </p:nvCxnSpPr>
+        <p:spPr>
+          <a:xfrm flipH="1">
+            <a:off x="5129069" y="3890665"/>
+            <a:ext cx="3624862" cy="489428"/>
+          </a:xfrm>
+          <a:prstGeom prst="straightConnector1">
+            <a:avLst/>
+          </a:prstGeom>
+          <a:ln w="57150">
+            <a:solidFill>
+              <a:schemeClr val="tx1"/>
+            </a:solidFill>
+            <a:tailEnd type="triangle"/>
+          </a:ln>
+        </p:spPr>
+        <p:style>
+          <a:lnRef idx="1">
+            <a:schemeClr val="accent1"/>
+          </a:lnRef>
+          <a:fillRef idx="0">
+            <a:schemeClr val="accent1"/>
+          </a:fillRef>
+          <a:effectRef idx="0">
+            <a:schemeClr val="accent1"/>
+          </a:effectRef>
+          <a:fontRef idx="minor">
+            <a:schemeClr val="tx1"/>
+          </a:fontRef>
+        </p:style>
+      </p:cxnSp>
+      <p:cxnSp>
+        <p:nvCxnSpPr>
+          <p:cNvPr id="72" name="直線矢印コネクタ 71">
+            <a:extLst>
+              <a:ext uri="{FF2B5EF4-FFF2-40B4-BE49-F238E27FC236}">
+                <a16:creationId xmlns:a16="http://schemas.microsoft.com/office/drawing/2014/main" id="{50002E92-7311-0349-93E9-EB50D117FF93}"/>
+              </a:ext>
+            </a:extLst>
+          </p:cNvPr>
+          <p:cNvCxnSpPr>
+            <a:cxnSpLocks/>
+            <a:stCxn id="53" idx="2"/>
+          </p:cNvCxnSpPr>
+          <p:nvPr/>
+        </p:nvCxnSpPr>
+        <p:spPr>
+          <a:xfrm flipH="1">
+            <a:off x="5129068" y="4749425"/>
+            <a:ext cx="1" cy="602982"/>
+          </a:xfrm>
+          <a:prstGeom prst="straightConnector1">
+            <a:avLst/>
+          </a:prstGeom>
+          <a:ln w="57150">
+            <a:solidFill>
+              <a:schemeClr val="tx1"/>
+            </a:solidFill>
+            <a:tailEnd type="triangle"/>
+          </a:ln>
+        </p:spPr>
+        <p:style>
+          <a:lnRef idx="1">
+            <a:schemeClr val="accent1"/>
+          </a:lnRef>
+          <a:fillRef idx="0">
+            <a:schemeClr val="accent1"/>
+          </a:fillRef>
+          <a:effectRef idx="0">
+            <a:schemeClr val="accent1"/>
+          </a:effectRef>
+          <a:fontRef idx="minor">
+            <a:schemeClr val="tx1"/>
+          </a:fontRef>
+        </p:style>
+      </p:cxnSp>
+      <p:sp>
+        <p:nvSpPr>
+          <p:cNvPr id="75" name="テキスト ボックス 74">
+            <a:extLst>
+              <a:ext uri="{FF2B5EF4-FFF2-40B4-BE49-F238E27FC236}">
+                <a16:creationId xmlns:a16="http://schemas.microsoft.com/office/drawing/2014/main" id="{87D3E51D-055E-4E44-A5EF-043548E3E729}"/>
+              </a:ext>
+            </a:extLst>
+          </p:cNvPr>
+          <p:cNvSpPr txBox="1"/>
+          <p:nvPr/>
+        </p:nvSpPr>
+        <p:spPr>
+          <a:xfrm>
+            <a:off x="4329810" y="5373628"/>
+            <a:ext cx="1598515" cy="369332"/>
+          </a:xfrm>
+          <a:prstGeom prst="rect">
+            <a:avLst/>
+          </a:prstGeom>
+          <a:noFill/>
+          <a:ln w="28575">
+            <a:solidFill>
+              <a:schemeClr val="tx1"/>
+            </a:solidFill>
+          </a:ln>
+        </p:spPr>
+        <p:txBody>
+          <a:bodyPr wrap="none" rtlCol="0">
+            <a:spAutoFit/>
+          </a:bodyPr>
+          <a:lstStyle/>
+          <a:p>
+            <a:r>
+              <a:rPr kumimoji="1" lang="ja-JP" altLang="en-US" b="1">
+                <a:latin typeface="Hiragino Sans W4" panose="020B0400000000000000" pitchFamily="34" charset="-128"/>
+                <a:ea typeface="Hiragino Sans W4" panose="020B0400000000000000" pitchFamily="34" charset="-128"/>
+              </a:rPr>
+              <a:t>システム出力</a:t>
+            </a:r>
+          </a:p>
+        </p:txBody>
+      </p:sp>
+      <p:sp>
+        <p:nvSpPr>
+          <p:cNvPr id="2" name="テキスト ボックス 1">
+            <a:extLst>
+              <a:ext uri="{FF2B5EF4-FFF2-40B4-BE49-F238E27FC236}">
+                <a16:creationId xmlns:a16="http://schemas.microsoft.com/office/drawing/2014/main" id="{28BFF466-80A6-6448-B551-2E2A3491DE0E}"/>
+              </a:ext>
+            </a:extLst>
+          </p:cNvPr>
+          <p:cNvSpPr txBox="1"/>
+          <p:nvPr/>
+        </p:nvSpPr>
+        <p:spPr>
+          <a:xfrm>
+            <a:off x="9720335" y="2792806"/>
+            <a:ext cx="2262158" cy="646331"/>
+          </a:xfrm>
+          <a:prstGeom prst="rect">
+            <a:avLst/>
+          </a:prstGeom>
+          <a:noFill/>
+          <a:ln>
+            <a:solidFill>
+              <a:schemeClr val="tx1"/>
+            </a:solidFill>
+          </a:ln>
+        </p:spPr>
+        <p:txBody>
+          <a:bodyPr wrap="none" rtlCol="0">
+            <a:spAutoFit/>
+          </a:bodyPr>
+          <a:lstStyle/>
+          <a:p>
+            <a:r>
+              <a:rPr kumimoji="1" lang="ja-JP" altLang="en-US" b="1">
+                <a:latin typeface="Meiryo" panose="020B0604030504040204" pitchFamily="34" charset="-128"/>
+                <a:ea typeface="Meiryo" panose="020B0604030504040204" pitchFamily="34" charset="-128"/>
+              </a:rPr>
+              <a:t>各ノードで属性を</a:t>
+            </a:r>
+            <a:endParaRPr kumimoji="1" lang="en-US" altLang="ja-JP" b="1" dirty="0">
+              <a:latin typeface="Meiryo" panose="020B0604030504040204" pitchFamily="34" charset="-128"/>
+              <a:ea typeface="Meiryo" panose="020B0604030504040204" pitchFamily="34" charset="-128"/>
+            </a:endParaRPr>
+          </a:p>
+          <a:p>
+            <a:r>
+              <a:rPr lang="ja-JP" altLang="en-US" b="1">
+                <a:latin typeface="Meiryo" panose="020B0604030504040204" pitchFamily="34" charset="-128"/>
+                <a:ea typeface="Meiryo" panose="020B0604030504040204" pitchFamily="34" charset="-128"/>
+              </a:rPr>
+              <a:t>ランダムに選択する</a:t>
+            </a:r>
+            <a:endParaRPr kumimoji="1" lang="ja-JP" altLang="en-US" b="1">
+              <a:latin typeface="Meiryo" panose="020B0604030504040204" pitchFamily="34" charset="-128"/>
+              <a:ea typeface="Meiryo" panose="020B0604030504040204" pitchFamily="34" charset="-128"/>
+            </a:endParaRPr>
+          </a:p>
+        </p:txBody>
+      </p:sp>
+      <p:cxnSp>
+        <p:nvCxnSpPr>
+          <p:cNvPr id="24" name="直線矢印コネクタ 23">
+            <a:extLst>
+              <a:ext uri="{FF2B5EF4-FFF2-40B4-BE49-F238E27FC236}">
+                <a16:creationId xmlns:a16="http://schemas.microsoft.com/office/drawing/2014/main" id="{AE054263-7401-6942-83D4-AC34F9668A46}"/>
+              </a:ext>
+            </a:extLst>
+          </p:cNvPr>
+          <p:cNvCxnSpPr>
+            <a:cxnSpLocks/>
+          </p:cNvCxnSpPr>
+          <p:nvPr/>
+        </p:nvCxnSpPr>
+        <p:spPr>
+          <a:xfrm flipH="1">
+            <a:off x="9430560" y="2792806"/>
+            <a:ext cx="289775" cy="423655"/>
+          </a:xfrm>
+          <a:prstGeom prst="straightConnector1">
+            <a:avLst/>
+          </a:prstGeom>
+          <a:ln w="19050">
+            <a:solidFill>
+              <a:schemeClr val="tx1"/>
+            </a:solidFill>
+            <a:prstDash val="sysDash"/>
+            <a:tailEnd type="triangle"/>
+          </a:ln>
+        </p:spPr>
+        <p:style>
+          <a:lnRef idx="1">
+            <a:schemeClr val="accent1"/>
+          </a:lnRef>
+          <a:fillRef idx="0">
+            <a:schemeClr val="accent1"/>
+          </a:fillRef>
+          <a:effectRef idx="0">
+            <a:schemeClr val="accent1"/>
+          </a:effectRef>
+          <a:fontRef idx="minor">
+            <a:schemeClr val="tx1"/>
+          </a:fontRef>
+        </p:style>
+      </p:cxnSp>
+      <p:cxnSp>
+        <p:nvCxnSpPr>
+          <p:cNvPr id="28" name="直線矢印コネクタ 27">
+            <a:extLst>
+              <a:ext uri="{FF2B5EF4-FFF2-40B4-BE49-F238E27FC236}">
+                <a16:creationId xmlns:a16="http://schemas.microsoft.com/office/drawing/2014/main" id="{79A8C9F6-63DA-C148-90FF-7F40C56E3B62}"/>
+              </a:ext>
+            </a:extLst>
+          </p:cNvPr>
+          <p:cNvCxnSpPr>
+            <a:cxnSpLocks/>
+          </p:cNvCxnSpPr>
+          <p:nvPr/>
+        </p:nvCxnSpPr>
+        <p:spPr>
+          <a:xfrm flipH="1">
+            <a:off x="5340530" y="2792806"/>
+            <a:ext cx="4379805" cy="430307"/>
+          </a:xfrm>
+          <a:prstGeom prst="straightConnector1">
+            <a:avLst/>
+          </a:prstGeom>
+          <a:ln w="19050">
+            <a:solidFill>
+              <a:schemeClr val="tx1"/>
+            </a:solidFill>
+            <a:prstDash val="sysDash"/>
+            <a:tailEnd type="triangle"/>
+          </a:ln>
+        </p:spPr>
+        <p:style>
+          <a:lnRef idx="1">
+            <a:schemeClr val="accent1"/>
+          </a:lnRef>
+          <a:fillRef idx="0">
+            <a:schemeClr val="accent1"/>
+          </a:fillRef>
+          <a:effectRef idx="0">
+            <a:schemeClr val="accent1"/>
+          </a:effectRef>
+          <a:fontRef idx="minor">
+            <a:schemeClr val="tx1"/>
+          </a:fontRef>
+        </p:style>
+      </p:cxnSp>
+      <p:cxnSp>
+        <p:nvCxnSpPr>
+          <p:cNvPr id="30" name="直線矢印コネクタ 29">
+            <a:extLst>
+              <a:ext uri="{FF2B5EF4-FFF2-40B4-BE49-F238E27FC236}">
+                <a16:creationId xmlns:a16="http://schemas.microsoft.com/office/drawing/2014/main" id="{B891FD52-AFC9-A645-9465-57E73C14DFBA}"/>
+              </a:ext>
+            </a:extLst>
+          </p:cNvPr>
+          <p:cNvCxnSpPr>
+            <a:cxnSpLocks/>
+          </p:cNvCxnSpPr>
+          <p:nvPr/>
+        </p:nvCxnSpPr>
+        <p:spPr>
+          <a:xfrm flipH="1">
+            <a:off x="2698652" y="2796132"/>
+            <a:ext cx="7021683" cy="420329"/>
+          </a:xfrm>
+          <a:prstGeom prst="straightConnector1">
+            <a:avLst/>
+          </a:prstGeom>
+          <a:ln w="19050">
+            <a:solidFill>
+              <a:schemeClr val="tx1"/>
+            </a:solidFill>
+            <a:prstDash val="sysDash"/>
+            <a:tailEnd type="triangle"/>
+          </a:ln>
+        </p:spPr>
+        <p:style>
+          <a:lnRef idx="1">
+            <a:schemeClr val="accent1"/>
+          </a:lnRef>
+          <a:fillRef idx="0">
+            <a:schemeClr val="accent1"/>
+          </a:fillRef>
+          <a:effectRef idx="0">
+            <a:schemeClr val="accent1"/>
+          </a:effectRef>
+          <a:fontRef idx="minor">
+            <a:schemeClr val="tx1"/>
+          </a:fontRef>
+        </p:style>
+      </p:cxnSp>
+    </p:spTree>
+    <p:extLst>
+      <p:ext uri="{BB962C8B-B14F-4D97-AF65-F5344CB8AC3E}">
+        <p14:creationId xmlns:p14="http://schemas.microsoft.com/office/powerpoint/2010/main" val="3081627418"/>
       </p:ext>
     </p:extLst>
   </p:cSld>
